--- a/2d Projekt/Assets/Sprites/Spritecreator.pptx
+++ b/2d Projekt/Assets/Sprites/Spritecreator.pptx
@@ -11,6 +11,7 @@
     <p:sldId id="259" r:id="rId5"/>
     <p:sldId id="260" r:id="rId6"/>
     <p:sldId id="261" r:id="rId7"/>
+    <p:sldId id="262" r:id="rId8"/>
   </p:sldIdLst>
   <p:sldSz cx="12192000" cy="6858000"/>
   <p:notesSz cx="6858000" cy="9144000"/>
@@ -109,6 +110,11 @@
       </a:defRPr>
     </a:lvl9pPr>
   </p:defaultTextStyle>
+  <p:extLst>
+    <p:ext uri="{EFAFB233-063F-42B5-8137-9DF3F51BA10A}">
+      <p15:sldGuideLst xmlns:p15="http://schemas.microsoft.com/office/powerpoint/2012/main"/>
+    </p:ext>
+  </p:extLst>
 </p:presentation>
 </file>
 
@@ -261,7 +267,7 @@
           <a:p>
             <a:fld id="{6E66F70A-5E0E-461A-B0CB-604740D34008}" type="datetimeFigureOut">
               <a:rPr lang="en-GB" smtClean="0"/>
-              <a:t>13/02/2021</a:t>
+              <a:t>14/02/2021</a:t>
             </a:fld>
             <a:endParaRPr lang="en-GB"/>
           </a:p>
@@ -461,7 +467,7 @@
           <a:p>
             <a:fld id="{6E66F70A-5E0E-461A-B0CB-604740D34008}" type="datetimeFigureOut">
               <a:rPr lang="en-GB" smtClean="0"/>
-              <a:t>13/02/2021</a:t>
+              <a:t>14/02/2021</a:t>
             </a:fld>
             <a:endParaRPr lang="en-GB"/>
           </a:p>
@@ -671,7 +677,7 @@
           <a:p>
             <a:fld id="{6E66F70A-5E0E-461A-B0CB-604740D34008}" type="datetimeFigureOut">
               <a:rPr lang="en-GB" smtClean="0"/>
-              <a:t>13/02/2021</a:t>
+              <a:t>14/02/2021</a:t>
             </a:fld>
             <a:endParaRPr lang="en-GB"/>
           </a:p>
@@ -871,7 +877,7 @@
           <a:p>
             <a:fld id="{6E66F70A-5E0E-461A-B0CB-604740D34008}" type="datetimeFigureOut">
               <a:rPr lang="en-GB" smtClean="0"/>
-              <a:t>13/02/2021</a:t>
+              <a:t>14/02/2021</a:t>
             </a:fld>
             <a:endParaRPr lang="en-GB"/>
           </a:p>
@@ -1147,7 +1153,7 @@
           <a:p>
             <a:fld id="{6E66F70A-5E0E-461A-B0CB-604740D34008}" type="datetimeFigureOut">
               <a:rPr lang="en-GB" smtClean="0"/>
-              <a:t>13/02/2021</a:t>
+              <a:t>14/02/2021</a:t>
             </a:fld>
             <a:endParaRPr lang="en-GB"/>
           </a:p>
@@ -1415,7 +1421,7 @@
           <a:p>
             <a:fld id="{6E66F70A-5E0E-461A-B0CB-604740D34008}" type="datetimeFigureOut">
               <a:rPr lang="en-GB" smtClean="0"/>
-              <a:t>13/02/2021</a:t>
+              <a:t>14/02/2021</a:t>
             </a:fld>
             <a:endParaRPr lang="en-GB"/>
           </a:p>
@@ -1830,7 +1836,7 @@
           <a:p>
             <a:fld id="{6E66F70A-5E0E-461A-B0CB-604740D34008}" type="datetimeFigureOut">
               <a:rPr lang="en-GB" smtClean="0"/>
-              <a:t>13/02/2021</a:t>
+              <a:t>14/02/2021</a:t>
             </a:fld>
             <a:endParaRPr lang="en-GB"/>
           </a:p>
@@ -1972,7 +1978,7 @@
           <a:p>
             <a:fld id="{6E66F70A-5E0E-461A-B0CB-604740D34008}" type="datetimeFigureOut">
               <a:rPr lang="en-GB" smtClean="0"/>
-              <a:t>13/02/2021</a:t>
+              <a:t>14/02/2021</a:t>
             </a:fld>
             <a:endParaRPr lang="en-GB"/>
           </a:p>
@@ -2085,7 +2091,7 @@
           <a:p>
             <a:fld id="{6E66F70A-5E0E-461A-B0CB-604740D34008}" type="datetimeFigureOut">
               <a:rPr lang="en-GB" smtClean="0"/>
-              <a:t>13/02/2021</a:t>
+              <a:t>14/02/2021</a:t>
             </a:fld>
             <a:endParaRPr lang="en-GB"/>
           </a:p>
@@ -2398,7 +2404,7 @@
           <a:p>
             <a:fld id="{6E66F70A-5E0E-461A-B0CB-604740D34008}" type="datetimeFigureOut">
               <a:rPr lang="en-GB" smtClean="0"/>
-              <a:t>13/02/2021</a:t>
+              <a:t>14/02/2021</a:t>
             </a:fld>
             <a:endParaRPr lang="en-GB"/>
           </a:p>
@@ -2687,7 +2693,7 @@
           <a:p>
             <a:fld id="{6E66F70A-5E0E-461A-B0CB-604740D34008}" type="datetimeFigureOut">
               <a:rPr lang="en-GB" smtClean="0"/>
-              <a:t>13/02/2021</a:t>
+              <a:t>14/02/2021</a:t>
             </a:fld>
             <a:endParaRPr lang="en-GB"/>
           </a:p>
@@ -2930,7 +2936,7 @@
           <a:p>
             <a:fld id="{6E66F70A-5E0E-461A-B0CB-604740D34008}" type="datetimeFigureOut">
               <a:rPr lang="en-GB" smtClean="0"/>
-              <a:t>13/02/2021</a:t>
+              <a:t>14/02/2021</a:t>
             </a:fld>
             <a:endParaRPr lang="en-GB"/>
           </a:p>
@@ -10120,6 +10126,14 @@
 <file path=ppt/slides/slide5.xml><?xml version="1.0" encoding="utf-8"?>
 <p:sld xmlns:a="http://schemas.openxmlformats.org/drawingml/2006/main" xmlns:r="http://schemas.openxmlformats.org/officeDocument/2006/relationships" xmlns:p="http://schemas.openxmlformats.org/presentationml/2006/main">
   <p:cSld>
+    <p:bg>
+      <p:bgPr>
+        <a:solidFill>
+          <a:schemeClr val="bg1"/>
+        </a:solidFill>
+        <a:effectLst/>
+      </p:bgPr>
+    </p:bg>
     <p:spTree>
       <p:nvGrpSpPr>
         <p:cNvPr id="1" name=""/>
@@ -10134,6 +10148,42 @@
           <a:chExt cx="0" cy="0"/>
         </a:xfrm>
       </p:grpSpPr>
+      <p:pic>
+        <p:nvPicPr>
+          <p:cNvPr id="7" name="Bildobjekt 6" descr="En bild som visar utomhus, ljus, flygplan, mörk&#10;&#10;Automatiskt genererad beskrivning">
+            <a:extLst>
+              <a:ext uri="{FF2B5EF4-FFF2-40B4-BE49-F238E27FC236}">
+                <a16:creationId xmlns:a16="http://schemas.microsoft.com/office/drawing/2014/main" id="{8EB29F76-C127-4797-819D-D5F435FF322F}"/>
+              </a:ext>
+            </a:extLst>
+          </p:cNvPr>
+          <p:cNvPicPr>
+            <a:picLocks noChangeAspect="1"/>
+          </p:cNvPicPr>
+          <p:nvPr/>
+        </p:nvPicPr>
+        <p:blipFill>
+          <a:blip r:embed="rId2">
+            <a:extLst>
+              <a:ext uri="{28A0092B-C50C-407E-A947-70E740481C1C}">
+                <a14:useLocalDpi xmlns:a14="http://schemas.microsoft.com/office/drawing/2010/main" val="0"/>
+              </a:ext>
+            </a:extLst>
+          </a:blip>
+          <a:stretch>
+            <a:fillRect/>
+          </a:stretch>
+        </p:blipFill>
+        <p:spPr>
+          <a:xfrm>
+            <a:off x="0" y="678886"/>
+            <a:ext cx="12192000" cy="5514975"/>
+          </a:xfrm>
+          <a:prstGeom prst="rect">
+            <a:avLst/>
+          </a:prstGeom>
+        </p:spPr>
+      </p:pic>
       <p:sp>
         <p:nvSpPr>
           <p:cNvPr id="38" name="Rektangel 37">
@@ -10544,6 +10594,68 @@
           </a:prstGeom>
           <a:gradFill>
             <a:gsLst>
+              <a:gs pos="100000">
+                <a:srgbClr val="475D78"/>
+              </a:gs>
+              <a:gs pos="39000">
+                <a:srgbClr val="101E31"/>
+              </a:gs>
+            </a:gsLst>
+            <a:lin ang="0" scaled="0"/>
+          </a:gradFill>
+          <a:ln w="9525">
+            <a:solidFill>
+              <a:schemeClr val="tx1"/>
+            </a:solidFill>
+          </a:ln>
+        </p:spPr>
+        <p:style>
+          <a:lnRef idx="2">
+            <a:schemeClr val="accent1">
+              <a:shade val="50000"/>
+            </a:schemeClr>
+          </a:lnRef>
+          <a:fillRef idx="1">
+            <a:schemeClr val="accent1"/>
+          </a:fillRef>
+          <a:effectRef idx="0">
+            <a:schemeClr val="accent1"/>
+          </a:effectRef>
+          <a:fontRef idx="minor">
+            <a:schemeClr val="lt1"/>
+          </a:fontRef>
+        </p:style>
+        <p:txBody>
+          <a:bodyPr rtlCol="0" anchor="ctr"/>
+          <a:lstStyle/>
+          <a:p>
+            <a:pPr algn="ctr"/>
+            <a:endParaRPr lang="en-GB"/>
+          </a:p>
+        </p:txBody>
+      </p:sp>
+      <p:sp>
+        <p:nvSpPr>
+          <p:cNvPr id="18" name="Rektangel 17">
+            <a:extLst>
+              <a:ext uri="{FF2B5EF4-FFF2-40B4-BE49-F238E27FC236}">
+                <a16:creationId xmlns:a16="http://schemas.microsoft.com/office/drawing/2014/main" id="{9D11ED0E-D9B1-4B3C-84C8-951989F40398}"/>
+              </a:ext>
+            </a:extLst>
+          </p:cNvPr>
+          <p:cNvSpPr/>
+          <p:nvPr/>
+        </p:nvSpPr>
+        <p:spPr>
+          <a:xfrm rot="8236817">
+            <a:off x="2085806" y="5041265"/>
+            <a:ext cx="1092125" cy="45719"/>
+          </a:xfrm>
+          <a:prstGeom prst="rect">
+            <a:avLst/>
+          </a:prstGeom>
+          <a:gradFill>
+            <a:gsLst>
               <a:gs pos="99000">
                 <a:srgbClr val="475D78"/>
               </a:gs>
@@ -10584,104 +10696,6 @@
           </a:p>
         </p:txBody>
       </p:sp>
-      <p:sp>
-        <p:nvSpPr>
-          <p:cNvPr id="18" name="Rektangel 17">
-            <a:extLst>
-              <a:ext uri="{FF2B5EF4-FFF2-40B4-BE49-F238E27FC236}">
-                <a16:creationId xmlns:a16="http://schemas.microsoft.com/office/drawing/2014/main" id="{9D11ED0E-D9B1-4B3C-84C8-951989F40398}"/>
-              </a:ext>
-            </a:extLst>
-          </p:cNvPr>
-          <p:cNvSpPr/>
-          <p:nvPr/>
-        </p:nvSpPr>
-        <p:spPr>
-          <a:xfrm rot="8236817">
-            <a:off x="2085806" y="5041265"/>
-            <a:ext cx="1092125" cy="45719"/>
-          </a:xfrm>
-          <a:prstGeom prst="rect">
-            <a:avLst/>
-          </a:prstGeom>
-          <a:gradFill>
-            <a:gsLst>
-              <a:gs pos="99000">
-                <a:srgbClr val="475D78"/>
-              </a:gs>
-              <a:gs pos="7000">
-                <a:srgbClr val="101E31"/>
-              </a:gs>
-            </a:gsLst>
-            <a:lin ang="5400000" scaled="0"/>
-          </a:gradFill>
-          <a:ln w="9525">
-            <a:solidFill>
-              <a:schemeClr val="tx1"/>
-            </a:solidFill>
-          </a:ln>
-        </p:spPr>
-        <p:style>
-          <a:lnRef idx="2">
-            <a:schemeClr val="accent1">
-              <a:shade val="50000"/>
-            </a:schemeClr>
-          </a:lnRef>
-          <a:fillRef idx="1">
-            <a:schemeClr val="accent1"/>
-          </a:fillRef>
-          <a:effectRef idx="0">
-            <a:schemeClr val="accent1"/>
-          </a:effectRef>
-          <a:fontRef idx="minor">
-            <a:schemeClr val="lt1"/>
-          </a:fontRef>
-        </p:style>
-        <p:txBody>
-          <a:bodyPr rtlCol="0" anchor="ctr"/>
-          <a:lstStyle/>
-          <a:p>
-            <a:pPr algn="ctr"/>
-            <a:endParaRPr lang="en-GB"/>
-          </a:p>
-        </p:txBody>
-      </p:sp>
-      <p:pic>
-        <p:nvPicPr>
-          <p:cNvPr id="7" name="Bildobjekt 6" descr="En bild som visar utomhus, ljus, flygplan, mörk&#10;&#10;Automatiskt genererad beskrivning">
-            <a:extLst>
-              <a:ext uri="{FF2B5EF4-FFF2-40B4-BE49-F238E27FC236}">
-                <a16:creationId xmlns:a16="http://schemas.microsoft.com/office/drawing/2014/main" id="{8EB29F76-C127-4797-819D-D5F435FF322F}"/>
-              </a:ext>
-            </a:extLst>
-          </p:cNvPr>
-          <p:cNvPicPr>
-            <a:picLocks noChangeAspect="1"/>
-          </p:cNvPicPr>
-          <p:nvPr/>
-        </p:nvPicPr>
-        <p:blipFill>
-          <a:blip r:embed="rId2">
-            <a:extLst>
-              <a:ext uri="{28A0092B-C50C-407E-A947-70E740481C1C}">
-                <a14:useLocalDpi xmlns:a14="http://schemas.microsoft.com/office/drawing/2010/main" val="0"/>
-              </a:ext>
-            </a:extLst>
-          </a:blip>
-          <a:stretch>
-            <a:fillRect/>
-          </a:stretch>
-        </p:blipFill>
-        <p:spPr>
-          <a:xfrm>
-            <a:off x="0" y="678886"/>
-            <a:ext cx="12192000" cy="5514975"/>
-          </a:xfrm>
-          <a:prstGeom prst="rect">
-            <a:avLst/>
-          </a:prstGeom>
-        </p:spPr>
-      </p:pic>
       <p:sp>
         <p:nvSpPr>
           <p:cNvPr id="17" name="Rektangel 16">
@@ -11204,6 +11218,242 @@
         <p:spPr>
           <a:xfrm rot="5400000">
             <a:off x="4902208" y="5507740"/>
+            <a:ext cx="146787" cy="121730"/>
+          </a:xfrm>
+          <a:prstGeom prst="trapezoid">
+            <a:avLst>
+              <a:gd name="adj" fmla="val 28738"/>
+            </a:avLst>
+          </a:prstGeom>
+          <a:solidFill>
+            <a:schemeClr val="tx1"/>
+          </a:solidFill>
+          <a:ln>
+            <a:solidFill>
+              <a:srgbClr val="121920"/>
+            </a:solidFill>
+          </a:ln>
+          <a:effectLst>
+            <a:softEdge rad="31750"/>
+          </a:effectLst>
+        </p:spPr>
+        <p:style>
+          <a:lnRef idx="2">
+            <a:schemeClr val="accent1">
+              <a:shade val="50000"/>
+            </a:schemeClr>
+          </a:lnRef>
+          <a:fillRef idx="1">
+            <a:schemeClr val="accent1"/>
+          </a:fillRef>
+          <a:effectRef idx="0">
+            <a:schemeClr val="accent1"/>
+          </a:effectRef>
+          <a:fontRef idx="minor">
+            <a:schemeClr val="lt1"/>
+          </a:fontRef>
+        </p:style>
+        <p:txBody>
+          <a:bodyPr rtlCol="0" anchor="ctr"/>
+          <a:lstStyle/>
+          <a:p>
+            <a:pPr algn="ctr"/>
+            <a:endParaRPr lang="en-GB"/>
+          </a:p>
+        </p:txBody>
+      </p:sp>
+      <p:sp>
+        <p:nvSpPr>
+          <p:cNvPr id="32" name="Parallelltrapets 31">
+            <a:extLst>
+              <a:ext uri="{FF2B5EF4-FFF2-40B4-BE49-F238E27FC236}">
+                <a16:creationId xmlns:a16="http://schemas.microsoft.com/office/drawing/2014/main" id="{B42712A5-31CD-4F98-837E-656356587070}"/>
+              </a:ext>
+            </a:extLst>
+          </p:cNvPr>
+          <p:cNvSpPr/>
+          <p:nvPr/>
+        </p:nvSpPr>
+        <p:spPr>
+          <a:xfrm rot="18499617">
+            <a:off x="5191853" y="5639110"/>
+            <a:ext cx="146787" cy="121730"/>
+          </a:xfrm>
+          <a:prstGeom prst="trapezoid">
+            <a:avLst>
+              <a:gd name="adj" fmla="val 28738"/>
+            </a:avLst>
+          </a:prstGeom>
+          <a:solidFill>
+            <a:schemeClr val="tx1"/>
+          </a:solidFill>
+          <a:ln>
+            <a:solidFill>
+              <a:srgbClr val="121920"/>
+            </a:solidFill>
+          </a:ln>
+          <a:effectLst>
+            <a:softEdge rad="31750"/>
+          </a:effectLst>
+        </p:spPr>
+        <p:style>
+          <a:lnRef idx="2">
+            <a:schemeClr val="accent1">
+              <a:shade val="50000"/>
+            </a:schemeClr>
+          </a:lnRef>
+          <a:fillRef idx="1">
+            <a:schemeClr val="accent1"/>
+          </a:fillRef>
+          <a:effectRef idx="0">
+            <a:schemeClr val="accent1"/>
+          </a:effectRef>
+          <a:fontRef idx="minor">
+            <a:schemeClr val="lt1"/>
+          </a:fontRef>
+        </p:style>
+        <p:txBody>
+          <a:bodyPr rtlCol="0" anchor="ctr"/>
+          <a:lstStyle/>
+          <a:p>
+            <a:pPr algn="ctr"/>
+            <a:endParaRPr lang="en-GB"/>
+          </a:p>
+        </p:txBody>
+      </p:sp>
+      <p:sp>
+        <p:nvSpPr>
+          <p:cNvPr id="33" name="Parallelltrapets 32">
+            <a:extLst>
+              <a:ext uri="{FF2B5EF4-FFF2-40B4-BE49-F238E27FC236}">
+                <a16:creationId xmlns:a16="http://schemas.microsoft.com/office/drawing/2014/main" id="{4C2A61BE-A43A-4073-8C14-4241F896127E}"/>
+              </a:ext>
+            </a:extLst>
+          </p:cNvPr>
+          <p:cNvSpPr/>
+          <p:nvPr/>
+        </p:nvSpPr>
+        <p:spPr>
+          <a:xfrm rot="13898902">
+            <a:off x="5195089" y="5388822"/>
+            <a:ext cx="146787" cy="121730"/>
+          </a:xfrm>
+          <a:prstGeom prst="trapezoid">
+            <a:avLst>
+              <a:gd name="adj" fmla="val 28738"/>
+            </a:avLst>
+          </a:prstGeom>
+          <a:solidFill>
+            <a:schemeClr val="tx1"/>
+          </a:solidFill>
+          <a:ln>
+            <a:solidFill>
+              <a:srgbClr val="121920"/>
+            </a:solidFill>
+          </a:ln>
+          <a:effectLst>
+            <a:softEdge rad="31750"/>
+          </a:effectLst>
+        </p:spPr>
+        <p:style>
+          <a:lnRef idx="2">
+            <a:schemeClr val="accent1">
+              <a:shade val="50000"/>
+            </a:schemeClr>
+          </a:lnRef>
+          <a:fillRef idx="1">
+            <a:schemeClr val="accent1"/>
+          </a:fillRef>
+          <a:effectRef idx="0">
+            <a:schemeClr val="accent1"/>
+          </a:effectRef>
+          <a:fontRef idx="minor">
+            <a:schemeClr val="lt1"/>
+          </a:fontRef>
+        </p:style>
+        <p:txBody>
+          <a:bodyPr rtlCol="0" anchor="ctr"/>
+          <a:lstStyle/>
+          <a:p>
+            <a:pPr algn="ctr"/>
+            <a:endParaRPr lang="en-GB"/>
+          </a:p>
+        </p:txBody>
+      </p:sp>
+      <p:sp>
+        <p:nvSpPr>
+          <p:cNvPr id="34" name="Parallelltrapets 33">
+            <a:extLst>
+              <a:ext uri="{FF2B5EF4-FFF2-40B4-BE49-F238E27FC236}">
+                <a16:creationId xmlns:a16="http://schemas.microsoft.com/office/drawing/2014/main" id="{1B621CED-1D28-4222-9D40-09533BA72712}"/>
+              </a:ext>
+            </a:extLst>
+          </p:cNvPr>
+          <p:cNvSpPr/>
+          <p:nvPr/>
+        </p:nvSpPr>
+        <p:spPr>
+          <a:xfrm rot="7936749">
+            <a:off x="4953338" y="5383664"/>
+            <a:ext cx="146787" cy="121730"/>
+          </a:xfrm>
+          <a:prstGeom prst="trapezoid">
+            <a:avLst>
+              <a:gd name="adj" fmla="val 28738"/>
+            </a:avLst>
+          </a:prstGeom>
+          <a:solidFill>
+            <a:schemeClr val="tx1"/>
+          </a:solidFill>
+          <a:ln>
+            <a:solidFill>
+              <a:srgbClr val="121920"/>
+            </a:solidFill>
+          </a:ln>
+          <a:effectLst>
+            <a:softEdge rad="31750"/>
+          </a:effectLst>
+        </p:spPr>
+        <p:style>
+          <a:lnRef idx="2">
+            <a:schemeClr val="accent1">
+              <a:shade val="50000"/>
+            </a:schemeClr>
+          </a:lnRef>
+          <a:fillRef idx="1">
+            <a:schemeClr val="accent1"/>
+          </a:fillRef>
+          <a:effectRef idx="0">
+            <a:schemeClr val="accent1"/>
+          </a:effectRef>
+          <a:fontRef idx="minor">
+            <a:schemeClr val="lt1"/>
+          </a:fontRef>
+        </p:style>
+        <p:txBody>
+          <a:bodyPr rtlCol="0" anchor="ctr"/>
+          <a:lstStyle/>
+          <a:p>
+            <a:pPr algn="ctr"/>
+            <a:endParaRPr lang="en-GB"/>
+          </a:p>
+        </p:txBody>
+      </p:sp>
+      <p:sp>
+        <p:nvSpPr>
+          <p:cNvPr id="35" name="Parallelltrapets 34">
+            <a:extLst>
+              <a:ext uri="{FF2B5EF4-FFF2-40B4-BE49-F238E27FC236}">
+                <a16:creationId xmlns:a16="http://schemas.microsoft.com/office/drawing/2014/main" id="{D9399487-B48C-4EA3-9D5B-664E209D8031}"/>
+              </a:ext>
+            </a:extLst>
+          </p:cNvPr>
+          <p:cNvSpPr/>
+          <p:nvPr/>
+        </p:nvSpPr>
+        <p:spPr>
+          <a:xfrm rot="2353643">
+            <a:off x="4951704" y="5635273"/>
             <a:ext cx="146787" cy="121730"/>
           </a:xfrm>
           <a:prstGeom prst="trapezoid">
@@ -11361,242 +11611,6 @@
           </a:p>
         </p:txBody>
       </p:sp>
-      <p:sp>
-        <p:nvSpPr>
-          <p:cNvPr id="32" name="Parallelltrapets 31">
-            <a:extLst>
-              <a:ext uri="{FF2B5EF4-FFF2-40B4-BE49-F238E27FC236}">
-                <a16:creationId xmlns:a16="http://schemas.microsoft.com/office/drawing/2014/main" id="{B42712A5-31CD-4F98-837E-656356587070}"/>
-              </a:ext>
-            </a:extLst>
-          </p:cNvPr>
-          <p:cNvSpPr/>
-          <p:nvPr/>
-        </p:nvSpPr>
-        <p:spPr>
-          <a:xfrm rot="18499617">
-            <a:off x="5191853" y="5639110"/>
-            <a:ext cx="146787" cy="121730"/>
-          </a:xfrm>
-          <a:prstGeom prst="trapezoid">
-            <a:avLst>
-              <a:gd name="adj" fmla="val 28738"/>
-            </a:avLst>
-          </a:prstGeom>
-          <a:solidFill>
-            <a:schemeClr val="tx1"/>
-          </a:solidFill>
-          <a:ln>
-            <a:solidFill>
-              <a:srgbClr val="121920"/>
-            </a:solidFill>
-          </a:ln>
-          <a:effectLst>
-            <a:softEdge rad="31750"/>
-          </a:effectLst>
-        </p:spPr>
-        <p:style>
-          <a:lnRef idx="2">
-            <a:schemeClr val="accent1">
-              <a:shade val="50000"/>
-            </a:schemeClr>
-          </a:lnRef>
-          <a:fillRef idx="1">
-            <a:schemeClr val="accent1"/>
-          </a:fillRef>
-          <a:effectRef idx="0">
-            <a:schemeClr val="accent1"/>
-          </a:effectRef>
-          <a:fontRef idx="minor">
-            <a:schemeClr val="lt1"/>
-          </a:fontRef>
-        </p:style>
-        <p:txBody>
-          <a:bodyPr rtlCol="0" anchor="ctr"/>
-          <a:lstStyle/>
-          <a:p>
-            <a:pPr algn="ctr"/>
-            <a:endParaRPr lang="en-GB"/>
-          </a:p>
-        </p:txBody>
-      </p:sp>
-      <p:sp>
-        <p:nvSpPr>
-          <p:cNvPr id="33" name="Parallelltrapets 32">
-            <a:extLst>
-              <a:ext uri="{FF2B5EF4-FFF2-40B4-BE49-F238E27FC236}">
-                <a16:creationId xmlns:a16="http://schemas.microsoft.com/office/drawing/2014/main" id="{4C2A61BE-A43A-4073-8C14-4241F896127E}"/>
-              </a:ext>
-            </a:extLst>
-          </p:cNvPr>
-          <p:cNvSpPr/>
-          <p:nvPr/>
-        </p:nvSpPr>
-        <p:spPr>
-          <a:xfrm rot="13898902">
-            <a:off x="5195089" y="5388822"/>
-            <a:ext cx="146787" cy="121730"/>
-          </a:xfrm>
-          <a:prstGeom prst="trapezoid">
-            <a:avLst>
-              <a:gd name="adj" fmla="val 28738"/>
-            </a:avLst>
-          </a:prstGeom>
-          <a:solidFill>
-            <a:schemeClr val="tx1"/>
-          </a:solidFill>
-          <a:ln>
-            <a:solidFill>
-              <a:srgbClr val="121920"/>
-            </a:solidFill>
-          </a:ln>
-          <a:effectLst>
-            <a:softEdge rad="31750"/>
-          </a:effectLst>
-        </p:spPr>
-        <p:style>
-          <a:lnRef idx="2">
-            <a:schemeClr val="accent1">
-              <a:shade val="50000"/>
-            </a:schemeClr>
-          </a:lnRef>
-          <a:fillRef idx="1">
-            <a:schemeClr val="accent1"/>
-          </a:fillRef>
-          <a:effectRef idx="0">
-            <a:schemeClr val="accent1"/>
-          </a:effectRef>
-          <a:fontRef idx="minor">
-            <a:schemeClr val="lt1"/>
-          </a:fontRef>
-        </p:style>
-        <p:txBody>
-          <a:bodyPr rtlCol="0" anchor="ctr"/>
-          <a:lstStyle/>
-          <a:p>
-            <a:pPr algn="ctr"/>
-            <a:endParaRPr lang="en-GB"/>
-          </a:p>
-        </p:txBody>
-      </p:sp>
-      <p:sp>
-        <p:nvSpPr>
-          <p:cNvPr id="34" name="Parallelltrapets 33">
-            <a:extLst>
-              <a:ext uri="{FF2B5EF4-FFF2-40B4-BE49-F238E27FC236}">
-                <a16:creationId xmlns:a16="http://schemas.microsoft.com/office/drawing/2014/main" id="{1B621CED-1D28-4222-9D40-09533BA72712}"/>
-              </a:ext>
-            </a:extLst>
-          </p:cNvPr>
-          <p:cNvSpPr/>
-          <p:nvPr/>
-        </p:nvSpPr>
-        <p:spPr>
-          <a:xfrm rot="7936749">
-            <a:off x="4953338" y="5383664"/>
-            <a:ext cx="146787" cy="121730"/>
-          </a:xfrm>
-          <a:prstGeom prst="trapezoid">
-            <a:avLst>
-              <a:gd name="adj" fmla="val 28738"/>
-            </a:avLst>
-          </a:prstGeom>
-          <a:solidFill>
-            <a:schemeClr val="tx1"/>
-          </a:solidFill>
-          <a:ln>
-            <a:solidFill>
-              <a:srgbClr val="121920"/>
-            </a:solidFill>
-          </a:ln>
-          <a:effectLst>
-            <a:softEdge rad="31750"/>
-          </a:effectLst>
-        </p:spPr>
-        <p:style>
-          <a:lnRef idx="2">
-            <a:schemeClr val="accent1">
-              <a:shade val="50000"/>
-            </a:schemeClr>
-          </a:lnRef>
-          <a:fillRef idx="1">
-            <a:schemeClr val="accent1"/>
-          </a:fillRef>
-          <a:effectRef idx="0">
-            <a:schemeClr val="accent1"/>
-          </a:effectRef>
-          <a:fontRef idx="minor">
-            <a:schemeClr val="lt1"/>
-          </a:fontRef>
-        </p:style>
-        <p:txBody>
-          <a:bodyPr rtlCol="0" anchor="ctr"/>
-          <a:lstStyle/>
-          <a:p>
-            <a:pPr algn="ctr"/>
-            <a:endParaRPr lang="en-GB"/>
-          </a:p>
-        </p:txBody>
-      </p:sp>
-      <p:sp>
-        <p:nvSpPr>
-          <p:cNvPr id="35" name="Parallelltrapets 34">
-            <a:extLst>
-              <a:ext uri="{FF2B5EF4-FFF2-40B4-BE49-F238E27FC236}">
-                <a16:creationId xmlns:a16="http://schemas.microsoft.com/office/drawing/2014/main" id="{D9399487-B48C-4EA3-9D5B-664E209D8031}"/>
-              </a:ext>
-            </a:extLst>
-          </p:cNvPr>
-          <p:cNvSpPr/>
-          <p:nvPr/>
-        </p:nvSpPr>
-        <p:spPr>
-          <a:xfrm rot="2353643">
-            <a:off x="4951704" y="5635273"/>
-            <a:ext cx="146787" cy="121730"/>
-          </a:xfrm>
-          <a:prstGeom prst="trapezoid">
-            <a:avLst>
-              <a:gd name="adj" fmla="val 28738"/>
-            </a:avLst>
-          </a:prstGeom>
-          <a:solidFill>
-            <a:schemeClr val="tx1"/>
-          </a:solidFill>
-          <a:ln>
-            <a:solidFill>
-              <a:srgbClr val="121920"/>
-            </a:solidFill>
-          </a:ln>
-          <a:effectLst>
-            <a:softEdge rad="31750"/>
-          </a:effectLst>
-        </p:spPr>
-        <p:style>
-          <a:lnRef idx="2">
-            <a:schemeClr val="accent1">
-              <a:shade val="50000"/>
-            </a:schemeClr>
-          </a:lnRef>
-          <a:fillRef idx="1">
-            <a:schemeClr val="accent1"/>
-          </a:fillRef>
-          <a:effectRef idx="0">
-            <a:schemeClr val="accent1"/>
-          </a:effectRef>
-          <a:fontRef idx="minor">
-            <a:schemeClr val="lt1"/>
-          </a:fontRef>
-        </p:style>
-        <p:txBody>
-          <a:bodyPr rtlCol="0" anchor="ctr"/>
-          <a:lstStyle/>
-          <a:p>
-            <a:pPr algn="ctr"/>
-            <a:endParaRPr lang="en-GB"/>
-          </a:p>
-        </p:txBody>
-      </p:sp>
     </p:spTree>
     <p:extLst>
       <p:ext uri="{BB962C8B-B14F-4D97-AF65-F5344CB8AC3E}">
@@ -11666,6 +11680,871 @@
     <p:extLst>
       <p:ext uri="{BB962C8B-B14F-4D97-AF65-F5344CB8AC3E}">
         <p14:creationId xmlns:p14="http://schemas.microsoft.com/office/powerpoint/2010/main" val="3332549104"/>
+      </p:ext>
+    </p:extLst>
+  </p:cSld>
+  <p:clrMapOvr>
+    <a:masterClrMapping/>
+  </p:clrMapOvr>
+</p:sld>
+</file>
+
+<file path=ppt/slides/slide7.xml><?xml version="1.0" encoding="utf-8"?>
+<p:sld xmlns:a="http://schemas.openxmlformats.org/drawingml/2006/main" xmlns:r="http://schemas.openxmlformats.org/officeDocument/2006/relationships" xmlns:p="http://schemas.openxmlformats.org/presentationml/2006/main">
+  <p:cSld>
+    <p:bg>
+      <p:bgPr>
+        <a:solidFill>
+          <a:schemeClr val="bg1"/>
+        </a:solidFill>
+        <a:effectLst/>
+      </p:bgPr>
+    </p:bg>
+    <p:spTree>
+      <p:nvGrpSpPr>
+        <p:cNvPr id="1" name=""/>
+        <p:cNvGrpSpPr/>
+        <p:nvPr/>
+      </p:nvGrpSpPr>
+      <p:grpSpPr>
+        <a:xfrm>
+          <a:off x="0" y="0"/>
+          <a:ext cx="0" cy="0"/>
+          <a:chOff x="0" y="0"/>
+          <a:chExt cx="0" cy="0"/>
+        </a:xfrm>
+      </p:grpSpPr>
+      <p:sp>
+        <p:nvSpPr>
+          <p:cNvPr id="4" name="Ellips 3">
+            <a:extLst>
+              <a:ext uri="{FF2B5EF4-FFF2-40B4-BE49-F238E27FC236}">
+                <a16:creationId xmlns:a16="http://schemas.microsoft.com/office/drawing/2014/main" id="{7027AF91-F7BC-49A9-ACBD-7D5A4EE30116}"/>
+              </a:ext>
+            </a:extLst>
+          </p:cNvPr>
+          <p:cNvSpPr/>
+          <p:nvPr/>
+        </p:nvSpPr>
+        <p:spPr>
+          <a:xfrm>
+            <a:off x="6174063" y="2987438"/>
+            <a:ext cx="441560" cy="441562"/>
+          </a:xfrm>
+          <a:prstGeom prst="ellipse">
+            <a:avLst/>
+          </a:prstGeom>
+          <a:gradFill flip="none" rotWithShape="1">
+            <a:gsLst>
+              <a:gs pos="100000">
+                <a:schemeClr val="bg2">
+                  <a:lumMod val="75000"/>
+                </a:schemeClr>
+              </a:gs>
+              <a:gs pos="44000">
+                <a:schemeClr val="tx1">
+                  <a:lumMod val="85000"/>
+                  <a:lumOff val="15000"/>
+                </a:schemeClr>
+              </a:gs>
+            </a:gsLst>
+            <a:path path="circle">
+              <a:fillToRect l="100000" t="100000"/>
+            </a:path>
+            <a:tileRect r="-100000" b="-100000"/>
+          </a:gradFill>
+          <a:ln w="6350">
+            <a:solidFill>
+              <a:schemeClr val="tx1"/>
+            </a:solidFill>
+          </a:ln>
+        </p:spPr>
+        <p:style>
+          <a:lnRef idx="2">
+            <a:schemeClr val="accent1">
+              <a:shade val="50000"/>
+            </a:schemeClr>
+          </a:lnRef>
+          <a:fillRef idx="1">
+            <a:schemeClr val="accent1"/>
+          </a:fillRef>
+          <a:effectRef idx="0">
+            <a:schemeClr val="accent1"/>
+          </a:effectRef>
+          <a:fontRef idx="minor">
+            <a:schemeClr val="lt1"/>
+          </a:fontRef>
+        </p:style>
+        <p:txBody>
+          <a:bodyPr rtlCol="0" anchor="ctr"/>
+          <a:lstStyle/>
+          <a:p>
+            <a:pPr algn="ctr"/>
+            <a:endParaRPr lang="en-GB"/>
+          </a:p>
+        </p:txBody>
+      </p:sp>
+      <p:sp>
+        <p:nvSpPr>
+          <p:cNvPr id="8" name="Ofullständig cirkel 7">
+            <a:extLst>
+              <a:ext uri="{FF2B5EF4-FFF2-40B4-BE49-F238E27FC236}">
+                <a16:creationId xmlns:a16="http://schemas.microsoft.com/office/drawing/2014/main" id="{9945FAFA-544D-4C77-81EE-F05453FF4192}"/>
+              </a:ext>
+            </a:extLst>
+          </p:cNvPr>
+          <p:cNvSpPr/>
+          <p:nvPr/>
+        </p:nvSpPr>
+        <p:spPr>
+          <a:xfrm>
+            <a:off x="6174063" y="3081445"/>
+            <a:ext cx="86747" cy="253544"/>
+          </a:xfrm>
+          <a:prstGeom prst="pie">
+            <a:avLst>
+              <a:gd name="adj1" fmla="val 5431814"/>
+              <a:gd name="adj2" fmla="val 16200000"/>
+            </a:avLst>
+          </a:prstGeom>
+          <a:solidFill>
+            <a:srgbClr val="C00000"/>
+          </a:solidFill>
+          <a:ln w="6350">
+            <a:solidFill>
+              <a:schemeClr val="tx1"/>
+            </a:solidFill>
+          </a:ln>
+        </p:spPr>
+        <p:style>
+          <a:lnRef idx="2">
+            <a:schemeClr val="accent1">
+              <a:shade val="50000"/>
+            </a:schemeClr>
+          </a:lnRef>
+          <a:fillRef idx="1">
+            <a:schemeClr val="accent1"/>
+          </a:fillRef>
+          <a:effectRef idx="0">
+            <a:schemeClr val="accent1"/>
+          </a:effectRef>
+          <a:fontRef idx="minor">
+            <a:schemeClr val="lt1"/>
+          </a:fontRef>
+        </p:style>
+        <p:txBody>
+          <a:bodyPr rtlCol="0" anchor="ctr"/>
+          <a:lstStyle/>
+          <a:p>
+            <a:pPr algn="ctr"/>
+            <a:endParaRPr lang="en-GB">
+              <a:solidFill>
+                <a:schemeClr val="tx1"/>
+              </a:solidFill>
+            </a:endParaRPr>
+          </a:p>
+        </p:txBody>
+      </p:sp>
+      <p:sp>
+        <p:nvSpPr>
+          <p:cNvPr id="5" name="Rektangel 4">
+            <a:extLst>
+              <a:ext uri="{FF2B5EF4-FFF2-40B4-BE49-F238E27FC236}">
+                <a16:creationId xmlns:a16="http://schemas.microsoft.com/office/drawing/2014/main" id="{2D5740CD-2C51-4304-9BEE-0B33C65B0F8C}"/>
+              </a:ext>
+            </a:extLst>
+          </p:cNvPr>
+          <p:cNvSpPr/>
+          <p:nvPr/>
+        </p:nvSpPr>
+        <p:spPr>
+          <a:xfrm>
+            <a:off x="6394844" y="2987437"/>
+            <a:ext cx="604636" cy="441563"/>
+          </a:xfrm>
+          <a:prstGeom prst="rect">
+            <a:avLst/>
+          </a:prstGeom>
+          <a:gradFill flip="none" rotWithShape="1">
+            <a:gsLst>
+              <a:gs pos="100000">
+                <a:schemeClr val="tx1">
+                  <a:lumMod val="50000"/>
+                  <a:lumOff val="50000"/>
+                </a:schemeClr>
+              </a:gs>
+              <a:gs pos="36000">
+                <a:schemeClr val="tx1">
+                  <a:lumMod val="85000"/>
+                  <a:lumOff val="15000"/>
+                </a:schemeClr>
+              </a:gs>
+            </a:gsLst>
+            <a:lin ang="16200000" scaled="0"/>
+            <a:tileRect/>
+          </a:gradFill>
+          <a:ln w="6350">
+            <a:solidFill>
+              <a:schemeClr val="tx1"/>
+            </a:solidFill>
+          </a:ln>
+        </p:spPr>
+        <p:style>
+          <a:lnRef idx="2">
+            <a:schemeClr val="accent1">
+              <a:shade val="50000"/>
+            </a:schemeClr>
+          </a:lnRef>
+          <a:fillRef idx="1">
+            <a:schemeClr val="accent1"/>
+          </a:fillRef>
+          <a:effectRef idx="0">
+            <a:schemeClr val="accent1"/>
+          </a:effectRef>
+          <a:fontRef idx="minor">
+            <a:schemeClr val="lt1"/>
+          </a:fontRef>
+        </p:style>
+        <p:txBody>
+          <a:bodyPr rtlCol="0" anchor="ctr"/>
+          <a:lstStyle/>
+          <a:p>
+            <a:pPr algn="ctr"/>
+            <a:endParaRPr lang="en-GB"/>
+          </a:p>
+        </p:txBody>
+      </p:sp>
+      <p:sp>
+        <p:nvSpPr>
+          <p:cNvPr id="19" name="Frihandsfigur: Form 18">
+            <a:extLst>
+              <a:ext uri="{FF2B5EF4-FFF2-40B4-BE49-F238E27FC236}">
+                <a16:creationId xmlns:a16="http://schemas.microsoft.com/office/drawing/2014/main" id="{DD817368-DED2-4814-A3E9-DD6C8DB170C5}"/>
+              </a:ext>
+            </a:extLst>
+          </p:cNvPr>
+          <p:cNvSpPr/>
+          <p:nvPr/>
+        </p:nvSpPr>
+        <p:spPr>
+          <a:xfrm>
+            <a:off x="7315200" y="2926080"/>
+            <a:ext cx="788825" cy="226613"/>
+          </a:xfrm>
+          <a:custGeom>
+            <a:avLst/>
+            <a:gdLst>
+              <a:gd name="connsiteX0" fmla="*/ 0 w 1053548"/>
+              <a:gd name="connsiteY0" fmla="*/ 115294 h 226613"/>
+              <a:gd name="connsiteX1" fmla="*/ 75537 w 1053548"/>
+              <a:gd name="connsiteY1" fmla="*/ 0 h 226613"/>
+              <a:gd name="connsiteX2" fmla="*/ 1053548 w 1053548"/>
+              <a:gd name="connsiteY2" fmla="*/ 3976 h 226613"/>
+              <a:gd name="connsiteX3" fmla="*/ 942230 w 1053548"/>
+              <a:gd name="connsiteY3" fmla="*/ 151075 h 226613"/>
+              <a:gd name="connsiteX4" fmla="*/ 445273 w 1053548"/>
+              <a:gd name="connsiteY4" fmla="*/ 151075 h 226613"/>
+              <a:gd name="connsiteX5" fmla="*/ 397565 w 1053548"/>
+              <a:gd name="connsiteY5" fmla="*/ 190832 h 226613"/>
+              <a:gd name="connsiteX6" fmla="*/ 43732 w 1053548"/>
+              <a:gd name="connsiteY6" fmla="*/ 226613 h 226613"/>
+              <a:gd name="connsiteX7" fmla="*/ 0 w 1053548"/>
+              <a:gd name="connsiteY7" fmla="*/ 115294 h 226613"/>
+            </a:gdLst>
+            <a:ahLst/>
+            <a:cxnLst>
+              <a:cxn ang="0">
+                <a:pos x="connsiteX0" y="connsiteY0"/>
+              </a:cxn>
+              <a:cxn ang="0">
+                <a:pos x="connsiteX1" y="connsiteY1"/>
+              </a:cxn>
+              <a:cxn ang="0">
+                <a:pos x="connsiteX2" y="connsiteY2"/>
+              </a:cxn>
+              <a:cxn ang="0">
+                <a:pos x="connsiteX3" y="connsiteY3"/>
+              </a:cxn>
+              <a:cxn ang="0">
+                <a:pos x="connsiteX4" y="connsiteY4"/>
+              </a:cxn>
+              <a:cxn ang="0">
+                <a:pos x="connsiteX5" y="connsiteY5"/>
+              </a:cxn>
+              <a:cxn ang="0">
+                <a:pos x="connsiteX6" y="connsiteY6"/>
+              </a:cxn>
+              <a:cxn ang="0">
+                <a:pos x="connsiteX7" y="connsiteY7"/>
+              </a:cxn>
+            </a:cxnLst>
+            <a:rect l="l" t="t" r="r" b="b"/>
+            <a:pathLst>
+              <a:path w="1053548" h="226613">
+                <a:moveTo>
+                  <a:pt x="0" y="115294"/>
+                </a:moveTo>
+                <a:lnTo>
+                  <a:pt x="75537" y="0"/>
+                </a:lnTo>
+                <a:lnTo>
+                  <a:pt x="1053548" y="3976"/>
+                </a:lnTo>
+                <a:lnTo>
+                  <a:pt x="942230" y="151075"/>
+                </a:lnTo>
+                <a:lnTo>
+                  <a:pt x="445273" y="151075"/>
+                </a:lnTo>
+                <a:lnTo>
+                  <a:pt x="397565" y="190832"/>
+                </a:lnTo>
+                <a:lnTo>
+                  <a:pt x="43732" y="226613"/>
+                </a:lnTo>
+                <a:lnTo>
+                  <a:pt x="0" y="115294"/>
+                </a:lnTo>
+                <a:close/>
+              </a:path>
+            </a:pathLst>
+          </a:custGeom>
+          <a:gradFill>
+            <a:gsLst>
+              <a:gs pos="96000">
+                <a:schemeClr val="bg2">
+                  <a:lumMod val="75000"/>
+                </a:schemeClr>
+              </a:gs>
+              <a:gs pos="43000">
+                <a:srgbClr val="5D5D5D"/>
+              </a:gs>
+            </a:gsLst>
+            <a:lin ang="16200000" scaled="0"/>
+          </a:gradFill>
+          <a:ln w="6350">
+            <a:solidFill>
+              <a:schemeClr val="tx1"/>
+            </a:solidFill>
+          </a:ln>
+        </p:spPr>
+        <p:style>
+          <a:lnRef idx="2">
+            <a:schemeClr val="accent1">
+              <a:shade val="50000"/>
+            </a:schemeClr>
+          </a:lnRef>
+          <a:fillRef idx="1">
+            <a:schemeClr val="accent1"/>
+          </a:fillRef>
+          <a:effectRef idx="0">
+            <a:schemeClr val="accent1"/>
+          </a:effectRef>
+          <a:fontRef idx="minor">
+            <a:schemeClr val="lt1"/>
+          </a:fontRef>
+        </p:style>
+        <p:txBody>
+          <a:bodyPr rtlCol="0" anchor="ctr"/>
+          <a:lstStyle/>
+          <a:p>
+            <a:pPr algn="ctr"/>
+            <a:endParaRPr lang="en-GB"/>
+          </a:p>
+        </p:txBody>
+      </p:sp>
+      <p:sp>
+        <p:nvSpPr>
+          <p:cNvPr id="20" name="Frihandsfigur: Form 19">
+            <a:extLst>
+              <a:ext uri="{FF2B5EF4-FFF2-40B4-BE49-F238E27FC236}">
+                <a16:creationId xmlns:a16="http://schemas.microsoft.com/office/drawing/2014/main" id="{970C92F6-98CB-4667-84A4-02B1D66508FB}"/>
+              </a:ext>
+            </a:extLst>
+          </p:cNvPr>
+          <p:cNvSpPr/>
+          <p:nvPr/>
+        </p:nvSpPr>
+        <p:spPr>
+          <a:xfrm flipV="1">
+            <a:off x="7315200" y="3259764"/>
+            <a:ext cx="788825" cy="226613"/>
+          </a:xfrm>
+          <a:custGeom>
+            <a:avLst/>
+            <a:gdLst>
+              <a:gd name="connsiteX0" fmla="*/ 0 w 1053548"/>
+              <a:gd name="connsiteY0" fmla="*/ 115294 h 226613"/>
+              <a:gd name="connsiteX1" fmla="*/ 75537 w 1053548"/>
+              <a:gd name="connsiteY1" fmla="*/ 0 h 226613"/>
+              <a:gd name="connsiteX2" fmla="*/ 1053548 w 1053548"/>
+              <a:gd name="connsiteY2" fmla="*/ 3976 h 226613"/>
+              <a:gd name="connsiteX3" fmla="*/ 942230 w 1053548"/>
+              <a:gd name="connsiteY3" fmla="*/ 151075 h 226613"/>
+              <a:gd name="connsiteX4" fmla="*/ 445273 w 1053548"/>
+              <a:gd name="connsiteY4" fmla="*/ 151075 h 226613"/>
+              <a:gd name="connsiteX5" fmla="*/ 397565 w 1053548"/>
+              <a:gd name="connsiteY5" fmla="*/ 190832 h 226613"/>
+              <a:gd name="connsiteX6" fmla="*/ 43732 w 1053548"/>
+              <a:gd name="connsiteY6" fmla="*/ 226613 h 226613"/>
+              <a:gd name="connsiteX7" fmla="*/ 0 w 1053548"/>
+              <a:gd name="connsiteY7" fmla="*/ 115294 h 226613"/>
+            </a:gdLst>
+            <a:ahLst/>
+            <a:cxnLst>
+              <a:cxn ang="0">
+                <a:pos x="connsiteX0" y="connsiteY0"/>
+              </a:cxn>
+              <a:cxn ang="0">
+                <a:pos x="connsiteX1" y="connsiteY1"/>
+              </a:cxn>
+              <a:cxn ang="0">
+                <a:pos x="connsiteX2" y="connsiteY2"/>
+              </a:cxn>
+              <a:cxn ang="0">
+                <a:pos x="connsiteX3" y="connsiteY3"/>
+              </a:cxn>
+              <a:cxn ang="0">
+                <a:pos x="connsiteX4" y="connsiteY4"/>
+              </a:cxn>
+              <a:cxn ang="0">
+                <a:pos x="connsiteX5" y="connsiteY5"/>
+              </a:cxn>
+              <a:cxn ang="0">
+                <a:pos x="connsiteX6" y="connsiteY6"/>
+              </a:cxn>
+              <a:cxn ang="0">
+                <a:pos x="connsiteX7" y="connsiteY7"/>
+              </a:cxn>
+            </a:cxnLst>
+            <a:rect l="l" t="t" r="r" b="b"/>
+            <a:pathLst>
+              <a:path w="1053548" h="226613">
+                <a:moveTo>
+                  <a:pt x="0" y="115294"/>
+                </a:moveTo>
+                <a:lnTo>
+                  <a:pt x="75537" y="0"/>
+                </a:lnTo>
+                <a:lnTo>
+                  <a:pt x="1053548" y="3976"/>
+                </a:lnTo>
+                <a:lnTo>
+                  <a:pt x="942230" y="151075"/>
+                </a:lnTo>
+                <a:lnTo>
+                  <a:pt x="445273" y="151075"/>
+                </a:lnTo>
+                <a:lnTo>
+                  <a:pt x="397565" y="190832"/>
+                </a:lnTo>
+                <a:lnTo>
+                  <a:pt x="43732" y="226613"/>
+                </a:lnTo>
+                <a:lnTo>
+                  <a:pt x="0" y="115294"/>
+                </a:lnTo>
+                <a:close/>
+              </a:path>
+            </a:pathLst>
+          </a:custGeom>
+          <a:gradFill>
+            <a:gsLst>
+              <a:gs pos="96000">
+                <a:schemeClr val="tx1">
+                  <a:lumMod val="65000"/>
+                  <a:lumOff val="35000"/>
+                </a:schemeClr>
+              </a:gs>
+              <a:gs pos="0">
+                <a:schemeClr val="tx1">
+                  <a:lumMod val="85000"/>
+                  <a:lumOff val="15000"/>
+                </a:schemeClr>
+              </a:gs>
+            </a:gsLst>
+            <a:lin ang="5400000" scaled="0"/>
+          </a:gradFill>
+          <a:ln w="6350">
+            <a:solidFill>
+              <a:schemeClr val="tx1"/>
+            </a:solidFill>
+          </a:ln>
+        </p:spPr>
+        <p:style>
+          <a:lnRef idx="2">
+            <a:schemeClr val="accent1">
+              <a:shade val="50000"/>
+            </a:schemeClr>
+          </a:lnRef>
+          <a:fillRef idx="1">
+            <a:schemeClr val="accent1"/>
+          </a:fillRef>
+          <a:effectRef idx="0">
+            <a:schemeClr val="accent1"/>
+          </a:effectRef>
+          <a:fontRef idx="minor">
+            <a:schemeClr val="lt1"/>
+          </a:fontRef>
+        </p:style>
+        <p:txBody>
+          <a:bodyPr rtlCol="0" anchor="ctr"/>
+          <a:lstStyle/>
+          <a:p>
+            <a:pPr algn="ctr"/>
+            <a:endParaRPr lang="en-GB"/>
+          </a:p>
+        </p:txBody>
+      </p:sp>
+      <p:sp>
+        <p:nvSpPr>
+          <p:cNvPr id="18" name="Parallelltrapets 17">
+            <a:extLst>
+              <a:ext uri="{FF2B5EF4-FFF2-40B4-BE49-F238E27FC236}">
+                <a16:creationId xmlns:a16="http://schemas.microsoft.com/office/drawing/2014/main" id="{094987BE-A877-4A0E-B685-05DCB9D09934}"/>
+              </a:ext>
+            </a:extLst>
+          </p:cNvPr>
+          <p:cNvSpPr/>
+          <p:nvPr/>
+        </p:nvSpPr>
+        <p:spPr>
+          <a:xfrm rot="5400000">
+            <a:off x="7173109" y="2813805"/>
+            <a:ext cx="441561" cy="788824"/>
+          </a:xfrm>
+          <a:prstGeom prst="trapezoid">
+            <a:avLst>
+              <a:gd name="adj" fmla="val 33103"/>
+            </a:avLst>
+          </a:prstGeom>
+          <a:gradFill>
+            <a:gsLst>
+              <a:gs pos="100000">
+                <a:schemeClr val="tx1">
+                  <a:lumMod val="50000"/>
+                  <a:lumOff val="50000"/>
+                </a:schemeClr>
+              </a:gs>
+              <a:gs pos="36000">
+                <a:schemeClr val="tx1">
+                  <a:lumMod val="85000"/>
+                  <a:lumOff val="15000"/>
+                </a:schemeClr>
+              </a:gs>
+            </a:gsLst>
+            <a:lin ang="10800000" scaled="0"/>
+          </a:gradFill>
+          <a:ln w="6350">
+            <a:solidFill>
+              <a:schemeClr val="tx1"/>
+            </a:solidFill>
+          </a:ln>
+        </p:spPr>
+        <p:style>
+          <a:lnRef idx="2">
+            <a:schemeClr val="accent1">
+              <a:shade val="50000"/>
+            </a:schemeClr>
+          </a:lnRef>
+          <a:fillRef idx="1">
+            <a:schemeClr val="accent1"/>
+          </a:fillRef>
+          <a:effectRef idx="0">
+            <a:schemeClr val="accent1"/>
+          </a:effectRef>
+          <a:fontRef idx="minor">
+            <a:schemeClr val="lt1"/>
+          </a:fontRef>
+        </p:style>
+        <p:txBody>
+          <a:bodyPr rtlCol="0" anchor="ctr"/>
+          <a:lstStyle/>
+          <a:p>
+            <a:pPr algn="ctr"/>
+            <a:endParaRPr lang="en-GB"/>
+          </a:p>
+        </p:txBody>
+      </p:sp>
+      <p:sp>
+        <p:nvSpPr>
+          <p:cNvPr id="21" name="Rektangel 20">
+            <a:extLst>
+              <a:ext uri="{FF2B5EF4-FFF2-40B4-BE49-F238E27FC236}">
+                <a16:creationId xmlns:a16="http://schemas.microsoft.com/office/drawing/2014/main" id="{29381C1D-29CB-4284-B7B2-5464BB8C4D43}"/>
+              </a:ext>
+            </a:extLst>
+          </p:cNvPr>
+          <p:cNvSpPr/>
+          <p:nvPr/>
+        </p:nvSpPr>
+        <p:spPr>
+          <a:xfrm>
+            <a:off x="7867996" y="2957753"/>
+            <a:ext cx="274472" cy="500927"/>
+          </a:xfrm>
+          <a:prstGeom prst="rect">
+            <a:avLst/>
+          </a:prstGeom>
+          <a:gradFill>
+            <a:gsLst>
+              <a:gs pos="96000">
+                <a:schemeClr val="bg2">
+                  <a:lumMod val="75000"/>
+                </a:schemeClr>
+              </a:gs>
+              <a:gs pos="13000">
+                <a:srgbClr val="2D2D2D"/>
+              </a:gs>
+            </a:gsLst>
+            <a:lin ang="16200000" scaled="0"/>
+          </a:gradFill>
+          <a:ln w="6350">
+            <a:solidFill>
+              <a:schemeClr val="tx1"/>
+            </a:solidFill>
+          </a:ln>
+        </p:spPr>
+        <p:style>
+          <a:lnRef idx="2">
+            <a:schemeClr val="accent1">
+              <a:shade val="50000"/>
+            </a:schemeClr>
+          </a:lnRef>
+          <a:fillRef idx="1">
+            <a:schemeClr val="accent1"/>
+          </a:fillRef>
+          <a:effectRef idx="0">
+            <a:schemeClr val="accent1"/>
+          </a:effectRef>
+          <a:fontRef idx="minor">
+            <a:schemeClr val="lt1"/>
+          </a:fontRef>
+        </p:style>
+        <p:txBody>
+          <a:bodyPr rtlCol="0" anchor="ctr"/>
+          <a:lstStyle/>
+          <a:p>
+            <a:pPr algn="ctr"/>
+            <a:endParaRPr lang="en-GB" dirty="0"/>
+          </a:p>
+        </p:txBody>
+      </p:sp>
+      <p:sp>
+        <p:nvSpPr>
+          <p:cNvPr id="22" name="Ofullständig cirkel 21">
+            <a:extLst>
+              <a:ext uri="{FF2B5EF4-FFF2-40B4-BE49-F238E27FC236}">
+                <a16:creationId xmlns:a16="http://schemas.microsoft.com/office/drawing/2014/main" id="{1AD7FAC9-DF9C-4572-8B50-1AAC756C4F80}"/>
+              </a:ext>
+            </a:extLst>
+          </p:cNvPr>
+          <p:cNvSpPr/>
+          <p:nvPr/>
+        </p:nvSpPr>
+        <p:spPr>
+          <a:xfrm>
+            <a:off x="7757361" y="3143595"/>
+            <a:ext cx="70525" cy="133720"/>
+          </a:xfrm>
+          <a:prstGeom prst="pie">
+            <a:avLst>
+              <a:gd name="adj1" fmla="val 5400000"/>
+              <a:gd name="adj2" fmla="val 16200000"/>
+            </a:avLst>
+          </a:prstGeom>
+          <a:solidFill>
+            <a:schemeClr val="bg2">
+              <a:lumMod val="10000"/>
+            </a:schemeClr>
+          </a:solidFill>
+          <a:ln w="6350">
+            <a:solidFill>
+              <a:schemeClr val="tx1"/>
+            </a:solidFill>
+          </a:ln>
+        </p:spPr>
+        <p:style>
+          <a:lnRef idx="2">
+            <a:schemeClr val="accent1">
+              <a:shade val="50000"/>
+            </a:schemeClr>
+          </a:lnRef>
+          <a:fillRef idx="1">
+            <a:schemeClr val="accent1"/>
+          </a:fillRef>
+          <a:effectRef idx="0">
+            <a:schemeClr val="accent1"/>
+          </a:effectRef>
+          <a:fontRef idx="minor">
+            <a:schemeClr val="lt1"/>
+          </a:fontRef>
+        </p:style>
+        <p:txBody>
+          <a:bodyPr rtlCol="0" anchor="ctr"/>
+          <a:lstStyle/>
+          <a:p>
+            <a:pPr algn="ctr"/>
+            <a:endParaRPr lang="en-GB">
+              <a:solidFill>
+                <a:schemeClr val="tx1"/>
+              </a:solidFill>
+            </a:endParaRPr>
+          </a:p>
+        </p:txBody>
+      </p:sp>
+      <p:pic>
+        <p:nvPicPr>
+          <p:cNvPr id="3074" name="Picture 2" descr="Bildresultat fÃ¶r kilroy was here png">
+            <a:extLst>
+              <a:ext uri="{FF2B5EF4-FFF2-40B4-BE49-F238E27FC236}">
+                <a16:creationId xmlns:a16="http://schemas.microsoft.com/office/drawing/2014/main" id="{8598CFAB-7E26-4899-9D4E-E01871804B2C}"/>
+              </a:ext>
+            </a:extLst>
+          </p:cNvPr>
+          <p:cNvPicPr>
+            <a:picLocks noChangeAspect="1" noChangeArrowheads="1"/>
+          </p:cNvPicPr>
+          <p:nvPr/>
+        </p:nvPicPr>
+        <p:blipFill>
+          <a:blip r:embed="rId2">
+            <a:extLst>
+              <a:ext uri="{BEBA8EAE-BF5A-486C-A8C5-ECC9F3942E4B}">
+                <a14:imgProps xmlns:a14="http://schemas.microsoft.com/office/drawing/2010/main">
+                  <a14:imgLayer r:embed="rId3">
+                    <a14:imgEffect>
+                      <a14:backgroundRemoval t="6514" b="89965" l="3461" r="94900">
+                        <a14:foregroundMark x1="69763" y1="7218" x2="69763" y2="7218"/>
+                        <a14:foregroundMark x1="90893" y1="36444" x2="90893" y2="36444"/>
+                        <a14:foregroundMark x1="94900" y1="36620" x2="94900" y2="36620"/>
+                        <a14:foregroundMark x1="8743" y1="37324" x2="8743" y2="37324"/>
+                        <a14:foregroundMark x1="3461" y1="63908" x2="3461" y2="63908"/>
+                        <a14:foregroundMark x1="11658" y1="62676" x2="11658" y2="62676"/>
+                        <a14:foregroundMark x1="14208" y1="61972" x2="14208" y2="61972"/>
+                        <a14:foregroundMark x1="24772" y1="59683" x2="24772" y2="59683"/>
+                        <a14:foregroundMark x1="29326" y1="55458" x2="29326" y2="55458"/>
+                        <a14:foregroundMark x1="38251" y1="54754" x2="38251" y2="54754"/>
+                        <a14:foregroundMark x1="40984" y1="68134" x2="40984" y2="68134"/>
+                        <a14:foregroundMark x1="38069" y1="69542" x2="38069" y2="69542"/>
+                        <a14:foregroundMark x1="32423" y1="71831" x2="32423" y2="71831"/>
+                        <a14:foregroundMark x1="44080" y1="81690" x2="44080" y2="81690"/>
+                        <a14:foregroundMark x1="46448" y1="80634" x2="46448" y2="80634"/>
+                        <a14:foregroundMark x1="54463" y1="77465" x2="54463" y2="77465"/>
+                        <a14:foregroundMark x1="61384" y1="75704" x2="61384" y2="75704"/>
+                        <a14:foregroundMark x1="29326" y1="54401" x2="29326" y2="54401"/>
+                        <a14:foregroundMark x1="31876" y1="53521" x2="31876" y2="53521"/>
+                        <a14:backgroundMark x1="46995" y1="20070" x2="55738" y2="22887"/>
+                        <a14:backgroundMark x1="55738" y1="22887" x2="49362" y2="17254"/>
+                        <a14:backgroundMark x1="53552" y1="18838" x2="53552" y2="18838"/>
+                        <a14:backgroundMark x1="55373" y1="19542" x2="55373" y2="19542"/>
+                        <a14:backgroundMark x1="50820" y1="17958" x2="54645" y2="18662"/>
+                        <a14:backgroundMark x1="53005" y1="19366" x2="53734" y2="19542"/>
+                        <a14:backgroundMark x1="53552" y1="19718" x2="58470" y2="20599"/>
+                        <a14:backgroundMark x1="94900" y1="36796" x2="94900" y2="36796"/>
+                        <a14:backgroundMark x1="38251" y1="71831" x2="38251" y2="71831"/>
+                        <a14:backgroundMark x1="22769" y1="59859" x2="22769" y2="59859"/>
+                        <a14:backgroundMark x1="28962" y1="55458" x2="28962" y2="55458"/>
+                        <a14:backgroundMark x1="38251" y1="54930" x2="38251" y2="54930"/>
+                        <a14:backgroundMark x1="38069" y1="54754" x2="38069" y2="54754"/>
+                        <a14:backgroundMark x1="55738" y1="82923" x2="55738" y2="82923"/>
+                        <a14:backgroundMark x1="43716" y1="81866" x2="43716" y2="81866"/>
+                        <a14:backgroundMark x1="29144" y1="54225" x2="29144" y2="54225"/>
+                        <a14:backgroundMark x1="28962" y1="54577" x2="28962" y2="54577"/>
+                      </a14:backgroundRemoval>
+                    </a14:imgEffect>
+                    <a14:imgEffect>
+                      <a14:artisticPaintStrokes/>
+                    </a14:imgEffect>
+                    <a14:imgEffect>
+                      <a14:colorTemperature colorTemp="6600"/>
+                    </a14:imgEffect>
+                    <a14:imgEffect>
+                      <a14:saturation sat="400000"/>
+                    </a14:imgEffect>
+                    <a14:imgEffect>
+                      <a14:brightnessContrast bright="40000" contrast="40000"/>
+                    </a14:imgEffect>
+                  </a14:imgLayer>
+                </a14:imgProps>
+              </a:ext>
+              <a:ext uri="{28A0092B-C50C-407E-A947-70E740481C1C}">
+                <a14:useLocalDpi xmlns:a14="http://schemas.microsoft.com/office/drawing/2010/main" val="0"/>
+              </a:ext>
+            </a:extLst>
+          </a:blip>
+          <a:srcRect/>
+          <a:stretch>
+            <a:fillRect/>
+          </a:stretch>
+        </p:blipFill>
+        <p:spPr bwMode="auto">
+          <a:xfrm rot="21287635">
+            <a:off x="6424108" y="2997574"/>
+            <a:ext cx="299858" cy="310236"/>
+          </a:xfrm>
+          <a:prstGeom prst="rect">
+            <a:avLst/>
+          </a:prstGeom>
+          <a:noFill/>
+        </p:spPr>
+      </p:pic>
+      <p:sp>
+        <p:nvSpPr>
+          <p:cNvPr id="13" name="Stjärna: 5 punkter 12">
+            <a:extLst>
+              <a:ext uri="{FF2B5EF4-FFF2-40B4-BE49-F238E27FC236}">
+                <a16:creationId xmlns:a16="http://schemas.microsoft.com/office/drawing/2014/main" id="{3418B100-538E-4B7E-B436-608FA5C2FF9E}"/>
+              </a:ext>
+            </a:extLst>
+          </p:cNvPr>
+          <p:cNvSpPr/>
+          <p:nvPr/>
+        </p:nvSpPr>
+        <p:spPr>
+          <a:xfrm>
+            <a:off x="7912130" y="3119465"/>
+            <a:ext cx="186203" cy="173528"/>
+          </a:xfrm>
+          <a:prstGeom prst="star5">
+            <a:avLst/>
+          </a:prstGeom>
+          <a:solidFill>
+            <a:schemeClr val="bg1"/>
+          </a:solidFill>
+          <a:ln>
+            <a:noFill/>
+          </a:ln>
+        </p:spPr>
+        <p:style>
+          <a:lnRef idx="2">
+            <a:schemeClr val="accent1">
+              <a:shade val="50000"/>
+            </a:schemeClr>
+          </a:lnRef>
+          <a:fillRef idx="1">
+            <a:schemeClr val="accent1"/>
+          </a:fillRef>
+          <a:effectRef idx="0">
+            <a:schemeClr val="accent1"/>
+          </a:effectRef>
+          <a:fontRef idx="minor">
+            <a:schemeClr val="lt1"/>
+          </a:fontRef>
+        </p:style>
+        <p:txBody>
+          <a:bodyPr rtlCol="0" anchor="ctr"/>
+          <a:lstStyle/>
+          <a:p>
+            <a:pPr algn="ctr"/>
+            <a:endParaRPr lang="en-GB"/>
+          </a:p>
+        </p:txBody>
+      </p:sp>
+    </p:spTree>
+    <p:extLst>
+      <p:ext uri="{BB962C8B-B14F-4D97-AF65-F5344CB8AC3E}">
+        <p14:creationId xmlns:p14="http://schemas.microsoft.com/office/powerpoint/2010/main" val="2688766318"/>
       </p:ext>
     </p:extLst>
   </p:cSld>

--- a/2d Projekt/Assets/Sprites/Spritecreator.pptx
+++ b/2d Projekt/Assets/Sprites/Spritecreator.pptx
@@ -267,7 +267,7 @@
           <a:p>
             <a:fld id="{6E66F70A-5E0E-461A-B0CB-604740D34008}" type="datetimeFigureOut">
               <a:rPr lang="en-GB" smtClean="0"/>
-              <a:t>14/02/2021</a:t>
+              <a:t>16/02/2021</a:t>
             </a:fld>
             <a:endParaRPr lang="en-GB"/>
           </a:p>
@@ -467,7 +467,7 @@
           <a:p>
             <a:fld id="{6E66F70A-5E0E-461A-B0CB-604740D34008}" type="datetimeFigureOut">
               <a:rPr lang="en-GB" smtClean="0"/>
-              <a:t>14/02/2021</a:t>
+              <a:t>16/02/2021</a:t>
             </a:fld>
             <a:endParaRPr lang="en-GB"/>
           </a:p>
@@ -677,7 +677,7 @@
           <a:p>
             <a:fld id="{6E66F70A-5E0E-461A-B0CB-604740D34008}" type="datetimeFigureOut">
               <a:rPr lang="en-GB" smtClean="0"/>
-              <a:t>14/02/2021</a:t>
+              <a:t>16/02/2021</a:t>
             </a:fld>
             <a:endParaRPr lang="en-GB"/>
           </a:p>
@@ -877,7 +877,7 @@
           <a:p>
             <a:fld id="{6E66F70A-5E0E-461A-B0CB-604740D34008}" type="datetimeFigureOut">
               <a:rPr lang="en-GB" smtClean="0"/>
-              <a:t>14/02/2021</a:t>
+              <a:t>16/02/2021</a:t>
             </a:fld>
             <a:endParaRPr lang="en-GB"/>
           </a:p>
@@ -1153,7 +1153,7 @@
           <a:p>
             <a:fld id="{6E66F70A-5E0E-461A-B0CB-604740D34008}" type="datetimeFigureOut">
               <a:rPr lang="en-GB" smtClean="0"/>
-              <a:t>14/02/2021</a:t>
+              <a:t>16/02/2021</a:t>
             </a:fld>
             <a:endParaRPr lang="en-GB"/>
           </a:p>
@@ -1421,7 +1421,7 @@
           <a:p>
             <a:fld id="{6E66F70A-5E0E-461A-B0CB-604740D34008}" type="datetimeFigureOut">
               <a:rPr lang="en-GB" smtClean="0"/>
-              <a:t>14/02/2021</a:t>
+              <a:t>16/02/2021</a:t>
             </a:fld>
             <a:endParaRPr lang="en-GB"/>
           </a:p>
@@ -1836,7 +1836,7 @@
           <a:p>
             <a:fld id="{6E66F70A-5E0E-461A-B0CB-604740D34008}" type="datetimeFigureOut">
               <a:rPr lang="en-GB" smtClean="0"/>
-              <a:t>14/02/2021</a:t>
+              <a:t>16/02/2021</a:t>
             </a:fld>
             <a:endParaRPr lang="en-GB"/>
           </a:p>
@@ -1978,7 +1978,7 @@
           <a:p>
             <a:fld id="{6E66F70A-5E0E-461A-B0CB-604740D34008}" type="datetimeFigureOut">
               <a:rPr lang="en-GB" smtClean="0"/>
-              <a:t>14/02/2021</a:t>
+              <a:t>16/02/2021</a:t>
             </a:fld>
             <a:endParaRPr lang="en-GB"/>
           </a:p>
@@ -2091,7 +2091,7 @@
           <a:p>
             <a:fld id="{6E66F70A-5E0E-461A-B0CB-604740D34008}" type="datetimeFigureOut">
               <a:rPr lang="en-GB" smtClean="0"/>
-              <a:t>14/02/2021</a:t>
+              <a:t>16/02/2021</a:t>
             </a:fld>
             <a:endParaRPr lang="en-GB"/>
           </a:p>
@@ -2404,7 +2404,7 @@
           <a:p>
             <a:fld id="{6E66F70A-5E0E-461A-B0CB-604740D34008}" type="datetimeFigureOut">
               <a:rPr lang="en-GB" smtClean="0"/>
-              <a:t>14/02/2021</a:t>
+              <a:t>16/02/2021</a:t>
             </a:fld>
             <a:endParaRPr lang="en-GB"/>
           </a:p>
@@ -2693,7 +2693,7 @@
           <a:p>
             <a:fld id="{6E66F70A-5E0E-461A-B0CB-604740D34008}" type="datetimeFigureOut">
               <a:rPr lang="en-GB" smtClean="0"/>
-              <a:t>14/02/2021</a:t>
+              <a:t>16/02/2021</a:t>
             </a:fld>
             <a:endParaRPr lang="en-GB"/>
           </a:p>
@@ -2936,7 +2936,7 @@
           <a:p>
             <a:fld id="{6E66F70A-5E0E-461A-B0CB-604740D34008}" type="datetimeFigureOut">
               <a:rPr lang="en-GB" smtClean="0"/>
-              <a:t>14/02/2021</a:t>
+              <a:t>16/02/2021</a:t>
             </a:fld>
             <a:endParaRPr lang="en-GB"/>
           </a:p>
@@ -10148,42 +10148,6 @@
           <a:chExt cx="0" cy="0"/>
         </a:xfrm>
       </p:grpSpPr>
-      <p:pic>
-        <p:nvPicPr>
-          <p:cNvPr id="7" name="Bildobjekt 6" descr="En bild som visar utomhus, ljus, flygplan, mörk&#10;&#10;Automatiskt genererad beskrivning">
-            <a:extLst>
-              <a:ext uri="{FF2B5EF4-FFF2-40B4-BE49-F238E27FC236}">
-                <a16:creationId xmlns:a16="http://schemas.microsoft.com/office/drawing/2014/main" id="{8EB29F76-C127-4797-819D-D5F435FF322F}"/>
-              </a:ext>
-            </a:extLst>
-          </p:cNvPr>
-          <p:cNvPicPr>
-            <a:picLocks noChangeAspect="1"/>
-          </p:cNvPicPr>
-          <p:nvPr/>
-        </p:nvPicPr>
-        <p:blipFill>
-          <a:blip r:embed="rId2">
-            <a:extLst>
-              <a:ext uri="{28A0092B-C50C-407E-A947-70E740481C1C}">
-                <a14:useLocalDpi xmlns:a14="http://schemas.microsoft.com/office/drawing/2010/main" val="0"/>
-              </a:ext>
-            </a:extLst>
-          </a:blip>
-          <a:stretch>
-            <a:fillRect/>
-          </a:stretch>
-        </p:blipFill>
-        <p:spPr>
-          <a:xfrm>
-            <a:off x="0" y="678886"/>
-            <a:ext cx="12192000" cy="5514975"/>
-          </a:xfrm>
-          <a:prstGeom prst="rect">
-            <a:avLst/>
-          </a:prstGeom>
-        </p:spPr>
-      </p:pic>
       <p:sp>
         <p:nvSpPr>
           <p:cNvPr id="38" name="Rektangel 37">
@@ -11498,6 +11462,42 @@
           </a:p>
         </p:txBody>
       </p:sp>
+      <p:pic>
+        <p:nvPicPr>
+          <p:cNvPr id="7" name="Bildobjekt 6" descr="En bild som visar utomhus, ljus, flygplan, mörk&#10;&#10;Automatiskt genererad beskrivning">
+            <a:extLst>
+              <a:ext uri="{FF2B5EF4-FFF2-40B4-BE49-F238E27FC236}">
+                <a16:creationId xmlns:a16="http://schemas.microsoft.com/office/drawing/2014/main" id="{8EB29F76-C127-4797-819D-D5F435FF322F}"/>
+              </a:ext>
+            </a:extLst>
+          </p:cNvPr>
+          <p:cNvPicPr>
+            <a:picLocks noChangeAspect="1"/>
+          </p:cNvPicPr>
+          <p:nvPr/>
+        </p:nvPicPr>
+        <p:blipFill>
+          <a:blip r:embed="rId2">
+            <a:extLst>
+              <a:ext uri="{28A0092B-C50C-407E-A947-70E740481C1C}">
+                <a14:useLocalDpi xmlns:a14="http://schemas.microsoft.com/office/drawing/2010/main" val="0"/>
+              </a:ext>
+            </a:extLst>
+          </a:blip>
+          <a:stretch>
+            <a:fillRect/>
+          </a:stretch>
+        </p:blipFill>
+        <p:spPr>
+          <a:xfrm>
+            <a:off x="0" y="678886"/>
+            <a:ext cx="12192000" cy="5514975"/>
+          </a:xfrm>
+          <a:prstGeom prst="rect">
+            <a:avLst/>
+          </a:prstGeom>
+        </p:spPr>
+      </p:pic>
       <p:sp>
         <p:nvSpPr>
           <p:cNvPr id="20" name="Frihandsfigur: Form 19">
@@ -12344,7 +12344,7 @@
         </p:nvSpPr>
         <p:spPr>
           <a:xfrm>
-            <a:off x="7757361" y="3143595"/>
+            <a:off x="7757361" y="3140857"/>
             <a:ext cx="70525" cy="133720"/>
           </a:xfrm>
           <a:prstGeom prst="pie">

--- a/2d Projekt/Assets/Sprites/Spritecreator.pptx
+++ b/2d Projekt/Assets/Sprites/Spritecreator.pptx
@@ -10471,6 +10471,60 @@
       </p:sp>
       <p:sp>
         <p:nvSpPr>
+          <p:cNvPr id="2" name="Ellips 1">
+            <a:extLst>
+              <a:ext uri="{FF2B5EF4-FFF2-40B4-BE49-F238E27FC236}">
+                <a16:creationId xmlns:a16="http://schemas.microsoft.com/office/drawing/2014/main" id="{E5DA96CB-D75C-48D8-B495-8BC0F94945F8}"/>
+              </a:ext>
+            </a:extLst>
+          </p:cNvPr>
+          <p:cNvSpPr/>
+          <p:nvPr/>
+        </p:nvSpPr>
+        <p:spPr>
+          <a:xfrm>
+            <a:off x="872456" y="5743037"/>
+            <a:ext cx="9957732" cy="437831"/>
+          </a:xfrm>
+          <a:prstGeom prst="ellipse">
+            <a:avLst/>
+          </a:prstGeom>
+          <a:solidFill>
+            <a:schemeClr val="tx1">
+              <a:alpha val="40000"/>
+            </a:schemeClr>
+          </a:solidFill>
+          <a:ln>
+            <a:noFill/>
+          </a:ln>
+        </p:spPr>
+        <p:style>
+          <a:lnRef idx="2">
+            <a:schemeClr val="accent1">
+              <a:shade val="50000"/>
+            </a:schemeClr>
+          </a:lnRef>
+          <a:fillRef idx="1">
+            <a:schemeClr val="accent1"/>
+          </a:fillRef>
+          <a:effectRef idx="0">
+            <a:schemeClr val="accent1"/>
+          </a:effectRef>
+          <a:fontRef idx="minor">
+            <a:schemeClr val="lt1"/>
+          </a:fontRef>
+        </p:style>
+        <p:txBody>
+          <a:bodyPr rtlCol="0" anchor="ctr"/>
+          <a:lstStyle/>
+          <a:p>
+            <a:pPr algn="ctr"/>
+            <a:endParaRPr lang="en-GB"/>
+          </a:p>
+        </p:txBody>
+      </p:sp>
+      <p:sp>
+        <p:nvSpPr>
           <p:cNvPr id="8" name="Rektangel 7">
             <a:extLst>
               <a:ext uri="{FF2B5EF4-FFF2-40B4-BE49-F238E27FC236}">

--- a/2d Projekt/Assets/Sprites/Spritecreator.pptx
+++ b/2d Projekt/Assets/Sprites/Spritecreator.pptx
@@ -10148,6 +10148,42 @@
           <a:chExt cx="0" cy="0"/>
         </a:xfrm>
       </p:grpSpPr>
+      <p:pic>
+        <p:nvPicPr>
+          <p:cNvPr id="7" name="Bildobjekt 6" descr="En bild som visar utomhus, ljus, flygplan, mörk&#10;&#10;Automatiskt genererad beskrivning">
+            <a:extLst>
+              <a:ext uri="{FF2B5EF4-FFF2-40B4-BE49-F238E27FC236}">
+                <a16:creationId xmlns:a16="http://schemas.microsoft.com/office/drawing/2014/main" id="{8EB29F76-C127-4797-819D-D5F435FF322F}"/>
+              </a:ext>
+            </a:extLst>
+          </p:cNvPr>
+          <p:cNvPicPr>
+            <a:picLocks noChangeAspect="1"/>
+          </p:cNvPicPr>
+          <p:nvPr/>
+        </p:nvPicPr>
+        <p:blipFill>
+          <a:blip r:embed="rId2">
+            <a:extLst>
+              <a:ext uri="{28A0092B-C50C-407E-A947-70E740481C1C}">
+                <a14:useLocalDpi xmlns:a14="http://schemas.microsoft.com/office/drawing/2010/main" val="0"/>
+              </a:ext>
+            </a:extLst>
+          </a:blip>
+          <a:stretch>
+            <a:fillRect/>
+          </a:stretch>
+        </p:blipFill>
+        <p:spPr>
+          <a:xfrm>
+            <a:off x="0" y="678886"/>
+            <a:ext cx="12192000" cy="5514975"/>
+          </a:xfrm>
+          <a:prstGeom prst="rect">
+            <a:avLst/>
+          </a:prstGeom>
+        </p:spPr>
+      </p:pic>
       <p:sp>
         <p:nvSpPr>
           <p:cNvPr id="38" name="Rektangel 37">
@@ -11516,42 +11552,6 @@
           </a:p>
         </p:txBody>
       </p:sp>
-      <p:pic>
-        <p:nvPicPr>
-          <p:cNvPr id="7" name="Bildobjekt 6" descr="En bild som visar utomhus, ljus, flygplan, mörk&#10;&#10;Automatiskt genererad beskrivning">
-            <a:extLst>
-              <a:ext uri="{FF2B5EF4-FFF2-40B4-BE49-F238E27FC236}">
-                <a16:creationId xmlns:a16="http://schemas.microsoft.com/office/drawing/2014/main" id="{8EB29F76-C127-4797-819D-D5F435FF322F}"/>
-              </a:ext>
-            </a:extLst>
-          </p:cNvPr>
-          <p:cNvPicPr>
-            <a:picLocks noChangeAspect="1"/>
-          </p:cNvPicPr>
-          <p:nvPr/>
-        </p:nvPicPr>
-        <p:blipFill>
-          <a:blip r:embed="rId2">
-            <a:extLst>
-              <a:ext uri="{28A0092B-C50C-407E-A947-70E740481C1C}">
-                <a14:useLocalDpi xmlns:a14="http://schemas.microsoft.com/office/drawing/2010/main" val="0"/>
-              </a:ext>
-            </a:extLst>
-          </a:blip>
-          <a:stretch>
-            <a:fillRect/>
-          </a:stretch>
-        </p:blipFill>
-        <p:spPr>
-          <a:xfrm>
-            <a:off x="0" y="678886"/>
-            <a:ext cx="12192000" cy="5514975"/>
-          </a:xfrm>
-          <a:prstGeom prst="rect">
-            <a:avLst/>
-          </a:prstGeom>
-        </p:spPr>
-      </p:pic>
       <p:sp>
         <p:nvSpPr>
           <p:cNvPr id="20" name="Frihandsfigur: Form 19">

--- a/2d Projekt/Assets/Sprites/Spritecreator.pptx
+++ b/2d Projekt/Assets/Sprites/Spritecreator.pptx
@@ -12,6 +12,7 @@
     <p:sldId id="260" r:id="rId6"/>
     <p:sldId id="261" r:id="rId7"/>
     <p:sldId id="262" r:id="rId8"/>
+    <p:sldId id="263" r:id="rId9"/>
   </p:sldIdLst>
   <p:sldSz cx="12192000" cy="6858000"/>
   <p:notesSz cx="6858000" cy="9144000"/>
@@ -267,7 +268,7 @@
           <a:p>
             <a:fld id="{6E66F70A-5E0E-461A-B0CB-604740D34008}" type="datetimeFigureOut">
               <a:rPr lang="en-GB" smtClean="0"/>
-              <a:t>16/02/2021</a:t>
+              <a:t>24/02/2021</a:t>
             </a:fld>
             <a:endParaRPr lang="en-GB"/>
           </a:p>
@@ -467,7 +468,7 @@
           <a:p>
             <a:fld id="{6E66F70A-5E0E-461A-B0CB-604740D34008}" type="datetimeFigureOut">
               <a:rPr lang="en-GB" smtClean="0"/>
-              <a:t>16/02/2021</a:t>
+              <a:t>24/02/2021</a:t>
             </a:fld>
             <a:endParaRPr lang="en-GB"/>
           </a:p>
@@ -677,7 +678,7 @@
           <a:p>
             <a:fld id="{6E66F70A-5E0E-461A-B0CB-604740D34008}" type="datetimeFigureOut">
               <a:rPr lang="en-GB" smtClean="0"/>
-              <a:t>16/02/2021</a:t>
+              <a:t>24/02/2021</a:t>
             </a:fld>
             <a:endParaRPr lang="en-GB"/>
           </a:p>
@@ -877,7 +878,7 @@
           <a:p>
             <a:fld id="{6E66F70A-5E0E-461A-B0CB-604740D34008}" type="datetimeFigureOut">
               <a:rPr lang="en-GB" smtClean="0"/>
-              <a:t>16/02/2021</a:t>
+              <a:t>24/02/2021</a:t>
             </a:fld>
             <a:endParaRPr lang="en-GB"/>
           </a:p>
@@ -1153,7 +1154,7 @@
           <a:p>
             <a:fld id="{6E66F70A-5E0E-461A-B0CB-604740D34008}" type="datetimeFigureOut">
               <a:rPr lang="en-GB" smtClean="0"/>
-              <a:t>16/02/2021</a:t>
+              <a:t>24/02/2021</a:t>
             </a:fld>
             <a:endParaRPr lang="en-GB"/>
           </a:p>
@@ -1421,7 +1422,7 @@
           <a:p>
             <a:fld id="{6E66F70A-5E0E-461A-B0CB-604740D34008}" type="datetimeFigureOut">
               <a:rPr lang="en-GB" smtClean="0"/>
-              <a:t>16/02/2021</a:t>
+              <a:t>24/02/2021</a:t>
             </a:fld>
             <a:endParaRPr lang="en-GB"/>
           </a:p>
@@ -1836,7 +1837,7 @@
           <a:p>
             <a:fld id="{6E66F70A-5E0E-461A-B0CB-604740D34008}" type="datetimeFigureOut">
               <a:rPr lang="en-GB" smtClean="0"/>
-              <a:t>16/02/2021</a:t>
+              <a:t>24/02/2021</a:t>
             </a:fld>
             <a:endParaRPr lang="en-GB"/>
           </a:p>
@@ -1978,7 +1979,7 @@
           <a:p>
             <a:fld id="{6E66F70A-5E0E-461A-B0CB-604740D34008}" type="datetimeFigureOut">
               <a:rPr lang="en-GB" smtClean="0"/>
-              <a:t>16/02/2021</a:t>
+              <a:t>24/02/2021</a:t>
             </a:fld>
             <a:endParaRPr lang="en-GB"/>
           </a:p>
@@ -2091,7 +2092,7 @@
           <a:p>
             <a:fld id="{6E66F70A-5E0E-461A-B0CB-604740D34008}" type="datetimeFigureOut">
               <a:rPr lang="en-GB" smtClean="0"/>
-              <a:t>16/02/2021</a:t>
+              <a:t>24/02/2021</a:t>
             </a:fld>
             <a:endParaRPr lang="en-GB"/>
           </a:p>
@@ -2404,7 +2405,7 @@
           <a:p>
             <a:fld id="{6E66F70A-5E0E-461A-B0CB-604740D34008}" type="datetimeFigureOut">
               <a:rPr lang="en-GB" smtClean="0"/>
-              <a:t>16/02/2021</a:t>
+              <a:t>24/02/2021</a:t>
             </a:fld>
             <a:endParaRPr lang="en-GB"/>
           </a:p>
@@ -2693,7 +2694,7 @@
           <a:p>
             <a:fld id="{6E66F70A-5E0E-461A-B0CB-604740D34008}" type="datetimeFigureOut">
               <a:rPr lang="en-GB" smtClean="0"/>
-              <a:t>16/02/2021</a:t>
+              <a:t>24/02/2021</a:t>
             </a:fld>
             <a:endParaRPr lang="en-GB"/>
           </a:p>
@@ -2936,7 +2937,7 @@
           <a:p>
             <a:fld id="{6E66F70A-5E0E-461A-B0CB-604740D34008}" type="datetimeFigureOut">
               <a:rPr lang="en-GB" smtClean="0"/>
-              <a:t>16/02/2021</a:t>
+              <a:t>24/02/2021</a:t>
             </a:fld>
             <a:endParaRPr lang="en-GB"/>
           </a:p>
@@ -5758,49 +5759,83 @@
           </a:p>
         </p:txBody>
       </p:sp>
-      <p:sp>
-        <p:nvSpPr>
-          <p:cNvPr id="66" name="Rektangel 65">
-            <a:extLst>
-              <a:ext uri="{FF2B5EF4-FFF2-40B4-BE49-F238E27FC236}">
-                <a16:creationId xmlns:a16="http://schemas.microsoft.com/office/drawing/2014/main" id="{ACD57D2F-00F0-42AD-98AA-9A4784959A44}"/>
-              </a:ext>
-            </a:extLst>
-          </p:cNvPr>
-          <p:cNvSpPr/>
-          <p:nvPr/>
-        </p:nvSpPr>
-        <p:spPr>
-          <a:xfrm>
-            <a:off x="7229718" y="3812649"/>
-            <a:ext cx="1385903" cy="218661"/>
+      <p:pic>
+        <p:nvPicPr>
+          <p:cNvPr id="3" name="Bildobjekt 2">
+            <a:extLst>
+              <a:ext uri="{FF2B5EF4-FFF2-40B4-BE49-F238E27FC236}">
+                <a16:creationId xmlns:a16="http://schemas.microsoft.com/office/drawing/2014/main" id="{3910EB39-DA0A-4E42-8284-65A4AF59726E}"/>
+              </a:ext>
+            </a:extLst>
+          </p:cNvPr>
+          <p:cNvPicPr>
+            <a:picLocks noChangeAspect="1"/>
+          </p:cNvPicPr>
+          <p:nvPr/>
+        </p:nvPicPr>
+        <p:blipFill rotWithShape="1">
+          <a:blip r:embed="rId2">
+            <a:extLst>
+              <a:ext uri="{28A0092B-C50C-407E-A947-70E740481C1C}">
+                <a14:useLocalDpi xmlns:a14="http://schemas.microsoft.com/office/drawing/2010/main" val="0"/>
+              </a:ext>
+            </a:extLst>
+          </a:blip>
+          <a:srcRect l="387" t="1" r="-387" b="38653"/>
+          <a:stretch/>
+        </p:blipFill>
+        <p:spPr>
+          <a:xfrm>
+            <a:off x="2661318" y="1421477"/>
+            <a:ext cx="2170364" cy="1017275"/>
           </a:xfrm>
           <a:prstGeom prst="rect">
             <a:avLst/>
+          </a:prstGeom>
+        </p:spPr>
+      </p:pic>
+      <p:sp>
+        <p:nvSpPr>
+          <p:cNvPr id="14" name="Parallelltrapets 13">
+            <a:extLst>
+              <a:ext uri="{FF2B5EF4-FFF2-40B4-BE49-F238E27FC236}">
+                <a16:creationId xmlns:a16="http://schemas.microsoft.com/office/drawing/2014/main" id="{6F8B5E42-559A-4B88-8D46-8A3A0C8DA494}"/>
+              </a:ext>
+            </a:extLst>
+          </p:cNvPr>
+          <p:cNvSpPr/>
+          <p:nvPr/>
+        </p:nvSpPr>
+        <p:spPr>
+          <a:xfrm>
+            <a:off x="6865533" y="4082995"/>
+            <a:ext cx="2106420" cy="147364"/>
+          </a:xfrm>
+          <a:prstGeom prst="trapezoid">
+            <a:avLst>
+              <a:gd name="adj" fmla="val 183053"/>
+            </a:avLst>
           </a:prstGeom>
           <a:gradFill>
             <a:gsLst>
-              <a:gs pos="0">
-                <a:schemeClr val="tx1">
-                  <a:lumMod val="50000"/>
-                  <a:lumOff val="50000"/>
-                </a:schemeClr>
-              </a:gs>
-              <a:gs pos="100000">
+              <a:gs pos="85000">
                 <a:schemeClr val="tx1">
                   <a:lumMod val="75000"/>
                   <a:lumOff val="25000"/>
                 </a:schemeClr>
               </a:gs>
+              <a:gs pos="0">
+                <a:schemeClr val="tx1">
+                  <a:lumMod val="65000"/>
+                  <a:lumOff val="35000"/>
+                </a:schemeClr>
+              </a:gs>
             </a:gsLst>
-            <a:lin ang="2700000" scaled="0"/>
+            <a:lin ang="5400000" scaled="1"/>
           </a:gradFill>
           <a:ln>
             <a:solidFill>
-              <a:schemeClr val="tx1">
-                <a:lumMod val="75000"/>
-                <a:lumOff val="25000"/>
-              </a:schemeClr>
+              <a:srgbClr val="404040"/>
             </a:solidFill>
           </a:ln>
         </p:spPr>
@@ -5831,43 +5866,46 @@
       </p:sp>
       <p:sp>
         <p:nvSpPr>
-          <p:cNvPr id="65" name="Parallelltrapets 64">
-            <a:extLst>
-              <a:ext uri="{FF2B5EF4-FFF2-40B4-BE49-F238E27FC236}">
-                <a16:creationId xmlns:a16="http://schemas.microsoft.com/office/drawing/2014/main" id="{3A0E32C4-06A0-4ED5-BCA8-36E54BFFE641}"/>
-              </a:ext>
-            </a:extLst>
-          </p:cNvPr>
-          <p:cNvSpPr/>
-          <p:nvPr/>
-        </p:nvSpPr>
-        <p:spPr>
-          <a:xfrm>
-            <a:off x="6855229" y="3947822"/>
-            <a:ext cx="2137696" cy="294200"/>
+          <p:cNvPr id="37" name="Parallelltrapets 36">
+            <a:extLst>
+              <a:ext uri="{FF2B5EF4-FFF2-40B4-BE49-F238E27FC236}">
+                <a16:creationId xmlns:a16="http://schemas.microsoft.com/office/drawing/2014/main" id="{98EB27E0-D4D0-49D2-B69B-FB31B80F2953}"/>
+              </a:ext>
+            </a:extLst>
+          </p:cNvPr>
+          <p:cNvSpPr/>
+          <p:nvPr/>
+        </p:nvSpPr>
+        <p:spPr>
+          <a:xfrm>
+            <a:off x="3973676" y="4058275"/>
+            <a:ext cx="2106420" cy="147364"/>
           </a:xfrm>
           <a:prstGeom prst="trapezoid">
             <a:avLst>
-              <a:gd name="adj" fmla="val 81384"/>
+              <a:gd name="adj" fmla="val 183053"/>
             </a:avLst>
           </a:prstGeom>
           <a:gradFill>
             <a:gsLst>
+              <a:gs pos="85000">
+                <a:schemeClr val="tx1">
+                  <a:lumMod val="75000"/>
+                  <a:lumOff val="25000"/>
+                </a:schemeClr>
+              </a:gs>
               <a:gs pos="0">
-                <a:srgbClr val="C97553"/>
-              </a:gs>
-              <a:gs pos="100000">
-                <a:srgbClr val="BB5F4D"/>
+                <a:schemeClr val="tx1">
+                  <a:lumMod val="65000"/>
+                  <a:lumOff val="35000"/>
+                </a:schemeClr>
               </a:gs>
             </a:gsLst>
-            <a:lin ang="5400000" scaled="0"/>
+            <a:lin ang="5400000" scaled="1"/>
           </a:gradFill>
           <a:ln>
             <a:solidFill>
-              <a:schemeClr val="tx1">
-                <a:lumMod val="75000"/>
-                <a:lumOff val="25000"/>
-              </a:schemeClr>
+              <a:srgbClr val="404040"/>
             </a:solidFill>
           </a:ln>
         </p:spPr>
@@ -10110,6 +10148,111 @@
           </a:fontRef>
         </p:style>
       </p:cxnSp>
+      <p:sp>
+        <p:nvSpPr>
+          <p:cNvPr id="74" name="Parallelltrapets 73">
+            <a:extLst>
+              <a:ext uri="{FF2B5EF4-FFF2-40B4-BE49-F238E27FC236}">
+                <a16:creationId xmlns:a16="http://schemas.microsoft.com/office/drawing/2014/main" id="{5A5D3024-7A95-488B-8C14-02267B9ABDD8}"/>
+              </a:ext>
+            </a:extLst>
+          </p:cNvPr>
+          <p:cNvSpPr/>
+          <p:nvPr/>
+        </p:nvSpPr>
+        <p:spPr>
+          <a:xfrm>
+            <a:off x="2524408" y="3899276"/>
+            <a:ext cx="2743200" cy="147618"/>
+          </a:xfrm>
+          <a:prstGeom prst="trapezoid">
+            <a:avLst>
+              <a:gd name="adj" fmla="val 183053"/>
+            </a:avLst>
+          </a:prstGeom>
+          <a:gradFill>
+            <a:gsLst>
+              <a:gs pos="85000">
+                <a:schemeClr val="tx1">
+                  <a:lumMod val="65000"/>
+                  <a:lumOff val="35000"/>
+                </a:schemeClr>
+              </a:gs>
+              <a:gs pos="0">
+                <a:schemeClr val="tx1">
+                  <a:lumMod val="50000"/>
+                  <a:lumOff val="50000"/>
+                </a:schemeClr>
+              </a:gs>
+            </a:gsLst>
+            <a:lin ang="5400000" scaled="1"/>
+          </a:gradFill>
+          <a:ln>
+            <a:solidFill>
+              <a:srgbClr val="404040"/>
+            </a:solidFill>
+          </a:ln>
+        </p:spPr>
+        <p:style>
+          <a:lnRef idx="2">
+            <a:schemeClr val="accent1">
+              <a:shade val="50000"/>
+            </a:schemeClr>
+          </a:lnRef>
+          <a:fillRef idx="1">
+            <a:schemeClr val="accent1"/>
+          </a:fillRef>
+          <a:effectRef idx="0">
+            <a:schemeClr val="accent1"/>
+          </a:effectRef>
+          <a:fontRef idx="minor">
+            <a:schemeClr val="lt1"/>
+          </a:fontRef>
+        </p:style>
+        <p:txBody>
+          <a:bodyPr rtlCol="0" anchor="ctr"/>
+          <a:lstStyle/>
+          <a:p>
+            <a:pPr algn="ctr"/>
+            <a:endParaRPr lang="en-GB"/>
+          </a:p>
+        </p:txBody>
+      </p:sp>
+      <p:pic>
+        <p:nvPicPr>
+          <p:cNvPr id="3" name="Bildobjekt 2" descr="En bild som visar text, byggnad, fönster&#10;&#10;Automatiskt genererad beskrivning">
+            <a:extLst>
+              <a:ext uri="{FF2B5EF4-FFF2-40B4-BE49-F238E27FC236}">
+                <a16:creationId xmlns:a16="http://schemas.microsoft.com/office/drawing/2014/main" id="{CD27F886-BE9F-438A-9DD4-259C4D0B6D2E}"/>
+              </a:ext>
+            </a:extLst>
+          </p:cNvPr>
+          <p:cNvPicPr>
+            <a:picLocks noChangeAspect="1"/>
+          </p:cNvPicPr>
+          <p:nvPr/>
+        </p:nvPicPr>
+        <p:blipFill rotWithShape="1">
+          <a:blip r:embed="rId2">
+            <a:extLst>
+              <a:ext uri="{28A0092B-C50C-407E-A947-70E740481C1C}">
+                <a14:useLocalDpi xmlns:a14="http://schemas.microsoft.com/office/drawing/2010/main" val="0"/>
+              </a:ext>
+            </a:extLst>
+          </a:blip>
+          <a:srcRect b="12149"/>
+          <a:stretch/>
+        </p:blipFill>
+        <p:spPr>
+          <a:xfrm>
+            <a:off x="4825423" y="1977567"/>
+            <a:ext cx="3029975" cy="1451434"/>
+          </a:xfrm>
+          <a:prstGeom prst="rect">
+            <a:avLst/>
+          </a:prstGeom>
+        </p:spPr>
+      </p:pic>
     </p:spTree>
     <p:extLst>
       <p:ext uri="{BB962C8B-B14F-4D97-AF65-F5344CB8AC3E}">
@@ -12599,6 +12742,126 @@
     <p:extLst>
       <p:ext uri="{BB962C8B-B14F-4D97-AF65-F5344CB8AC3E}">
         <p14:creationId xmlns:p14="http://schemas.microsoft.com/office/powerpoint/2010/main" val="2688766318"/>
+      </p:ext>
+    </p:extLst>
+  </p:cSld>
+  <p:clrMapOvr>
+    <a:masterClrMapping/>
+  </p:clrMapOvr>
+</p:sld>
+</file>
+
+<file path=ppt/slides/slide8.xml><?xml version="1.0" encoding="utf-8"?>
+<p:sld xmlns:a="http://schemas.openxmlformats.org/drawingml/2006/main" xmlns:r="http://schemas.openxmlformats.org/officeDocument/2006/relationships" xmlns:p="http://schemas.openxmlformats.org/presentationml/2006/main">
+  <p:cSld>
+    <p:spTree>
+      <p:nvGrpSpPr>
+        <p:cNvPr id="1" name=""/>
+        <p:cNvGrpSpPr/>
+        <p:nvPr/>
+      </p:nvGrpSpPr>
+      <p:grpSpPr>
+        <a:xfrm>
+          <a:off x="0" y="0"/>
+          <a:ext cx="0" cy="0"/>
+          <a:chOff x="0" y="0"/>
+          <a:chExt cx="0" cy="0"/>
+        </a:xfrm>
+      </p:grpSpPr>
+      <p:pic>
+        <p:nvPicPr>
+          <p:cNvPr id="75" name="Bildobjekt 74">
+            <a:extLst>
+              <a:ext uri="{FF2B5EF4-FFF2-40B4-BE49-F238E27FC236}">
+                <a16:creationId xmlns:a16="http://schemas.microsoft.com/office/drawing/2014/main" id="{9F71328C-D5AD-473F-B19F-382AEBEAD3BE}"/>
+              </a:ext>
+            </a:extLst>
+          </p:cNvPr>
+          <p:cNvPicPr>
+            <a:picLocks noChangeAspect="1"/>
+          </p:cNvPicPr>
+          <p:nvPr/>
+        </p:nvPicPr>
+        <p:blipFill>
+          <a:blip r:embed="rId2">
+            <a:extLst>
+              <a:ext uri="{28A0092B-C50C-407E-A947-70E740481C1C}">
+                <a14:useLocalDpi xmlns:a14="http://schemas.microsoft.com/office/drawing/2010/main" val="0"/>
+              </a:ext>
+            </a:extLst>
+          </a:blip>
+          <a:stretch>
+            <a:fillRect/>
+          </a:stretch>
+        </p:blipFill>
+        <p:spPr>
+          <a:xfrm rot="5400000">
+            <a:off x="6593116" y="1259115"/>
+            <a:ext cx="5058000" cy="6139769"/>
+          </a:xfrm>
+          <a:prstGeom prst="rect">
+            <a:avLst/>
+          </a:prstGeom>
+        </p:spPr>
+      </p:pic>
+      <p:sp>
+        <p:nvSpPr>
+          <p:cNvPr id="76" name="Rektangel 75">
+            <a:extLst>
+              <a:ext uri="{FF2B5EF4-FFF2-40B4-BE49-F238E27FC236}">
+                <a16:creationId xmlns:a16="http://schemas.microsoft.com/office/drawing/2014/main" id="{E0DDC92A-5BC3-45BD-AB34-305E44BE74E3}"/>
+              </a:ext>
+            </a:extLst>
+          </p:cNvPr>
+          <p:cNvSpPr/>
+          <p:nvPr/>
+        </p:nvSpPr>
+        <p:spPr>
+          <a:xfrm>
+            <a:off x="0" y="1"/>
+            <a:ext cx="12192000" cy="6858000"/>
+          </a:xfrm>
+          <a:prstGeom prst="rect">
+            <a:avLst/>
+          </a:prstGeom>
+          <a:solidFill>
+            <a:schemeClr val="tx1">
+              <a:alpha val="20000"/>
+            </a:schemeClr>
+          </a:solidFill>
+          <a:ln>
+            <a:noFill/>
+          </a:ln>
+        </p:spPr>
+        <p:style>
+          <a:lnRef idx="2">
+            <a:schemeClr val="accent1">
+              <a:shade val="50000"/>
+            </a:schemeClr>
+          </a:lnRef>
+          <a:fillRef idx="1">
+            <a:schemeClr val="accent1"/>
+          </a:fillRef>
+          <a:effectRef idx="0">
+            <a:schemeClr val="accent1"/>
+          </a:effectRef>
+          <a:fontRef idx="minor">
+            <a:schemeClr val="lt1"/>
+          </a:fontRef>
+        </p:style>
+        <p:txBody>
+          <a:bodyPr rtlCol="0" anchor="ctr"/>
+          <a:lstStyle/>
+          <a:p>
+            <a:pPr algn="ctr"/>
+            <a:endParaRPr lang="en-GB"/>
+          </a:p>
+        </p:txBody>
+      </p:sp>
+    </p:spTree>
+    <p:extLst>
+      <p:ext uri="{BB962C8B-B14F-4D97-AF65-F5344CB8AC3E}">
+        <p14:creationId xmlns:p14="http://schemas.microsoft.com/office/powerpoint/2010/main" val="2410673042"/>
       </p:ext>
     </p:extLst>
   </p:cSld>

--- a/2d Projekt/Assets/Sprites/Spritecreator.pptx
+++ b/2d Projekt/Assets/Sprites/Spritecreator.pptx
@@ -268,7 +268,7 @@
           <a:p>
             <a:fld id="{6E66F70A-5E0E-461A-B0CB-604740D34008}" type="datetimeFigureOut">
               <a:rPr lang="en-GB" smtClean="0"/>
-              <a:t>24/02/2021</a:t>
+              <a:t>25/02/2021</a:t>
             </a:fld>
             <a:endParaRPr lang="en-GB"/>
           </a:p>
@@ -468,7 +468,7 @@
           <a:p>
             <a:fld id="{6E66F70A-5E0E-461A-B0CB-604740D34008}" type="datetimeFigureOut">
               <a:rPr lang="en-GB" smtClean="0"/>
-              <a:t>24/02/2021</a:t>
+              <a:t>25/02/2021</a:t>
             </a:fld>
             <a:endParaRPr lang="en-GB"/>
           </a:p>
@@ -678,7 +678,7 @@
           <a:p>
             <a:fld id="{6E66F70A-5E0E-461A-B0CB-604740D34008}" type="datetimeFigureOut">
               <a:rPr lang="en-GB" smtClean="0"/>
-              <a:t>24/02/2021</a:t>
+              <a:t>25/02/2021</a:t>
             </a:fld>
             <a:endParaRPr lang="en-GB"/>
           </a:p>
@@ -878,7 +878,7 @@
           <a:p>
             <a:fld id="{6E66F70A-5E0E-461A-B0CB-604740D34008}" type="datetimeFigureOut">
               <a:rPr lang="en-GB" smtClean="0"/>
-              <a:t>24/02/2021</a:t>
+              <a:t>25/02/2021</a:t>
             </a:fld>
             <a:endParaRPr lang="en-GB"/>
           </a:p>
@@ -1154,7 +1154,7 @@
           <a:p>
             <a:fld id="{6E66F70A-5E0E-461A-B0CB-604740D34008}" type="datetimeFigureOut">
               <a:rPr lang="en-GB" smtClean="0"/>
-              <a:t>24/02/2021</a:t>
+              <a:t>25/02/2021</a:t>
             </a:fld>
             <a:endParaRPr lang="en-GB"/>
           </a:p>
@@ -1422,7 +1422,7 @@
           <a:p>
             <a:fld id="{6E66F70A-5E0E-461A-B0CB-604740D34008}" type="datetimeFigureOut">
               <a:rPr lang="en-GB" smtClean="0"/>
-              <a:t>24/02/2021</a:t>
+              <a:t>25/02/2021</a:t>
             </a:fld>
             <a:endParaRPr lang="en-GB"/>
           </a:p>
@@ -1837,7 +1837,7 @@
           <a:p>
             <a:fld id="{6E66F70A-5E0E-461A-B0CB-604740D34008}" type="datetimeFigureOut">
               <a:rPr lang="en-GB" smtClean="0"/>
-              <a:t>24/02/2021</a:t>
+              <a:t>25/02/2021</a:t>
             </a:fld>
             <a:endParaRPr lang="en-GB"/>
           </a:p>
@@ -1979,7 +1979,7 @@
           <a:p>
             <a:fld id="{6E66F70A-5E0E-461A-B0CB-604740D34008}" type="datetimeFigureOut">
               <a:rPr lang="en-GB" smtClean="0"/>
-              <a:t>24/02/2021</a:t>
+              <a:t>25/02/2021</a:t>
             </a:fld>
             <a:endParaRPr lang="en-GB"/>
           </a:p>
@@ -2092,7 +2092,7 @@
           <a:p>
             <a:fld id="{6E66F70A-5E0E-461A-B0CB-604740D34008}" type="datetimeFigureOut">
               <a:rPr lang="en-GB" smtClean="0"/>
-              <a:t>24/02/2021</a:t>
+              <a:t>25/02/2021</a:t>
             </a:fld>
             <a:endParaRPr lang="en-GB"/>
           </a:p>
@@ -2405,7 +2405,7 @@
           <a:p>
             <a:fld id="{6E66F70A-5E0E-461A-B0CB-604740D34008}" type="datetimeFigureOut">
               <a:rPr lang="en-GB" smtClean="0"/>
-              <a:t>24/02/2021</a:t>
+              <a:t>25/02/2021</a:t>
             </a:fld>
             <a:endParaRPr lang="en-GB"/>
           </a:p>
@@ -2694,7 +2694,7 @@
           <a:p>
             <a:fld id="{6E66F70A-5E0E-461A-B0CB-604740D34008}" type="datetimeFigureOut">
               <a:rPr lang="en-GB" smtClean="0"/>
-              <a:t>24/02/2021</a:t>
+              <a:t>25/02/2021</a:t>
             </a:fld>
             <a:endParaRPr lang="en-GB"/>
           </a:p>
@@ -2937,7 +2937,7 @@
           <a:p>
             <a:fld id="{6E66F70A-5E0E-461A-B0CB-604740D34008}" type="datetimeFigureOut">
               <a:rPr lang="en-GB" smtClean="0"/>
-              <a:t>24/02/2021</a:t>
+              <a:t>25/02/2021</a:t>
             </a:fld>
             <a:endParaRPr lang="en-GB"/>
           </a:p>
@@ -10189,7 +10189,7 @@
           </a:gradFill>
           <a:ln>
             <a:solidFill>
-              <a:srgbClr val="404040"/>
+              <a:srgbClr val="505050"/>
             </a:solidFill>
           </a:ln>
         </p:spPr>
@@ -12768,67 +12768,3146 @@
           <a:chExt cx="0" cy="0"/>
         </a:xfrm>
       </p:grpSpPr>
-      <p:pic>
-        <p:nvPicPr>
-          <p:cNvPr id="75" name="Bildobjekt 74">
-            <a:extLst>
-              <a:ext uri="{FF2B5EF4-FFF2-40B4-BE49-F238E27FC236}">
-                <a16:creationId xmlns:a16="http://schemas.microsoft.com/office/drawing/2014/main" id="{9F71328C-D5AD-473F-B19F-382AEBEAD3BE}"/>
-              </a:ext>
-            </a:extLst>
-          </p:cNvPr>
-          <p:cNvPicPr>
-            <a:picLocks noChangeAspect="1"/>
-          </p:cNvPicPr>
-          <p:nvPr/>
-        </p:nvPicPr>
-        <p:blipFill>
-          <a:blip r:embed="rId2">
-            <a:extLst>
-              <a:ext uri="{28A0092B-C50C-407E-A947-70E740481C1C}">
-                <a14:useLocalDpi xmlns:a14="http://schemas.microsoft.com/office/drawing/2010/main" val="0"/>
-              </a:ext>
-            </a:extLst>
-          </a:blip>
-          <a:stretch>
-            <a:fillRect/>
-          </a:stretch>
-        </p:blipFill>
+      <p:sp>
+        <p:nvSpPr>
+          <p:cNvPr id="4" name="Rektangel 3">
+            <a:extLst>
+              <a:ext uri="{FF2B5EF4-FFF2-40B4-BE49-F238E27FC236}">
+                <a16:creationId xmlns:a16="http://schemas.microsoft.com/office/drawing/2014/main" id="{C562D289-8C9B-4B05-9EF6-90942E63C6FC}"/>
+              </a:ext>
+            </a:extLst>
+          </p:cNvPr>
+          <p:cNvSpPr/>
+          <p:nvPr/>
+        </p:nvSpPr>
+        <p:spPr>
+          <a:xfrm>
+            <a:off x="1905796" y="3711339"/>
+            <a:ext cx="2743200" cy="1502875"/>
+          </a:xfrm>
+          <a:prstGeom prst="rect">
+            <a:avLst/>
+          </a:prstGeom>
+          <a:gradFill>
+            <a:gsLst>
+              <a:gs pos="53000">
+                <a:schemeClr val="accent1">
+                  <a:lumMod val="40000"/>
+                  <a:lumOff val="60000"/>
+                </a:schemeClr>
+              </a:gs>
+              <a:gs pos="20000">
+                <a:srgbClr val="8AA7DA"/>
+              </a:gs>
+              <a:gs pos="80000">
+                <a:srgbClr val="8AA7DA"/>
+              </a:gs>
+            </a:gsLst>
+            <a:lin ang="5400000" scaled="1"/>
+          </a:gradFill>
+          <a:ln>
+            <a:solidFill>
+              <a:srgbClr val="505050"/>
+            </a:solidFill>
+          </a:ln>
+        </p:spPr>
+        <p:style>
+          <a:lnRef idx="2">
+            <a:schemeClr val="accent1">
+              <a:shade val="50000"/>
+            </a:schemeClr>
+          </a:lnRef>
+          <a:fillRef idx="1">
+            <a:schemeClr val="accent1"/>
+          </a:fillRef>
+          <a:effectRef idx="0">
+            <a:schemeClr val="accent1"/>
+          </a:effectRef>
+          <a:fontRef idx="minor">
+            <a:schemeClr val="lt1"/>
+          </a:fontRef>
+        </p:style>
+        <p:txBody>
+          <a:bodyPr rtlCol="0" anchor="ctr"/>
+          <a:lstStyle/>
+          <a:p>
+            <a:pPr algn="ctr"/>
+            <a:endParaRPr lang="en-GB"/>
+          </a:p>
+        </p:txBody>
+      </p:sp>
+      <p:sp>
+        <p:nvSpPr>
+          <p:cNvPr id="2" name="Rektangel 1">
+            <a:extLst>
+              <a:ext uri="{FF2B5EF4-FFF2-40B4-BE49-F238E27FC236}">
+                <a16:creationId xmlns:a16="http://schemas.microsoft.com/office/drawing/2014/main" id="{BA9412F5-D2E4-4172-85CE-B94558062A75}"/>
+              </a:ext>
+            </a:extLst>
+          </p:cNvPr>
+          <p:cNvSpPr/>
+          <p:nvPr/>
+        </p:nvSpPr>
+        <p:spPr>
+          <a:xfrm>
+            <a:off x="1905796" y="3711339"/>
+            <a:ext cx="150223" cy="1502875"/>
+          </a:xfrm>
+          <a:prstGeom prst="rect">
+            <a:avLst/>
+          </a:prstGeom>
+          <a:gradFill>
+            <a:gsLst>
+              <a:gs pos="53000">
+                <a:schemeClr val="accent1">
+                  <a:lumMod val="40000"/>
+                  <a:lumOff val="60000"/>
+                </a:schemeClr>
+              </a:gs>
+              <a:gs pos="20000">
+                <a:srgbClr val="8AA7DA"/>
+              </a:gs>
+              <a:gs pos="80000">
+                <a:srgbClr val="8AA7DA"/>
+              </a:gs>
+            </a:gsLst>
+            <a:lin ang="5400000" scaled="1"/>
+          </a:gradFill>
+          <a:ln>
+            <a:solidFill>
+              <a:srgbClr val="505050"/>
+            </a:solidFill>
+          </a:ln>
+        </p:spPr>
+        <p:style>
+          <a:lnRef idx="2">
+            <a:schemeClr val="accent1">
+              <a:shade val="50000"/>
+            </a:schemeClr>
+          </a:lnRef>
+          <a:fillRef idx="1">
+            <a:schemeClr val="accent1"/>
+          </a:fillRef>
+          <a:effectRef idx="0">
+            <a:schemeClr val="accent1"/>
+          </a:effectRef>
+          <a:fontRef idx="minor">
+            <a:schemeClr val="lt1"/>
+          </a:fontRef>
+        </p:style>
+        <p:txBody>
+          <a:bodyPr rtlCol="0" anchor="ctr"/>
+          <a:lstStyle/>
+          <a:p>
+            <a:pPr algn="ctr"/>
+            <a:endParaRPr lang="en-GB"/>
+          </a:p>
+        </p:txBody>
+      </p:sp>
+      <p:sp>
+        <p:nvSpPr>
+          <p:cNvPr id="6" name="Rektangel 5">
+            <a:extLst>
+              <a:ext uri="{FF2B5EF4-FFF2-40B4-BE49-F238E27FC236}">
+                <a16:creationId xmlns:a16="http://schemas.microsoft.com/office/drawing/2014/main" id="{9FC177EA-1B78-45D5-81B3-44EF77427F60}"/>
+              </a:ext>
+            </a:extLst>
+          </p:cNvPr>
+          <p:cNvSpPr/>
+          <p:nvPr/>
+        </p:nvSpPr>
+        <p:spPr>
+          <a:xfrm>
+            <a:off x="2056019" y="3711338"/>
+            <a:ext cx="150223" cy="1502875"/>
+          </a:xfrm>
+          <a:prstGeom prst="rect">
+            <a:avLst/>
+          </a:prstGeom>
+          <a:gradFill>
+            <a:gsLst>
+              <a:gs pos="53000">
+                <a:schemeClr val="accent1">
+                  <a:lumMod val="40000"/>
+                  <a:lumOff val="60000"/>
+                </a:schemeClr>
+              </a:gs>
+              <a:gs pos="20000">
+                <a:srgbClr val="8AA7DA"/>
+              </a:gs>
+              <a:gs pos="80000">
+                <a:srgbClr val="8AA7DA"/>
+              </a:gs>
+            </a:gsLst>
+            <a:lin ang="5400000" scaled="1"/>
+          </a:gradFill>
+          <a:ln>
+            <a:solidFill>
+              <a:srgbClr val="505050"/>
+            </a:solidFill>
+          </a:ln>
+        </p:spPr>
+        <p:style>
+          <a:lnRef idx="2">
+            <a:schemeClr val="accent1">
+              <a:shade val="50000"/>
+            </a:schemeClr>
+          </a:lnRef>
+          <a:fillRef idx="1">
+            <a:schemeClr val="accent1"/>
+          </a:fillRef>
+          <a:effectRef idx="0">
+            <a:schemeClr val="accent1"/>
+          </a:effectRef>
+          <a:fontRef idx="minor">
+            <a:schemeClr val="lt1"/>
+          </a:fontRef>
+        </p:style>
+        <p:txBody>
+          <a:bodyPr rtlCol="0" anchor="ctr"/>
+          <a:lstStyle/>
+          <a:p>
+            <a:pPr algn="ctr"/>
+            <a:endParaRPr lang="en-GB"/>
+          </a:p>
+        </p:txBody>
+      </p:sp>
+      <p:sp>
+        <p:nvSpPr>
+          <p:cNvPr id="7" name="Rektangel 6">
+            <a:extLst>
+              <a:ext uri="{FF2B5EF4-FFF2-40B4-BE49-F238E27FC236}">
+                <a16:creationId xmlns:a16="http://schemas.microsoft.com/office/drawing/2014/main" id="{F59F7415-4A14-4D59-BD47-190E9FC6E03D}"/>
+              </a:ext>
+            </a:extLst>
+          </p:cNvPr>
+          <p:cNvSpPr/>
+          <p:nvPr/>
+        </p:nvSpPr>
+        <p:spPr>
+          <a:xfrm>
+            <a:off x="2206242" y="3711336"/>
+            <a:ext cx="150223" cy="1502875"/>
+          </a:xfrm>
+          <a:prstGeom prst="rect">
+            <a:avLst/>
+          </a:prstGeom>
+          <a:gradFill>
+            <a:gsLst>
+              <a:gs pos="53000">
+                <a:schemeClr val="accent1">
+                  <a:lumMod val="40000"/>
+                  <a:lumOff val="60000"/>
+                </a:schemeClr>
+              </a:gs>
+              <a:gs pos="20000">
+                <a:srgbClr val="8AA7DA"/>
+              </a:gs>
+              <a:gs pos="80000">
+                <a:srgbClr val="8AA7DA"/>
+              </a:gs>
+            </a:gsLst>
+            <a:lin ang="5400000" scaled="1"/>
+          </a:gradFill>
+          <a:ln>
+            <a:solidFill>
+              <a:srgbClr val="505050"/>
+            </a:solidFill>
+          </a:ln>
+        </p:spPr>
+        <p:style>
+          <a:lnRef idx="2">
+            <a:schemeClr val="accent1">
+              <a:shade val="50000"/>
+            </a:schemeClr>
+          </a:lnRef>
+          <a:fillRef idx="1">
+            <a:schemeClr val="accent1"/>
+          </a:fillRef>
+          <a:effectRef idx="0">
+            <a:schemeClr val="accent1"/>
+          </a:effectRef>
+          <a:fontRef idx="minor">
+            <a:schemeClr val="lt1"/>
+          </a:fontRef>
+        </p:style>
+        <p:txBody>
+          <a:bodyPr rtlCol="0" anchor="ctr"/>
+          <a:lstStyle/>
+          <a:p>
+            <a:pPr algn="ctr"/>
+            <a:endParaRPr lang="en-GB" dirty="0"/>
+          </a:p>
+        </p:txBody>
+      </p:sp>
+      <p:sp>
+        <p:nvSpPr>
+          <p:cNvPr id="8" name="Rektangel 7">
+            <a:extLst>
+              <a:ext uri="{FF2B5EF4-FFF2-40B4-BE49-F238E27FC236}">
+                <a16:creationId xmlns:a16="http://schemas.microsoft.com/office/drawing/2014/main" id="{48ED8331-0A28-40F0-9C45-0FEA2511187D}"/>
+              </a:ext>
+            </a:extLst>
+          </p:cNvPr>
+          <p:cNvSpPr/>
+          <p:nvPr/>
+        </p:nvSpPr>
+        <p:spPr>
+          <a:xfrm>
+            <a:off x="2356465" y="3711336"/>
+            <a:ext cx="150223" cy="1502875"/>
+          </a:xfrm>
+          <a:prstGeom prst="rect">
+            <a:avLst/>
+          </a:prstGeom>
+          <a:gradFill>
+            <a:gsLst>
+              <a:gs pos="53000">
+                <a:schemeClr val="accent1">
+                  <a:lumMod val="40000"/>
+                  <a:lumOff val="60000"/>
+                </a:schemeClr>
+              </a:gs>
+              <a:gs pos="20000">
+                <a:srgbClr val="8AA7DA"/>
+              </a:gs>
+              <a:gs pos="80000">
+                <a:srgbClr val="8AA7DA"/>
+              </a:gs>
+            </a:gsLst>
+            <a:lin ang="5400000" scaled="1"/>
+          </a:gradFill>
+          <a:ln>
+            <a:solidFill>
+              <a:srgbClr val="505050"/>
+            </a:solidFill>
+          </a:ln>
+        </p:spPr>
+        <p:style>
+          <a:lnRef idx="2">
+            <a:schemeClr val="accent1">
+              <a:shade val="50000"/>
+            </a:schemeClr>
+          </a:lnRef>
+          <a:fillRef idx="1">
+            <a:schemeClr val="accent1"/>
+          </a:fillRef>
+          <a:effectRef idx="0">
+            <a:schemeClr val="accent1"/>
+          </a:effectRef>
+          <a:fontRef idx="minor">
+            <a:schemeClr val="lt1"/>
+          </a:fontRef>
+        </p:style>
+        <p:txBody>
+          <a:bodyPr rtlCol="0" anchor="ctr"/>
+          <a:lstStyle/>
+          <a:p>
+            <a:pPr algn="ctr"/>
+            <a:endParaRPr lang="en-GB"/>
+          </a:p>
+        </p:txBody>
+      </p:sp>
+      <p:sp>
+        <p:nvSpPr>
+          <p:cNvPr id="9" name="Rektangel 8">
+            <a:extLst>
+              <a:ext uri="{FF2B5EF4-FFF2-40B4-BE49-F238E27FC236}">
+                <a16:creationId xmlns:a16="http://schemas.microsoft.com/office/drawing/2014/main" id="{96EBE859-9591-4127-936D-BC7EF68A30C1}"/>
+              </a:ext>
+            </a:extLst>
+          </p:cNvPr>
+          <p:cNvSpPr/>
+          <p:nvPr/>
+        </p:nvSpPr>
+        <p:spPr>
+          <a:xfrm>
+            <a:off x="2506688" y="3711336"/>
+            <a:ext cx="150223" cy="1502875"/>
+          </a:xfrm>
+          <a:prstGeom prst="rect">
+            <a:avLst/>
+          </a:prstGeom>
+          <a:gradFill>
+            <a:gsLst>
+              <a:gs pos="53000">
+                <a:schemeClr val="accent1">
+                  <a:lumMod val="40000"/>
+                  <a:lumOff val="60000"/>
+                </a:schemeClr>
+              </a:gs>
+              <a:gs pos="20000">
+                <a:srgbClr val="8AA7DA"/>
+              </a:gs>
+              <a:gs pos="80000">
+                <a:srgbClr val="8AA7DA"/>
+              </a:gs>
+            </a:gsLst>
+            <a:lin ang="5400000" scaled="1"/>
+          </a:gradFill>
+          <a:ln>
+            <a:solidFill>
+              <a:srgbClr val="505050"/>
+            </a:solidFill>
+          </a:ln>
+        </p:spPr>
+        <p:style>
+          <a:lnRef idx="2">
+            <a:schemeClr val="accent1">
+              <a:shade val="50000"/>
+            </a:schemeClr>
+          </a:lnRef>
+          <a:fillRef idx="1">
+            <a:schemeClr val="accent1"/>
+          </a:fillRef>
+          <a:effectRef idx="0">
+            <a:schemeClr val="accent1"/>
+          </a:effectRef>
+          <a:fontRef idx="minor">
+            <a:schemeClr val="lt1"/>
+          </a:fontRef>
+        </p:style>
+        <p:txBody>
+          <a:bodyPr rtlCol="0" anchor="ctr"/>
+          <a:lstStyle/>
+          <a:p>
+            <a:pPr algn="ctr"/>
+            <a:endParaRPr lang="en-GB"/>
+          </a:p>
+        </p:txBody>
+      </p:sp>
+      <p:sp>
+        <p:nvSpPr>
+          <p:cNvPr id="10" name="Rektangel 9">
+            <a:extLst>
+              <a:ext uri="{FF2B5EF4-FFF2-40B4-BE49-F238E27FC236}">
+                <a16:creationId xmlns:a16="http://schemas.microsoft.com/office/drawing/2014/main" id="{55DEFFAE-EEF7-43C2-9D87-E424AFB36C75}"/>
+              </a:ext>
+            </a:extLst>
+          </p:cNvPr>
+          <p:cNvSpPr/>
+          <p:nvPr/>
+        </p:nvSpPr>
+        <p:spPr>
+          <a:xfrm>
+            <a:off x="2656911" y="3711335"/>
+            <a:ext cx="150223" cy="1502875"/>
+          </a:xfrm>
+          <a:prstGeom prst="rect">
+            <a:avLst/>
+          </a:prstGeom>
+          <a:gradFill>
+            <a:gsLst>
+              <a:gs pos="53000">
+                <a:schemeClr val="accent1">
+                  <a:lumMod val="40000"/>
+                  <a:lumOff val="60000"/>
+                </a:schemeClr>
+              </a:gs>
+              <a:gs pos="20000">
+                <a:srgbClr val="8AA7DA"/>
+              </a:gs>
+              <a:gs pos="80000">
+                <a:srgbClr val="8AA7DA"/>
+              </a:gs>
+            </a:gsLst>
+            <a:lin ang="5400000" scaled="1"/>
+          </a:gradFill>
+          <a:ln>
+            <a:solidFill>
+              <a:srgbClr val="505050"/>
+            </a:solidFill>
+          </a:ln>
+        </p:spPr>
+        <p:style>
+          <a:lnRef idx="2">
+            <a:schemeClr val="accent1">
+              <a:shade val="50000"/>
+            </a:schemeClr>
+          </a:lnRef>
+          <a:fillRef idx="1">
+            <a:schemeClr val="accent1"/>
+          </a:fillRef>
+          <a:effectRef idx="0">
+            <a:schemeClr val="accent1"/>
+          </a:effectRef>
+          <a:fontRef idx="minor">
+            <a:schemeClr val="lt1"/>
+          </a:fontRef>
+        </p:style>
+        <p:txBody>
+          <a:bodyPr rtlCol="0" anchor="ctr"/>
+          <a:lstStyle/>
+          <a:p>
+            <a:pPr algn="ctr"/>
+            <a:endParaRPr lang="en-GB"/>
+          </a:p>
+        </p:txBody>
+      </p:sp>
+      <p:sp>
+        <p:nvSpPr>
+          <p:cNvPr id="11" name="Rektangel 10">
+            <a:extLst>
+              <a:ext uri="{FF2B5EF4-FFF2-40B4-BE49-F238E27FC236}">
+                <a16:creationId xmlns:a16="http://schemas.microsoft.com/office/drawing/2014/main" id="{17EF8B54-083B-4CCD-B3EF-C4815CA20CD7}"/>
+              </a:ext>
+            </a:extLst>
+          </p:cNvPr>
+          <p:cNvSpPr/>
+          <p:nvPr/>
+        </p:nvSpPr>
+        <p:spPr>
+          <a:xfrm>
+            <a:off x="2807134" y="3711333"/>
+            <a:ext cx="150223" cy="1502875"/>
+          </a:xfrm>
+          <a:prstGeom prst="rect">
+            <a:avLst/>
+          </a:prstGeom>
+          <a:gradFill>
+            <a:gsLst>
+              <a:gs pos="53000">
+                <a:schemeClr val="accent1">
+                  <a:lumMod val="40000"/>
+                  <a:lumOff val="60000"/>
+                </a:schemeClr>
+              </a:gs>
+              <a:gs pos="20000">
+                <a:srgbClr val="8AA7DA"/>
+              </a:gs>
+              <a:gs pos="80000">
+                <a:srgbClr val="8AA7DA"/>
+              </a:gs>
+            </a:gsLst>
+            <a:lin ang="5400000" scaled="1"/>
+          </a:gradFill>
+          <a:ln>
+            <a:solidFill>
+              <a:srgbClr val="505050"/>
+            </a:solidFill>
+          </a:ln>
+        </p:spPr>
+        <p:style>
+          <a:lnRef idx="2">
+            <a:schemeClr val="accent1">
+              <a:shade val="50000"/>
+            </a:schemeClr>
+          </a:lnRef>
+          <a:fillRef idx="1">
+            <a:schemeClr val="accent1"/>
+          </a:fillRef>
+          <a:effectRef idx="0">
+            <a:schemeClr val="accent1"/>
+          </a:effectRef>
+          <a:fontRef idx="minor">
+            <a:schemeClr val="lt1"/>
+          </a:fontRef>
+        </p:style>
+        <p:txBody>
+          <a:bodyPr rtlCol="0" anchor="ctr"/>
+          <a:lstStyle/>
+          <a:p>
+            <a:pPr algn="ctr"/>
+            <a:endParaRPr lang="en-GB" dirty="0"/>
+          </a:p>
+        </p:txBody>
+      </p:sp>
+      <p:sp>
+        <p:nvSpPr>
+          <p:cNvPr id="12" name="Rektangel 11">
+            <a:extLst>
+              <a:ext uri="{FF2B5EF4-FFF2-40B4-BE49-F238E27FC236}">
+                <a16:creationId xmlns:a16="http://schemas.microsoft.com/office/drawing/2014/main" id="{9BAE0516-3F41-4224-AFC0-09E024A9E0CC}"/>
+              </a:ext>
+            </a:extLst>
+          </p:cNvPr>
+          <p:cNvSpPr/>
+          <p:nvPr/>
+        </p:nvSpPr>
+        <p:spPr>
+          <a:xfrm>
+            <a:off x="2957357" y="3711333"/>
+            <a:ext cx="150223" cy="1502875"/>
+          </a:xfrm>
+          <a:prstGeom prst="rect">
+            <a:avLst/>
+          </a:prstGeom>
+          <a:gradFill>
+            <a:gsLst>
+              <a:gs pos="53000">
+                <a:schemeClr val="accent1">
+                  <a:lumMod val="40000"/>
+                  <a:lumOff val="60000"/>
+                </a:schemeClr>
+              </a:gs>
+              <a:gs pos="20000">
+                <a:srgbClr val="8AA7DA"/>
+              </a:gs>
+              <a:gs pos="80000">
+                <a:srgbClr val="8AA7DA"/>
+              </a:gs>
+            </a:gsLst>
+            <a:lin ang="5400000" scaled="1"/>
+          </a:gradFill>
+          <a:ln>
+            <a:solidFill>
+              <a:srgbClr val="505050"/>
+            </a:solidFill>
+          </a:ln>
+        </p:spPr>
+        <p:style>
+          <a:lnRef idx="2">
+            <a:schemeClr val="accent1">
+              <a:shade val="50000"/>
+            </a:schemeClr>
+          </a:lnRef>
+          <a:fillRef idx="1">
+            <a:schemeClr val="accent1"/>
+          </a:fillRef>
+          <a:effectRef idx="0">
+            <a:schemeClr val="accent1"/>
+          </a:effectRef>
+          <a:fontRef idx="minor">
+            <a:schemeClr val="lt1"/>
+          </a:fontRef>
+        </p:style>
+        <p:txBody>
+          <a:bodyPr rtlCol="0" anchor="ctr"/>
+          <a:lstStyle/>
+          <a:p>
+            <a:pPr algn="ctr"/>
+            <a:endParaRPr lang="en-GB"/>
+          </a:p>
+        </p:txBody>
+      </p:sp>
+      <p:sp>
+        <p:nvSpPr>
+          <p:cNvPr id="13" name="Rektangel 12">
+            <a:extLst>
+              <a:ext uri="{FF2B5EF4-FFF2-40B4-BE49-F238E27FC236}">
+                <a16:creationId xmlns:a16="http://schemas.microsoft.com/office/drawing/2014/main" id="{0FAAB82B-4F8C-43DB-B747-2E9A058AD818}"/>
+              </a:ext>
+            </a:extLst>
+          </p:cNvPr>
+          <p:cNvSpPr/>
+          <p:nvPr/>
+        </p:nvSpPr>
+        <p:spPr>
+          <a:xfrm>
+            <a:off x="3107580" y="3711333"/>
+            <a:ext cx="351674" cy="1502875"/>
+          </a:xfrm>
+          <a:prstGeom prst="rect">
+            <a:avLst/>
+          </a:prstGeom>
+          <a:gradFill>
+            <a:gsLst>
+              <a:gs pos="53000">
+                <a:schemeClr val="accent1">
+                  <a:lumMod val="40000"/>
+                  <a:lumOff val="60000"/>
+                </a:schemeClr>
+              </a:gs>
+              <a:gs pos="20000">
+                <a:srgbClr val="8AA7DA"/>
+              </a:gs>
+              <a:gs pos="80000">
+                <a:srgbClr val="8AA7DA"/>
+              </a:gs>
+            </a:gsLst>
+            <a:lin ang="5400000" scaled="1"/>
+          </a:gradFill>
+          <a:ln>
+            <a:solidFill>
+              <a:srgbClr val="505050"/>
+            </a:solidFill>
+          </a:ln>
+        </p:spPr>
+        <p:style>
+          <a:lnRef idx="2">
+            <a:schemeClr val="accent1">
+              <a:shade val="50000"/>
+            </a:schemeClr>
+          </a:lnRef>
+          <a:fillRef idx="1">
+            <a:schemeClr val="accent1"/>
+          </a:fillRef>
+          <a:effectRef idx="0">
+            <a:schemeClr val="accent1"/>
+          </a:effectRef>
+          <a:fontRef idx="minor">
+            <a:schemeClr val="lt1"/>
+          </a:fontRef>
+        </p:style>
+        <p:txBody>
+          <a:bodyPr rtlCol="0" anchor="ctr"/>
+          <a:lstStyle/>
+          <a:p>
+            <a:pPr algn="ctr"/>
+            <a:endParaRPr lang="en-GB"/>
+          </a:p>
+        </p:txBody>
+      </p:sp>
+      <p:sp>
+        <p:nvSpPr>
+          <p:cNvPr id="15" name="Rektangel 14">
+            <a:extLst>
+              <a:ext uri="{FF2B5EF4-FFF2-40B4-BE49-F238E27FC236}">
+                <a16:creationId xmlns:a16="http://schemas.microsoft.com/office/drawing/2014/main" id="{B618B4A9-7F1C-48C5-8839-F8C5CFD19046}"/>
+              </a:ext>
+            </a:extLst>
+          </p:cNvPr>
+          <p:cNvSpPr/>
+          <p:nvPr/>
+        </p:nvSpPr>
+        <p:spPr>
+          <a:xfrm>
+            <a:off x="3453233" y="3711335"/>
+            <a:ext cx="150223" cy="1502875"/>
+          </a:xfrm>
+          <a:prstGeom prst="rect">
+            <a:avLst/>
+          </a:prstGeom>
+          <a:gradFill>
+            <a:gsLst>
+              <a:gs pos="53000">
+                <a:schemeClr val="accent1">
+                  <a:lumMod val="40000"/>
+                  <a:lumOff val="60000"/>
+                </a:schemeClr>
+              </a:gs>
+              <a:gs pos="20000">
+                <a:srgbClr val="8AA7DA"/>
+              </a:gs>
+              <a:gs pos="80000">
+                <a:srgbClr val="8AA7DA"/>
+              </a:gs>
+            </a:gsLst>
+            <a:lin ang="5400000" scaled="1"/>
+          </a:gradFill>
+          <a:ln>
+            <a:solidFill>
+              <a:srgbClr val="505050"/>
+            </a:solidFill>
+          </a:ln>
+        </p:spPr>
+        <p:style>
+          <a:lnRef idx="2">
+            <a:schemeClr val="accent1">
+              <a:shade val="50000"/>
+            </a:schemeClr>
+          </a:lnRef>
+          <a:fillRef idx="1">
+            <a:schemeClr val="accent1"/>
+          </a:fillRef>
+          <a:effectRef idx="0">
+            <a:schemeClr val="accent1"/>
+          </a:effectRef>
+          <a:fontRef idx="minor">
+            <a:schemeClr val="lt1"/>
+          </a:fontRef>
+        </p:style>
+        <p:txBody>
+          <a:bodyPr rtlCol="0" anchor="ctr"/>
+          <a:lstStyle/>
+          <a:p>
+            <a:pPr algn="ctr"/>
+            <a:endParaRPr lang="en-GB" dirty="0"/>
+          </a:p>
+        </p:txBody>
+      </p:sp>
+      <p:sp>
+        <p:nvSpPr>
+          <p:cNvPr id="16" name="Rektangel 15">
+            <a:extLst>
+              <a:ext uri="{FF2B5EF4-FFF2-40B4-BE49-F238E27FC236}">
+                <a16:creationId xmlns:a16="http://schemas.microsoft.com/office/drawing/2014/main" id="{25C75AC4-31ED-4552-BED3-A2205C44EDF2}"/>
+              </a:ext>
+            </a:extLst>
+          </p:cNvPr>
+          <p:cNvSpPr/>
+          <p:nvPr/>
+        </p:nvSpPr>
+        <p:spPr>
+          <a:xfrm>
+            <a:off x="3603456" y="3711335"/>
+            <a:ext cx="150223" cy="1502875"/>
+          </a:xfrm>
+          <a:prstGeom prst="rect">
+            <a:avLst/>
+          </a:prstGeom>
+          <a:gradFill>
+            <a:gsLst>
+              <a:gs pos="53000">
+                <a:schemeClr val="accent1">
+                  <a:lumMod val="40000"/>
+                  <a:lumOff val="60000"/>
+                </a:schemeClr>
+              </a:gs>
+              <a:gs pos="20000">
+                <a:srgbClr val="8AA7DA"/>
+              </a:gs>
+              <a:gs pos="80000">
+                <a:srgbClr val="8AA7DA"/>
+              </a:gs>
+            </a:gsLst>
+            <a:lin ang="5400000" scaled="1"/>
+          </a:gradFill>
+          <a:ln>
+            <a:solidFill>
+              <a:srgbClr val="505050"/>
+            </a:solidFill>
+          </a:ln>
+        </p:spPr>
+        <p:style>
+          <a:lnRef idx="2">
+            <a:schemeClr val="accent1">
+              <a:shade val="50000"/>
+            </a:schemeClr>
+          </a:lnRef>
+          <a:fillRef idx="1">
+            <a:schemeClr val="accent1"/>
+          </a:fillRef>
+          <a:effectRef idx="0">
+            <a:schemeClr val="accent1"/>
+          </a:effectRef>
+          <a:fontRef idx="minor">
+            <a:schemeClr val="lt1"/>
+          </a:fontRef>
+        </p:style>
+        <p:txBody>
+          <a:bodyPr rtlCol="0" anchor="ctr"/>
+          <a:lstStyle/>
+          <a:p>
+            <a:pPr algn="ctr"/>
+            <a:endParaRPr lang="en-GB"/>
+          </a:p>
+        </p:txBody>
+      </p:sp>
+      <p:sp>
+        <p:nvSpPr>
+          <p:cNvPr id="17" name="Rektangel 16">
+            <a:extLst>
+              <a:ext uri="{FF2B5EF4-FFF2-40B4-BE49-F238E27FC236}">
+                <a16:creationId xmlns:a16="http://schemas.microsoft.com/office/drawing/2014/main" id="{78F01BAC-C2DB-45CD-81BC-80F3414516A0}"/>
+              </a:ext>
+            </a:extLst>
+          </p:cNvPr>
+          <p:cNvSpPr/>
+          <p:nvPr/>
+        </p:nvSpPr>
+        <p:spPr>
+          <a:xfrm>
+            <a:off x="3753679" y="3711335"/>
+            <a:ext cx="150223" cy="1502875"/>
+          </a:xfrm>
+          <a:prstGeom prst="rect">
+            <a:avLst/>
+          </a:prstGeom>
+          <a:gradFill>
+            <a:gsLst>
+              <a:gs pos="53000">
+                <a:schemeClr val="accent1">
+                  <a:lumMod val="40000"/>
+                  <a:lumOff val="60000"/>
+                </a:schemeClr>
+              </a:gs>
+              <a:gs pos="20000">
+                <a:srgbClr val="8AA7DA"/>
+              </a:gs>
+              <a:gs pos="80000">
+                <a:srgbClr val="8AA7DA"/>
+              </a:gs>
+            </a:gsLst>
+            <a:lin ang="5400000" scaled="1"/>
+          </a:gradFill>
+          <a:ln>
+            <a:solidFill>
+              <a:srgbClr val="505050"/>
+            </a:solidFill>
+          </a:ln>
+        </p:spPr>
+        <p:style>
+          <a:lnRef idx="2">
+            <a:schemeClr val="accent1">
+              <a:shade val="50000"/>
+            </a:schemeClr>
+          </a:lnRef>
+          <a:fillRef idx="1">
+            <a:schemeClr val="accent1"/>
+          </a:fillRef>
+          <a:effectRef idx="0">
+            <a:schemeClr val="accent1"/>
+          </a:effectRef>
+          <a:fontRef idx="minor">
+            <a:schemeClr val="lt1"/>
+          </a:fontRef>
+        </p:style>
+        <p:txBody>
+          <a:bodyPr rtlCol="0" anchor="ctr"/>
+          <a:lstStyle/>
+          <a:p>
+            <a:pPr algn="ctr"/>
+            <a:endParaRPr lang="en-GB"/>
+          </a:p>
+        </p:txBody>
+      </p:sp>
+      <p:sp>
+        <p:nvSpPr>
+          <p:cNvPr id="18" name="Rektangel 17">
+            <a:extLst>
+              <a:ext uri="{FF2B5EF4-FFF2-40B4-BE49-F238E27FC236}">
+                <a16:creationId xmlns:a16="http://schemas.microsoft.com/office/drawing/2014/main" id="{A1EDA0CC-189F-4246-B064-BA5FD04C5E64}"/>
+              </a:ext>
+            </a:extLst>
+          </p:cNvPr>
+          <p:cNvSpPr/>
+          <p:nvPr/>
+        </p:nvSpPr>
+        <p:spPr>
+          <a:xfrm>
+            <a:off x="3903902" y="3711334"/>
+            <a:ext cx="150223" cy="1502875"/>
+          </a:xfrm>
+          <a:prstGeom prst="rect">
+            <a:avLst/>
+          </a:prstGeom>
+          <a:gradFill>
+            <a:gsLst>
+              <a:gs pos="53000">
+                <a:schemeClr val="accent1">
+                  <a:lumMod val="40000"/>
+                  <a:lumOff val="60000"/>
+                </a:schemeClr>
+              </a:gs>
+              <a:gs pos="20000">
+                <a:srgbClr val="8AA7DA"/>
+              </a:gs>
+              <a:gs pos="80000">
+                <a:srgbClr val="8AA7DA"/>
+              </a:gs>
+            </a:gsLst>
+            <a:lin ang="5400000" scaled="1"/>
+          </a:gradFill>
+          <a:ln>
+            <a:solidFill>
+              <a:srgbClr val="505050"/>
+            </a:solidFill>
+          </a:ln>
+        </p:spPr>
+        <p:style>
+          <a:lnRef idx="2">
+            <a:schemeClr val="accent1">
+              <a:shade val="50000"/>
+            </a:schemeClr>
+          </a:lnRef>
+          <a:fillRef idx="1">
+            <a:schemeClr val="accent1"/>
+          </a:fillRef>
+          <a:effectRef idx="0">
+            <a:schemeClr val="accent1"/>
+          </a:effectRef>
+          <a:fontRef idx="minor">
+            <a:schemeClr val="lt1"/>
+          </a:fontRef>
+        </p:style>
+        <p:txBody>
+          <a:bodyPr rtlCol="0" anchor="ctr"/>
+          <a:lstStyle/>
+          <a:p>
+            <a:pPr algn="ctr"/>
+            <a:endParaRPr lang="en-GB"/>
+          </a:p>
+        </p:txBody>
+      </p:sp>
+      <p:sp>
+        <p:nvSpPr>
+          <p:cNvPr id="19" name="Rektangel 18">
+            <a:extLst>
+              <a:ext uri="{FF2B5EF4-FFF2-40B4-BE49-F238E27FC236}">
+                <a16:creationId xmlns:a16="http://schemas.microsoft.com/office/drawing/2014/main" id="{D67239A2-F84F-4AA7-9B3D-35AE4D04D40D}"/>
+              </a:ext>
+            </a:extLst>
+          </p:cNvPr>
+          <p:cNvSpPr/>
+          <p:nvPr/>
+        </p:nvSpPr>
+        <p:spPr>
+          <a:xfrm>
+            <a:off x="4054125" y="3711332"/>
+            <a:ext cx="150223" cy="1502875"/>
+          </a:xfrm>
+          <a:prstGeom prst="rect">
+            <a:avLst/>
+          </a:prstGeom>
+          <a:gradFill>
+            <a:gsLst>
+              <a:gs pos="53000">
+                <a:schemeClr val="accent1">
+                  <a:lumMod val="40000"/>
+                  <a:lumOff val="60000"/>
+                </a:schemeClr>
+              </a:gs>
+              <a:gs pos="20000">
+                <a:srgbClr val="8AA7DA"/>
+              </a:gs>
+              <a:gs pos="80000">
+                <a:srgbClr val="8AA7DA"/>
+              </a:gs>
+            </a:gsLst>
+            <a:lin ang="5400000" scaled="1"/>
+          </a:gradFill>
+          <a:ln>
+            <a:solidFill>
+              <a:srgbClr val="505050"/>
+            </a:solidFill>
+          </a:ln>
+        </p:spPr>
+        <p:style>
+          <a:lnRef idx="2">
+            <a:schemeClr val="accent1">
+              <a:shade val="50000"/>
+            </a:schemeClr>
+          </a:lnRef>
+          <a:fillRef idx="1">
+            <a:schemeClr val="accent1"/>
+          </a:fillRef>
+          <a:effectRef idx="0">
+            <a:schemeClr val="accent1"/>
+          </a:effectRef>
+          <a:fontRef idx="minor">
+            <a:schemeClr val="lt1"/>
+          </a:fontRef>
+        </p:style>
+        <p:txBody>
+          <a:bodyPr rtlCol="0" anchor="ctr"/>
+          <a:lstStyle/>
+          <a:p>
+            <a:pPr algn="ctr"/>
+            <a:endParaRPr lang="en-GB" dirty="0"/>
+          </a:p>
+        </p:txBody>
+      </p:sp>
+      <p:sp>
+        <p:nvSpPr>
+          <p:cNvPr id="20" name="Rektangel 19">
+            <a:extLst>
+              <a:ext uri="{FF2B5EF4-FFF2-40B4-BE49-F238E27FC236}">
+                <a16:creationId xmlns:a16="http://schemas.microsoft.com/office/drawing/2014/main" id="{442A6542-9C5E-4B40-9303-39C629C45DBB}"/>
+              </a:ext>
+            </a:extLst>
+          </p:cNvPr>
+          <p:cNvSpPr/>
+          <p:nvPr/>
+        </p:nvSpPr>
+        <p:spPr>
+          <a:xfrm>
+            <a:off x="4204348" y="3711332"/>
+            <a:ext cx="150223" cy="1502875"/>
+          </a:xfrm>
+          <a:prstGeom prst="rect">
+            <a:avLst/>
+          </a:prstGeom>
+          <a:gradFill>
+            <a:gsLst>
+              <a:gs pos="53000">
+                <a:schemeClr val="accent1">
+                  <a:lumMod val="40000"/>
+                  <a:lumOff val="60000"/>
+                </a:schemeClr>
+              </a:gs>
+              <a:gs pos="20000">
+                <a:srgbClr val="8AA7DA"/>
+              </a:gs>
+              <a:gs pos="80000">
+                <a:srgbClr val="8AA7DA"/>
+              </a:gs>
+            </a:gsLst>
+            <a:lin ang="5400000" scaled="1"/>
+          </a:gradFill>
+          <a:ln>
+            <a:solidFill>
+              <a:srgbClr val="505050"/>
+            </a:solidFill>
+          </a:ln>
+        </p:spPr>
+        <p:style>
+          <a:lnRef idx="2">
+            <a:schemeClr val="accent1">
+              <a:shade val="50000"/>
+            </a:schemeClr>
+          </a:lnRef>
+          <a:fillRef idx="1">
+            <a:schemeClr val="accent1"/>
+          </a:fillRef>
+          <a:effectRef idx="0">
+            <a:schemeClr val="accent1"/>
+          </a:effectRef>
+          <a:fontRef idx="minor">
+            <a:schemeClr val="lt1"/>
+          </a:fontRef>
+        </p:style>
+        <p:txBody>
+          <a:bodyPr rtlCol="0" anchor="ctr"/>
+          <a:lstStyle/>
+          <a:p>
+            <a:pPr algn="ctr"/>
+            <a:endParaRPr lang="en-GB"/>
+          </a:p>
+        </p:txBody>
+      </p:sp>
+      <p:sp>
+        <p:nvSpPr>
+          <p:cNvPr id="21" name="Rektangel 20">
+            <a:extLst>
+              <a:ext uri="{FF2B5EF4-FFF2-40B4-BE49-F238E27FC236}">
+                <a16:creationId xmlns:a16="http://schemas.microsoft.com/office/drawing/2014/main" id="{4545C707-F361-4058-9714-2757DC93BA2A}"/>
+              </a:ext>
+            </a:extLst>
+          </p:cNvPr>
+          <p:cNvSpPr/>
+          <p:nvPr/>
+        </p:nvSpPr>
+        <p:spPr>
+          <a:xfrm>
+            <a:off x="4354571" y="3711332"/>
+            <a:ext cx="150223" cy="1502875"/>
+          </a:xfrm>
+          <a:prstGeom prst="rect">
+            <a:avLst/>
+          </a:prstGeom>
+          <a:gradFill>
+            <a:gsLst>
+              <a:gs pos="53000">
+                <a:schemeClr val="accent1">
+                  <a:lumMod val="40000"/>
+                  <a:lumOff val="60000"/>
+                </a:schemeClr>
+              </a:gs>
+              <a:gs pos="20000">
+                <a:srgbClr val="8AA7DA"/>
+              </a:gs>
+              <a:gs pos="80000">
+                <a:srgbClr val="8AA7DA"/>
+              </a:gs>
+            </a:gsLst>
+            <a:lin ang="5400000" scaled="1"/>
+          </a:gradFill>
+          <a:ln>
+            <a:solidFill>
+              <a:srgbClr val="505050"/>
+            </a:solidFill>
+          </a:ln>
+        </p:spPr>
+        <p:style>
+          <a:lnRef idx="2">
+            <a:schemeClr val="accent1">
+              <a:shade val="50000"/>
+            </a:schemeClr>
+          </a:lnRef>
+          <a:fillRef idx="1">
+            <a:schemeClr val="accent1"/>
+          </a:fillRef>
+          <a:effectRef idx="0">
+            <a:schemeClr val="accent1"/>
+          </a:effectRef>
+          <a:fontRef idx="minor">
+            <a:schemeClr val="lt1"/>
+          </a:fontRef>
+        </p:style>
+        <p:txBody>
+          <a:bodyPr rtlCol="0" anchor="ctr"/>
+          <a:lstStyle/>
+          <a:p>
+            <a:pPr algn="ctr"/>
+            <a:endParaRPr lang="en-GB" dirty="0"/>
+          </a:p>
+        </p:txBody>
+      </p:sp>
+      <p:sp>
+        <p:nvSpPr>
+          <p:cNvPr id="22" name="Rektangel 21">
+            <a:extLst>
+              <a:ext uri="{FF2B5EF4-FFF2-40B4-BE49-F238E27FC236}">
+                <a16:creationId xmlns:a16="http://schemas.microsoft.com/office/drawing/2014/main" id="{9883D3A5-F0CE-47CE-AAB4-CAE545D51CA9}"/>
+              </a:ext>
+            </a:extLst>
+          </p:cNvPr>
+          <p:cNvSpPr/>
+          <p:nvPr/>
+        </p:nvSpPr>
+        <p:spPr>
+          <a:xfrm>
+            <a:off x="4504794" y="3711332"/>
+            <a:ext cx="150223" cy="1502875"/>
+          </a:xfrm>
+          <a:prstGeom prst="rect">
+            <a:avLst/>
+          </a:prstGeom>
+          <a:gradFill>
+            <a:gsLst>
+              <a:gs pos="53000">
+                <a:schemeClr val="accent1">
+                  <a:lumMod val="40000"/>
+                  <a:lumOff val="60000"/>
+                </a:schemeClr>
+              </a:gs>
+              <a:gs pos="20000">
+                <a:srgbClr val="8AA7DA"/>
+              </a:gs>
+              <a:gs pos="80000">
+                <a:srgbClr val="8AA7DA"/>
+              </a:gs>
+            </a:gsLst>
+            <a:lin ang="5400000" scaled="1"/>
+          </a:gradFill>
+          <a:ln>
+            <a:solidFill>
+              <a:srgbClr val="505050"/>
+            </a:solidFill>
+          </a:ln>
+        </p:spPr>
+        <p:style>
+          <a:lnRef idx="2">
+            <a:schemeClr val="accent1">
+              <a:shade val="50000"/>
+            </a:schemeClr>
+          </a:lnRef>
+          <a:fillRef idx="1">
+            <a:schemeClr val="accent1"/>
+          </a:fillRef>
+          <a:effectRef idx="0">
+            <a:schemeClr val="accent1"/>
+          </a:effectRef>
+          <a:fontRef idx="minor">
+            <a:schemeClr val="lt1"/>
+          </a:fontRef>
+        </p:style>
+        <p:txBody>
+          <a:bodyPr rtlCol="0" anchor="ctr"/>
+          <a:lstStyle/>
+          <a:p>
+            <a:pPr algn="ctr"/>
+            <a:endParaRPr lang="en-GB"/>
+          </a:p>
+        </p:txBody>
+      </p:sp>
+      <p:cxnSp>
+        <p:nvCxnSpPr>
+          <p:cNvPr id="5" name="Rak koppling 4">
+            <a:extLst>
+              <a:ext uri="{FF2B5EF4-FFF2-40B4-BE49-F238E27FC236}">
+                <a16:creationId xmlns:a16="http://schemas.microsoft.com/office/drawing/2014/main" id="{DB59687C-92A9-4D13-84A5-0383B1EAB9C9}"/>
+              </a:ext>
+            </a:extLst>
+          </p:cNvPr>
+          <p:cNvCxnSpPr>
+            <a:stCxn id="13" idx="0"/>
+            <a:endCxn id="13" idx="2"/>
+          </p:cNvCxnSpPr>
+          <p:nvPr/>
+        </p:nvCxnSpPr>
+        <p:spPr>
+          <a:xfrm>
+            <a:off x="3283417" y="3711333"/>
+            <a:ext cx="0" cy="1502875"/>
+          </a:xfrm>
+          <a:prstGeom prst="line">
+            <a:avLst/>
+          </a:prstGeom>
+          <a:ln w="12700">
+            <a:solidFill>
+              <a:srgbClr val="505050"/>
+            </a:solidFill>
+          </a:ln>
+        </p:spPr>
+        <p:style>
+          <a:lnRef idx="1">
+            <a:schemeClr val="accent1"/>
+          </a:lnRef>
+          <a:fillRef idx="0">
+            <a:schemeClr val="accent1"/>
+          </a:fillRef>
+          <a:effectRef idx="0">
+            <a:schemeClr val="accent1"/>
+          </a:effectRef>
+          <a:fontRef idx="minor">
+            <a:schemeClr val="tx1"/>
+          </a:fontRef>
+        </p:style>
+      </p:cxnSp>
+      <p:sp>
+        <p:nvSpPr>
+          <p:cNvPr id="84" name="Rektangel 83">
+            <a:extLst>
+              <a:ext uri="{FF2B5EF4-FFF2-40B4-BE49-F238E27FC236}">
+                <a16:creationId xmlns:a16="http://schemas.microsoft.com/office/drawing/2014/main" id="{3AC39797-21CE-42A1-89BE-DF821CC8425C}"/>
+              </a:ext>
+            </a:extLst>
+          </p:cNvPr>
+          <p:cNvSpPr/>
+          <p:nvPr/>
+        </p:nvSpPr>
+        <p:spPr>
+          <a:xfrm>
+            <a:off x="3156810" y="462817"/>
+            <a:ext cx="2973642" cy="1245705"/>
+          </a:xfrm>
+          <a:prstGeom prst="rect">
+            <a:avLst/>
+          </a:prstGeom>
+          <a:gradFill>
+            <a:gsLst>
+              <a:gs pos="14000">
+                <a:schemeClr val="accent6">
+                  <a:lumMod val="60000"/>
+                  <a:lumOff val="40000"/>
+                </a:schemeClr>
+              </a:gs>
+              <a:gs pos="96000">
+                <a:schemeClr val="accent6">
+                  <a:lumMod val="50000"/>
+                </a:schemeClr>
+              </a:gs>
+            </a:gsLst>
+            <a:lin ang="0" scaled="0"/>
+          </a:gradFill>
+          <a:ln>
+            <a:noFill/>
+          </a:ln>
+        </p:spPr>
+        <p:style>
+          <a:lnRef idx="2">
+            <a:schemeClr val="accent1">
+              <a:shade val="50000"/>
+            </a:schemeClr>
+          </a:lnRef>
+          <a:fillRef idx="1">
+            <a:schemeClr val="accent1"/>
+          </a:fillRef>
+          <a:effectRef idx="0">
+            <a:schemeClr val="accent1"/>
+          </a:effectRef>
+          <a:fontRef idx="minor">
+            <a:schemeClr val="lt1"/>
+          </a:fontRef>
+        </p:style>
+        <p:txBody>
+          <a:bodyPr rtlCol="0" anchor="ctr"/>
+          <a:lstStyle/>
+          <a:p>
+            <a:pPr algn="ctr"/>
+            <a:endParaRPr lang="en-GB"/>
+          </a:p>
+        </p:txBody>
+      </p:sp>
+      <p:sp>
+        <p:nvSpPr>
+          <p:cNvPr id="23" name="Rektangel 22">
+            <a:extLst>
+              <a:ext uri="{FF2B5EF4-FFF2-40B4-BE49-F238E27FC236}">
+                <a16:creationId xmlns:a16="http://schemas.microsoft.com/office/drawing/2014/main" id="{52D2EC82-3D01-4D0A-B232-86FCA1DC0EEB}"/>
+              </a:ext>
+            </a:extLst>
+          </p:cNvPr>
+          <p:cNvSpPr/>
+          <p:nvPr/>
+        </p:nvSpPr>
+        <p:spPr>
+          <a:xfrm>
+            <a:off x="1836706" y="3711330"/>
+            <a:ext cx="70547" cy="1502875"/>
+          </a:xfrm>
+          <a:prstGeom prst="rect">
+            <a:avLst/>
+          </a:prstGeom>
+          <a:solidFill>
+            <a:srgbClr val="242C38"/>
+          </a:solidFill>
+          <a:ln>
+            <a:solidFill>
+              <a:srgbClr val="505050"/>
+            </a:solidFill>
+          </a:ln>
+        </p:spPr>
+        <p:style>
+          <a:lnRef idx="2">
+            <a:schemeClr val="accent1">
+              <a:shade val="50000"/>
+            </a:schemeClr>
+          </a:lnRef>
+          <a:fillRef idx="1">
+            <a:schemeClr val="accent1"/>
+          </a:fillRef>
+          <a:effectRef idx="0">
+            <a:schemeClr val="accent1"/>
+          </a:effectRef>
+          <a:fontRef idx="minor">
+            <a:schemeClr val="lt1"/>
+          </a:fontRef>
+        </p:style>
+        <p:txBody>
+          <a:bodyPr rtlCol="0" anchor="ctr"/>
+          <a:lstStyle/>
+          <a:p>
+            <a:pPr algn="ctr"/>
+            <a:endParaRPr lang="en-GB"/>
+          </a:p>
+        </p:txBody>
+      </p:sp>
+      <p:sp>
+        <p:nvSpPr>
+          <p:cNvPr id="26" name="Rektangel 25">
+            <a:extLst>
+              <a:ext uri="{FF2B5EF4-FFF2-40B4-BE49-F238E27FC236}">
+                <a16:creationId xmlns:a16="http://schemas.microsoft.com/office/drawing/2014/main" id="{A2E02E40-656E-4C78-875C-272C5E895210}"/>
+              </a:ext>
+            </a:extLst>
+          </p:cNvPr>
+          <p:cNvSpPr/>
+          <p:nvPr/>
+        </p:nvSpPr>
+        <p:spPr>
+          <a:xfrm>
+            <a:off x="4653560" y="3711331"/>
+            <a:ext cx="70547" cy="1502875"/>
+          </a:xfrm>
+          <a:prstGeom prst="rect">
+            <a:avLst/>
+          </a:prstGeom>
+          <a:solidFill>
+            <a:srgbClr val="242C38"/>
+          </a:solidFill>
+          <a:ln>
+            <a:solidFill>
+              <a:srgbClr val="505050"/>
+            </a:solidFill>
+          </a:ln>
+        </p:spPr>
+        <p:style>
+          <a:lnRef idx="2">
+            <a:schemeClr val="accent1">
+              <a:shade val="50000"/>
+            </a:schemeClr>
+          </a:lnRef>
+          <a:fillRef idx="1">
+            <a:schemeClr val="accent1"/>
+          </a:fillRef>
+          <a:effectRef idx="0">
+            <a:schemeClr val="accent1"/>
+          </a:effectRef>
+          <a:fontRef idx="minor">
+            <a:schemeClr val="lt1"/>
+          </a:fontRef>
+        </p:style>
+        <p:txBody>
+          <a:bodyPr rtlCol="0" anchor="ctr"/>
+          <a:lstStyle/>
+          <a:p>
+            <a:pPr algn="ctr"/>
+            <a:endParaRPr lang="en-GB"/>
+          </a:p>
+        </p:txBody>
+      </p:sp>
+      <p:sp>
+        <p:nvSpPr>
+          <p:cNvPr id="61" name="Parallelltrapets 60">
+            <a:extLst>
+              <a:ext uri="{FF2B5EF4-FFF2-40B4-BE49-F238E27FC236}">
+                <a16:creationId xmlns:a16="http://schemas.microsoft.com/office/drawing/2014/main" id="{323C9132-806A-4865-8E14-040CF54B6F05}"/>
+              </a:ext>
+            </a:extLst>
+          </p:cNvPr>
+          <p:cNvSpPr/>
+          <p:nvPr/>
+        </p:nvSpPr>
+        <p:spPr>
+          <a:xfrm>
+            <a:off x="1836706" y="3535680"/>
+            <a:ext cx="2887401" cy="175641"/>
+          </a:xfrm>
+          <a:prstGeom prst="trapezoid">
+            <a:avLst>
+              <a:gd name="adj" fmla="val 191375"/>
+            </a:avLst>
+          </a:prstGeom>
+          <a:gradFill>
+            <a:gsLst>
+              <a:gs pos="0">
+                <a:schemeClr val="tx1">
+                  <a:lumMod val="65000"/>
+                  <a:lumOff val="35000"/>
+                </a:schemeClr>
+              </a:gs>
+              <a:gs pos="100000">
+                <a:schemeClr val="tx1">
+                  <a:lumMod val="75000"/>
+                  <a:lumOff val="25000"/>
+                </a:schemeClr>
+              </a:gs>
+            </a:gsLst>
+            <a:lin ang="5400000" scaled="1"/>
+          </a:gradFill>
+          <a:ln>
+            <a:noFill/>
+          </a:ln>
+        </p:spPr>
+        <p:style>
+          <a:lnRef idx="2">
+            <a:schemeClr val="accent1">
+              <a:shade val="50000"/>
+            </a:schemeClr>
+          </a:lnRef>
+          <a:fillRef idx="1">
+            <a:schemeClr val="accent1"/>
+          </a:fillRef>
+          <a:effectRef idx="0">
+            <a:schemeClr val="accent1"/>
+          </a:effectRef>
+          <a:fontRef idx="minor">
+            <a:schemeClr val="lt1"/>
+          </a:fontRef>
+        </p:style>
+        <p:txBody>
+          <a:bodyPr rtlCol="0" anchor="ctr"/>
+          <a:lstStyle/>
+          <a:p>
+            <a:pPr algn="ctr"/>
+            <a:endParaRPr lang="en-GB"/>
+          </a:p>
+        </p:txBody>
+      </p:sp>
+      <p:sp>
+        <p:nvSpPr>
+          <p:cNvPr id="62" name="Ellips 61">
+            <a:extLst>
+              <a:ext uri="{FF2B5EF4-FFF2-40B4-BE49-F238E27FC236}">
+                <a16:creationId xmlns:a16="http://schemas.microsoft.com/office/drawing/2014/main" id="{A2A8ED40-A460-49BD-A2EC-5A5CB466C50D}"/>
+              </a:ext>
+            </a:extLst>
+          </p:cNvPr>
+          <p:cNvSpPr/>
+          <p:nvPr/>
+        </p:nvSpPr>
+        <p:spPr>
+          <a:xfrm>
+            <a:off x="3162598" y="245417"/>
+            <a:ext cx="2973642" cy="430839"/>
+          </a:xfrm>
+          <a:prstGeom prst="ellipse">
+            <a:avLst/>
+          </a:prstGeom>
+          <a:gradFill flip="none" rotWithShape="1">
+            <a:gsLst>
+              <a:gs pos="0">
+                <a:schemeClr val="tx1">
+                  <a:lumMod val="75000"/>
+                  <a:lumOff val="25000"/>
+                </a:schemeClr>
+              </a:gs>
+              <a:gs pos="96000">
+                <a:schemeClr val="tx1">
+                  <a:lumMod val="75000"/>
+                  <a:lumOff val="25000"/>
+                </a:schemeClr>
+              </a:gs>
+            </a:gsLst>
+            <a:path path="circle">
+              <a:fillToRect l="50000" t="50000" r="50000" b="50000"/>
+            </a:path>
+            <a:tileRect/>
+          </a:gradFill>
+          <a:ln w="19050">
+            <a:solidFill>
+              <a:srgbClr val="2E2E2E"/>
+            </a:solidFill>
+          </a:ln>
+        </p:spPr>
+        <p:style>
+          <a:lnRef idx="2">
+            <a:schemeClr val="accent1">
+              <a:shade val="50000"/>
+            </a:schemeClr>
+          </a:lnRef>
+          <a:fillRef idx="1">
+            <a:schemeClr val="accent1"/>
+          </a:fillRef>
+          <a:effectRef idx="0">
+            <a:schemeClr val="accent1"/>
+          </a:effectRef>
+          <a:fontRef idx="minor">
+            <a:schemeClr val="lt1"/>
+          </a:fontRef>
+        </p:style>
+        <p:txBody>
+          <a:bodyPr rtlCol="0" anchor="ctr"/>
+          <a:lstStyle/>
+          <a:p>
+            <a:pPr algn="ctr"/>
+            <a:endParaRPr lang="en-GB"/>
+          </a:p>
+        </p:txBody>
+      </p:sp>
+      <p:sp>
+        <p:nvSpPr>
+          <p:cNvPr id="72" name="Ofullständig cirkel 71">
+            <a:extLst>
+              <a:ext uri="{FF2B5EF4-FFF2-40B4-BE49-F238E27FC236}">
+                <a16:creationId xmlns:a16="http://schemas.microsoft.com/office/drawing/2014/main" id="{C386BE58-7408-4972-B3DA-A51FB76D69CD}"/>
+              </a:ext>
+            </a:extLst>
+          </p:cNvPr>
+          <p:cNvSpPr/>
+          <p:nvPr/>
+        </p:nvSpPr>
+        <p:spPr>
+          <a:xfrm>
+            <a:off x="3162598" y="1493103"/>
+            <a:ext cx="2973642" cy="430839"/>
+          </a:xfrm>
+          <a:prstGeom prst="pie">
+            <a:avLst>
+              <a:gd name="adj1" fmla="val 0"/>
+              <a:gd name="adj2" fmla="val 10804200"/>
+            </a:avLst>
+          </a:prstGeom>
+          <a:gradFill>
+            <a:gsLst>
+              <a:gs pos="14000">
+                <a:schemeClr val="accent6">
+                  <a:lumMod val="60000"/>
+                  <a:lumOff val="40000"/>
+                </a:schemeClr>
+              </a:gs>
+              <a:gs pos="96000">
+                <a:schemeClr val="accent6">
+                  <a:lumMod val="50000"/>
+                </a:schemeClr>
+              </a:gs>
+            </a:gsLst>
+            <a:lin ang="0" scaled="0"/>
+          </a:gradFill>
+          <a:ln w="19050">
+            <a:noFill/>
+          </a:ln>
+        </p:spPr>
+        <p:style>
+          <a:lnRef idx="2">
+            <a:schemeClr val="accent1">
+              <a:shade val="50000"/>
+            </a:schemeClr>
+          </a:lnRef>
+          <a:fillRef idx="1">
+            <a:schemeClr val="accent1"/>
+          </a:fillRef>
+          <a:effectRef idx="0">
+            <a:schemeClr val="accent1"/>
+          </a:effectRef>
+          <a:fontRef idx="minor">
+            <a:schemeClr val="lt1"/>
+          </a:fontRef>
+        </p:style>
+        <p:txBody>
+          <a:bodyPr rtlCol="0" anchor="ctr"/>
+          <a:lstStyle/>
+          <a:p>
+            <a:pPr algn="ctr"/>
+            <a:endParaRPr lang="en-GB">
+              <a:solidFill>
+                <a:schemeClr val="tx1"/>
+              </a:solidFill>
+            </a:endParaRPr>
+          </a:p>
+        </p:txBody>
+      </p:sp>
+      <p:cxnSp>
+        <p:nvCxnSpPr>
+          <p:cNvPr id="81" name="Rak koppling 80">
+            <a:extLst>
+              <a:ext uri="{FF2B5EF4-FFF2-40B4-BE49-F238E27FC236}">
+                <a16:creationId xmlns:a16="http://schemas.microsoft.com/office/drawing/2014/main" id="{5D44118D-AEDF-4F2D-AB49-C473830BC907}"/>
+              </a:ext>
+            </a:extLst>
+          </p:cNvPr>
+          <p:cNvCxnSpPr>
+            <a:stCxn id="62" idx="2"/>
+            <a:endCxn id="72" idx="2"/>
+          </p:cNvCxnSpPr>
+          <p:nvPr/>
+        </p:nvCxnSpPr>
+        <p:spPr>
+          <a:xfrm>
+            <a:off x="3162598" y="460837"/>
+            <a:ext cx="0" cy="1247686"/>
+          </a:xfrm>
+          <a:prstGeom prst="line">
+            <a:avLst/>
+          </a:prstGeom>
+          <a:ln w="19050">
+            <a:solidFill>
+              <a:srgbClr val="2E2E2E"/>
+            </a:solidFill>
+          </a:ln>
+        </p:spPr>
+        <p:style>
+          <a:lnRef idx="1">
+            <a:schemeClr val="accent1"/>
+          </a:lnRef>
+          <a:fillRef idx="0">
+            <a:schemeClr val="accent1"/>
+          </a:fillRef>
+          <a:effectRef idx="0">
+            <a:schemeClr val="accent1"/>
+          </a:effectRef>
+          <a:fontRef idx="minor">
+            <a:schemeClr val="tx1"/>
+          </a:fontRef>
+        </p:style>
+      </p:cxnSp>
+      <p:cxnSp>
+        <p:nvCxnSpPr>
+          <p:cNvPr id="83" name="Rak koppling 82">
+            <a:extLst>
+              <a:ext uri="{FF2B5EF4-FFF2-40B4-BE49-F238E27FC236}">
+                <a16:creationId xmlns:a16="http://schemas.microsoft.com/office/drawing/2014/main" id="{7A280F8D-7BF0-4913-8EC3-1CD2DFF7803E}"/>
+              </a:ext>
+            </a:extLst>
+          </p:cNvPr>
+          <p:cNvCxnSpPr>
+            <a:stCxn id="62" idx="6"/>
+            <a:endCxn id="72" idx="0"/>
+          </p:cNvCxnSpPr>
+          <p:nvPr/>
+        </p:nvCxnSpPr>
+        <p:spPr>
+          <a:xfrm>
+            <a:off x="6136240" y="460837"/>
+            <a:ext cx="0" cy="1247686"/>
+          </a:xfrm>
+          <a:prstGeom prst="line">
+            <a:avLst/>
+          </a:prstGeom>
+          <a:ln w="19050">
+            <a:solidFill>
+              <a:srgbClr val="2E2E2E"/>
+            </a:solidFill>
+          </a:ln>
+        </p:spPr>
+        <p:style>
+          <a:lnRef idx="1">
+            <a:schemeClr val="accent1"/>
+          </a:lnRef>
+          <a:fillRef idx="0">
+            <a:schemeClr val="accent1"/>
+          </a:fillRef>
+          <a:effectRef idx="0">
+            <a:schemeClr val="accent1"/>
+          </a:effectRef>
+          <a:fontRef idx="minor">
+            <a:schemeClr val="tx1"/>
+          </a:fontRef>
+        </p:style>
+      </p:cxnSp>
+      <p:sp>
+        <p:nvSpPr>
+          <p:cNvPr id="85" name="Parallellogram 84">
+            <a:extLst>
+              <a:ext uri="{FF2B5EF4-FFF2-40B4-BE49-F238E27FC236}">
+                <a16:creationId xmlns:a16="http://schemas.microsoft.com/office/drawing/2014/main" id="{3CBF94F3-EB9C-4663-BB3F-E05B3941180F}"/>
+              </a:ext>
+            </a:extLst>
+          </p:cNvPr>
+          <p:cNvSpPr/>
+          <p:nvPr/>
+        </p:nvSpPr>
         <p:spPr>
           <a:xfrm rot="5400000">
-            <a:off x="6593116" y="1259115"/>
-            <a:ext cx="5058000" cy="6139769"/>
+            <a:off x="3236184" y="950565"/>
+            <a:ext cx="803776" cy="432638"/>
+          </a:xfrm>
+          <a:prstGeom prst="parallelogram">
+            <a:avLst>
+              <a:gd name="adj" fmla="val 14773"/>
+            </a:avLst>
+          </a:prstGeom>
+          <a:gradFill flip="none" rotWithShape="1">
+            <a:gsLst>
+              <a:gs pos="0">
+                <a:schemeClr val="accent1">
+                  <a:lumMod val="40000"/>
+                  <a:lumOff val="60000"/>
+                </a:schemeClr>
+              </a:gs>
+              <a:gs pos="96000">
+                <a:schemeClr val="accent1">
+                  <a:lumMod val="75000"/>
+                </a:schemeClr>
+              </a:gs>
+            </a:gsLst>
+            <a:lin ang="19500000" scaled="0"/>
+            <a:tileRect/>
+          </a:gradFill>
+          <a:ln>
+            <a:solidFill>
+              <a:srgbClr val="2E2E2E"/>
+            </a:solidFill>
+          </a:ln>
+        </p:spPr>
+        <p:style>
+          <a:lnRef idx="2">
+            <a:schemeClr val="accent1">
+              <a:shade val="50000"/>
+            </a:schemeClr>
+          </a:lnRef>
+          <a:fillRef idx="1">
+            <a:schemeClr val="accent1"/>
+          </a:fillRef>
+          <a:effectRef idx="0">
+            <a:schemeClr val="accent1"/>
+          </a:effectRef>
+          <a:fontRef idx="minor">
+            <a:schemeClr val="lt1"/>
+          </a:fontRef>
+        </p:style>
+        <p:txBody>
+          <a:bodyPr rtlCol="0" anchor="ctr"/>
+          <a:lstStyle/>
+          <a:p>
+            <a:pPr algn="ctr"/>
+            <a:endParaRPr lang="en-GB"/>
+          </a:p>
+        </p:txBody>
+      </p:sp>
+      <p:sp>
+        <p:nvSpPr>
+          <p:cNvPr id="86" name="Parallellogram 85">
+            <a:extLst>
+              <a:ext uri="{FF2B5EF4-FFF2-40B4-BE49-F238E27FC236}">
+                <a16:creationId xmlns:a16="http://schemas.microsoft.com/office/drawing/2014/main" id="{3448CE58-5EDC-4913-8706-23B59804689A}"/>
+              </a:ext>
+            </a:extLst>
+          </p:cNvPr>
+          <p:cNvSpPr/>
+          <p:nvPr/>
+        </p:nvSpPr>
+        <p:spPr>
+          <a:xfrm rot="5400000" flipV="1">
+            <a:off x="5245019" y="952847"/>
+            <a:ext cx="803776" cy="428074"/>
+          </a:xfrm>
+          <a:prstGeom prst="parallelogram">
+            <a:avLst>
+              <a:gd name="adj" fmla="val 14773"/>
+            </a:avLst>
+          </a:prstGeom>
+          <a:gradFill flip="none" rotWithShape="1">
+            <a:gsLst>
+              <a:gs pos="0">
+                <a:schemeClr val="accent1">
+                  <a:lumMod val="40000"/>
+                  <a:lumOff val="60000"/>
+                </a:schemeClr>
+              </a:gs>
+              <a:gs pos="96000">
+                <a:schemeClr val="accent1">
+                  <a:lumMod val="75000"/>
+                </a:schemeClr>
+              </a:gs>
+            </a:gsLst>
+            <a:lin ang="2700000" scaled="1"/>
+            <a:tileRect/>
+          </a:gradFill>
+          <a:ln>
+            <a:solidFill>
+              <a:srgbClr val="2E2E2E"/>
+            </a:solidFill>
+          </a:ln>
+        </p:spPr>
+        <p:style>
+          <a:lnRef idx="2">
+            <a:schemeClr val="accent1">
+              <a:shade val="50000"/>
+            </a:schemeClr>
+          </a:lnRef>
+          <a:fillRef idx="1">
+            <a:schemeClr val="accent1"/>
+          </a:fillRef>
+          <a:effectRef idx="0">
+            <a:schemeClr val="accent1"/>
+          </a:effectRef>
+          <a:fontRef idx="minor">
+            <a:schemeClr val="lt1"/>
+          </a:fontRef>
+        </p:style>
+        <p:txBody>
+          <a:bodyPr rtlCol="0" anchor="ctr"/>
+          <a:lstStyle/>
+          <a:p>
+            <a:pPr algn="ctr"/>
+            <a:endParaRPr lang="en-GB"/>
+          </a:p>
+        </p:txBody>
+      </p:sp>
+      <p:sp>
+        <p:nvSpPr>
+          <p:cNvPr id="87" name="Rektangel 86">
+            <a:extLst>
+              <a:ext uri="{FF2B5EF4-FFF2-40B4-BE49-F238E27FC236}">
+                <a16:creationId xmlns:a16="http://schemas.microsoft.com/office/drawing/2014/main" id="{47DFDB90-5FC0-4E43-A824-F3659F864328}"/>
+              </a:ext>
+            </a:extLst>
+          </p:cNvPr>
+          <p:cNvSpPr/>
+          <p:nvPr/>
+        </p:nvSpPr>
+        <p:spPr>
+          <a:xfrm>
+            <a:off x="4392908" y="864160"/>
+            <a:ext cx="501445" cy="727294"/>
           </a:xfrm>
           <a:prstGeom prst="rect">
             <a:avLst/>
           </a:prstGeom>
-        </p:spPr>
-      </p:pic>
-      <p:sp>
-        <p:nvSpPr>
-          <p:cNvPr id="76" name="Rektangel 75">
-            <a:extLst>
-              <a:ext uri="{FF2B5EF4-FFF2-40B4-BE49-F238E27FC236}">
-                <a16:creationId xmlns:a16="http://schemas.microsoft.com/office/drawing/2014/main" id="{E0DDC92A-5BC3-45BD-AB34-305E44BE74E3}"/>
-              </a:ext>
-            </a:extLst>
-          </p:cNvPr>
-          <p:cNvSpPr/>
-          <p:nvPr/>
-        </p:nvSpPr>
-        <p:spPr>
-          <a:xfrm>
-            <a:off x="0" y="1"/>
-            <a:ext cx="12192000" cy="6858000"/>
+          <a:gradFill flip="none" rotWithShape="1">
+            <a:gsLst>
+              <a:gs pos="0">
+                <a:schemeClr val="accent1">
+                  <a:lumMod val="40000"/>
+                  <a:lumOff val="60000"/>
+                </a:schemeClr>
+              </a:gs>
+              <a:gs pos="96000">
+                <a:schemeClr val="accent1">
+                  <a:lumMod val="75000"/>
+                </a:schemeClr>
+              </a:gs>
+            </a:gsLst>
+            <a:lin ang="2700000" scaled="1"/>
+            <a:tileRect/>
+          </a:gradFill>
+          <a:ln>
+            <a:solidFill>
+              <a:srgbClr val="2E2E2E"/>
+            </a:solidFill>
+          </a:ln>
+        </p:spPr>
+        <p:style>
+          <a:lnRef idx="2">
+            <a:schemeClr val="accent1">
+              <a:shade val="50000"/>
+            </a:schemeClr>
+          </a:lnRef>
+          <a:fillRef idx="1">
+            <a:schemeClr val="accent1"/>
+          </a:fillRef>
+          <a:effectRef idx="0">
+            <a:schemeClr val="accent1"/>
+          </a:effectRef>
+          <a:fontRef idx="minor">
+            <a:schemeClr val="lt1"/>
+          </a:fontRef>
+        </p:style>
+        <p:txBody>
+          <a:bodyPr rtlCol="0" anchor="ctr"/>
+          <a:lstStyle/>
+          <a:p>
+            <a:pPr algn="ctr"/>
+            <a:endParaRPr lang="en-GB"/>
+          </a:p>
+        </p:txBody>
+      </p:sp>
+      <p:sp>
+        <p:nvSpPr>
+          <p:cNvPr id="88" name="Rektangel 87">
+            <a:extLst>
+              <a:ext uri="{FF2B5EF4-FFF2-40B4-BE49-F238E27FC236}">
+                <a16:creationId xmlns:a16="http://schemas.microsoft.com/office/drawing/2014/main" id="{752F4906-C5FB-475F-AA82-0EAD4ED2B926}"/>
+              </a:ext>
+            </a:extLst>
+          </p:cNvPr>
+          <p:cNvSpPr/>
+          <p:nvPr/>
+        </p:nvSpPr>
+        <p:spPr>
+          <a:xfrm>
+            <a:off x="7021202" y="4488756"/>
+            <a:ext cx="2973642" cy="1245705"/>
           </a:xfrm>
           <a:prstGeom prst="rect">
+            <a:avLst/>
+          </a:prstGeom>
+          <a:gradFill>
+            <a:gsLst>
+              <a:gs pos="14000">
+                <a:schemeClr val="accent6">
+                  <a:lumMod val="60000"/>
+                  <a:lumOff val="40000"/>
+                </a:schemeClr>
+              </a:gs>
+              <a:gs pos="96000">
+                <a:schemeClr val="accent6">
+                  <a:lumMod val="50000"/>
+                </a:schemeClr>
+              </a:gs>
+            </a:gsLst>
+            <a:lin ang="0" scaled="0"/>
+          </a:gradFill>
+          <a:ln>
+            <a:noFill/>
+          </a:ln>
+        </p:spPr>
+        <p:style>
+          <a:lnRef idx="2">
+            <a:schemeClr val="accent1">
+              <a:shade val="50000"/>
+            </a:schemeClr>
+          </a:lnRef>
+          <a:fillRef idx="1">
+            <a:schemeClr val="accent1"/>
+          </a:fillRef>
+          <a:effectRef idx="0">
+            <a:schemeClr val="accent1"/>
+          </a:effectRef>
+          <a:fontRef idx="minor">
+            <a:schemeClr val="lt1"/>
+          </a:fontRef>
+        </p:style>
+        <p:txBody>
+          <a:bodyPr rtlCol="0" anchor="ctr"/>
+          <a:lstStyle/>
+          <a:p>
+            <a:pPr algn="ctr"/>
+            <a:endParaRPr lang="en-GB"/>
+          </a:p>
+        </p:txBody>
+      </p:sp>
+      <p:sp>
+        <p:nvSpPr>
+          <p:cNvPr id="89" name="Ellips 88">
+            <a:extLst>
+              <a:ext uri="{FF2B5EF4-FFF2-40B4-BE49-F238E27FC236}">
+                <a16:creationId xmlns:a16="http://schemas.microsoft.com/office/drawing/2014/main" id="{A93AC58F-F99B-43B6-877D-21E6DE43BCF1}"/>
+              </a:ext>
+            </a:extLst>
+          </p:cNvPr>
+          <p:cNvSpPr/>
+          <p:nvPr/>
+        </p:nvSpPr>
+        <p:spPr>
+          <a:xfrm>
+            <a:off x="7026990" y="4271356"/>
+            <a:ext cx="2973642" cy="430839"/>
+          </a:xfrm>
+          <a:prstGeom prst="ellipse">
+            <a:avLst/>
+          </a:prstGeom>
+          <a:gradFill flip="none" rotWithShape="1">
+            <a:gsLst>
+              <a:gs pos="0">
+                <a:schemeClr val="tx1">
+                  <a:lumMod val="75000"/>
+                  <a:lumOff val="25000"/>
+                </a:schemeClr>
+              </a:gs>
+              <a:gs pos="96000">
+                <a:schemeClr val="tx1">
+                  <a:lumMod val="75000"/>
+                  <a:lumOff val="25000"/>
+                </a:schemeClr>
+              </a:gs>
+            </a:gsLst>
+            <a:path path="circle">
+              <a:fillToRect l="50000" t="50000" r="50000" b="50000"/>
+            </a:path>
+            <a:tileRect/>
+          </a:gradFill>
+          <a:ln w="19050">
+            <a:solidFill>
+              <a:srgbClr val="2E2E2E"/>
+            </a:solidFill>
+          </a:ln>
+        </p:spPr>
+        <p:style>
+          <a:lnRef idx="2">
+            <a:schemeClr val="accent1">
+              <a:shade val="50000"/>
+            </a:schemeClr>
+          </a:lnRef>
+          <a:fillRef idx="1">
+            <a:schemeClr val="accent1"/>
+          </a:fillRef>
+          <a:effectRef idx="0">
+            <a:schemeClr val="accent1"/>
+          </a:effectRef>
+          <a:fontRef idx="minor">
+            <a:schemeClr val="lt1"/>
+          </a:fontRef>
+        </p:style>
+        <p:txBody>
+          <a:bodyPr rtlCol="0" anchor="ctr"/>
+          <a:lstStyle/>
+          <a:p>
+            <a:pPr algn="ctr"/>
+            <a:endParaRPr lang="en-GB"/>
+          </a:p>
+        </p:txBody>
+      </p:sp>
+      <p:sp>
+        <p:nvSpPr>
+          <p:cNvPr id="90" name="Ofullständig cirkel 89">
+            <a:extLst>
+              <a:ext uri="{FF2B5EF4-FFF2-40B4-BE49-F238E27FC236}">
+                <a16:creationId xmlns:a16="http://schemas.microsoft.com/office/drawing/2014/main" id="{79DC9A6B-C2B4-478D-8182-278148F65E34}"/>
+              </a:ext>
+            </a:extLst>
+          </p:cNvPr>
+          <p:cNvSpPr/>
+          <p:nvPr/>
+        </p:nvSpPr>
+        <p:spPr>
+          <a:xfrm>
+            <a:off x="7026990" y="5519042"/>
+            <a:ext cx="2973642" cy="430839"/>
+          </a:xfrm>
+          <a:prstGeom prst="pie">
+            <a:avLst>
+              <a:gd name="adj1" fmla="val 0"/>
+              <a:gd name="adj2" fmla="val 10804200"/>
+            </a:avLst>
+          </a:prstGeom>
+          <a:gradFill>
+            <a:gsLst>
+              <a:gs pos="14000">
+                <a:schemeClr val="accent6">
+                  <a:lumMod val="60000"/>
+                  <a:lumOff val="40000"/>
+                </a:schemeClr>
+              </a:gs>
+              <a:gs pos="96000">
+                <a:schemeClr val="accent6">
+                  <a:lumMod val="50000"/>
+                </a:schemeClr>
+              </a:gs>
+            </a:gsLst>
+            <a:lin ang="0" scaled="0"/>
+          </a:gradFill>
+          <a:ln w="19050">
+            <a:noFill/>
+          </a:ln>
+        </p:spPr>
+        <p:style>
+          <a:lnRef idx="2">
+            <a:schemeClr val="accent1">
+              <a:shade val="50000"/>
+            </a:schemeClr>
+          </a:lnRef>
+          <a:fillRef idx="1">
+            <a:schemeClr val="accent1"/>
+          </a:fillRef>
+          <a:effectRef idx="0">
+            <a:schemeClr val="accent1"/>
+          </a:effectRef>
+          <a:fontRef idx="minor">
+            <a:schemeClr val="lt1"/>
+          </a:fontRef>
+        </p:style>
+        <p:txBody>
+          <a:bodyPr rtlCol="0" anchor="ctr"/>
+          <a:lstStyle/>
+          <a:p>
+            <a:pPr algn="ctr"/>
+            <a:endParaRPr lang="en-GB">
+              <a:solidFill>
+                <a:schemeClr val="tx1"/>
+              </a:solidFill>
+            </a:endParaRPr>
+          </a:p>
+        </p:txBody>
+      </p:sp>
+      <p:cxnSp>
+        <p:nvCxnSpPr>
+          <p:cNvPr id="91" name="Rak koppling 90">
+            <a:extLst>
+              <a:ext uri="{FF2B5EF4-FFF2-40B4-BE49-F238E27FC236}">
+                <a16:creationId xmlns:a16="http://schemas.microsoft.com/office/drawing/2014/main" id="{E2E85EF4-99AD-4474-B7E5-CA6E9E17AAA8}"/>
+              </a:ext>
+            </a:extLst>
+          </p:cNvPr>
+          <p:cNvCxnSpPr>
+            <a:stCxn id="89" idx="2"/>
+            <a:endCxn id="90" idx="2"/>
+          </p:cNvCxnSpPr>
+          <p:nvPr/>
+        </p:nvCxnSpPr>
+        <p:spPr>
+          <a:xfrm>
+            <a:off x="7026990" y="4486776"/>
+            <a:ext cx="0" cy="1247686"/>
+          </a:xfrm>
+          <a:prstGeom prst="line">
+            <a:avLst/>
+          </a:prstGeom>
+          <a:ln w="19050">
+            <a:solidFill>
+              <a:srgbClr val="2E2E2E"/>
+            </a:solidFill>
+          </a:ln>
+        </p:spPr>
+        <p:style>
+          <a:lnRef idx="1">
+            <a:schemeClr val="accent1"/>
+          </a:lnRef>
+          <a:fillRef idx="0">
+            <a:schemeClr val="accent1"/>
+          </a:fillRef>
+          <a:effectRef idx="0">
+            <a:schemeClr val="accent1"/>
+          </a:effectRef>
+          <a:fontRef idx="minor">
+            <a:schemeClr val="tx1"/>
+          </a:fontRef>
+        </p:style>
+      </p:cxnSp>
+      <p:cxnSp>
+        <p:nvCxnSpPr>
+          <p:cNvPr id="92" name="Rak koppling 91">
+            <a:extLst>
+              <a:ext uri="{FF2B5EF4-FFF2-40B4-BE49-F238E27FC236}">
+                <a16:creationId xmlns:a16="http://schemas.microsoft.com/office/drawing/2014/main" id="{3CB50A46-7A3E-4CB8-B17A-35B8E89C4407}"/>
+              </a:ext>
+            </a:extLst>
+          </p:cNvPr>
+          <p:cNvCxnSpPr>
+            <a:stCxn id="89" idx="6"/>
+            <a:endCxn id="90" idx="0"/>
+          </p:cNvCxnSpPr>
+          <p:nvPr/>
+        </p:nvCxnSpPr>
+        <p:spPr>
+          <a:xfrm>
+            <a:off x="10000632" y="4486776"/>
+            <a:ext cx="0" cy="1247686"/>
+          </a:xfrm>
+          <a:prstGeom prst="line">
+            <a:avLst/>
+          </a:prstGeom>
+          <a:ln w="19050">
+            <a:solidFill>
+              <a:srgbClr val="2E2E2E"/>
+            </a:solidFill>
+          </a:ln>
+        </p:spPr>
+        <p:style>
+          <a:lnRef idx="1">
+            <a:schemeClr val="accent1"/>
+          </a:lnRef>
+          <a:fillRef idx="0">
+            <a:schemeClr val="accent1"/>
+          </a:fillRef>
+          <a:effectRef idx="0">
+            <a:schemeClr val="accent1"/>
+          </a:effectRef>
+          <a:fontRef idx="minor">
+            <a:schemeClr val="tx1"/>
+          </a:fontRef>
+        </p:style>
+      </p:cxnSp>
+      <p:sp>
+        <p:nvSpPr>
+          <p:cNvPr id="93" name="Parallellogram 92">
+            <a:extLst>
+              <a:ext uri="{FF2B5EF4-FFF2-40B4-BE49-F238E27FC236}">
+                <a16:creationId xmlns:a16="http://schemas.microsoft.com/office/drawing/2014/main" id="{BD9231B4-E978-4005-9C46-BD2722DD1CE8}"/>
+              </a:ext>
+            </a:extLst>
+          </p:cNvPr>
+          <p:cNvSpPr/>
+          <p:nvPr/>
+        </p:nvSpPr>
+        <p:spPr>
+          <a:xfrm rot="5400000">
+            <a:off x="7100576" y="4976504"/>
+            <a:ext cx="803776" cy="432638"/>
+          </a:xfrm>
+          <a:prstGeom prst="parallelogram">
+            <a:avLst>
+              <a:gd name="adj" fmla="val 14773"/>
+            </a:avLst>
+          </a:prstGeom>
+          <a:gradFill flip="none" rotWithShape="1">
+            <a:gsLst>
+              <a:gs pos="0">
+                <a:schemeClr val="accent1">
+                  <a:lumMod val="40000"/>
+                  <a:lumOff val="60000"/>
+                </a:schemeClr>
+              </a:gs>
+              <a:gs pos="96000">
+                <a:schemeClr val="accent1">
+                  <a:lumMod val="75000"/>
+                </a:schemeClr>
+              </a:gs>
+            </a:gsLst>
+            <a:lin ang="19500000" scaled="0"/>
+            <a:tileRect/>
+          </a:gradFill>
+          <a:ln>
+            <a:solidFill>
+              <a:srgbClr val="2E2E2E"/>
+            </a:solidFill>
+          </a:ln>
+        </p:spPr>
+        <p:style>
+          <a:lnRef idx="2">
+            <a:schemeClr val="accent1">
+              <a:shade val="50000"/>
+            </a:schemeClr>
+          </a:lnRef>
+          <a:fillRef idx="1">
+            <a:schemeClr val="accent1"/>
+          </a:fillRef>
+          <a:effectRef idx="0">
+            <a:schemeClr val="accent1"/>
+          </a:effectRef>
+          <a:fontRef idx="minor">
+            <a:schemeClr val="lt1"/>
+          </a:fontRef>
+        </p:style>
+        <p:txBody>
+          <a:bodyPr rtlCol="0" anchor="ctr"/>
+          <a:lstStyle/>
+          <a:p>
+            <a:pPr algn="ctr"/>
+            <a:endParaRPr lang="en-GB"/>
+          </a:p>
+        </p:txBody>
+      </p:sp>
+      <p:sp>
+        <p:nvSpPr>
+          <p:cNvPr id="94" name="Parallellogram 93">
+            <a:extLst>
+              <a:ext uri="{FF2B5EF4-FFF2-40B4-BE49-F238E27FC236}">
+                <a16:creationId xmlns:a16="http://schemas.microsoft.com/office/drawing/2014/main" id="{E6BAB6FB-3796-4801-AD49-F31A9A9A3D20}"/>
+              </a:ext>
+            </a:extLst>
+          </p:cNvPr>
+          <p:cNvSpPr/>
+          <p:nvPr/>
+        </p:nvSpPr>
+        <p:spPr>
+          <a:xfrm rot="5400000" flipV="1">
+            <a:off x="9109411" y="4978786"/>
+            <a:ext cx="803776" cy="428074"/>
+          </a:xfrm>
+          <a:prstGeom prst="parallelogram">
+            <a:avLst>
+              <a:gd name="adj" fmla="val 14773"/>
+            </a:avLst>
+          </a:prstGeom>
+          <a:gradFill flip="none" rotWithShape="1">
+            <a:gsLst>
+              <a:gs pos="0">
+                <a:schemeClr val="accent1">
+                  <a:lumMod val="40000"/>
+                  <a:lumOff val="60000"/>
+                </a:schemeClr>
+              </a:gs>
+              <a:gs pos="96000">
+                <a:schemeClr val="accent1">
+                  <a:lumMod val="75000"/>
+                </a:schemeClr>
+              </a:gs>
+            </a:gsLst>
+            <a:lin ang="2700000" scaled="1"/>
+            <a:tileRect/>
+          </a:gradFill>
+          <a:ln>
+            <a:solidFill>
+              <a:srgbClr val="2E2E2E"/>
+            </a:solidFill>
+          </a:ln>
+        </p:spPr>
+        <p:style>
+          <a:lnRef idx="2">
+            <a:schemeClr val="accent1">
+              <a:shade val="50000"/>
+            </a:schemeClr>
+          </a:lnRef>
+          <a:fillRef idx="1">
+            <a:schemeClr val="accent1"/>
+          </a:fillRef>
+          <a:effectRef idx="0">
+            <a:schemeClr val="accent1"/>
+          </a:effectRef>
+          <a:fontRef idx="minor">
+            <a:schemeClr val="lt1"/>
+          </a:fontRef>
+        </p:style>
+        <p:txBody>
+          <a:bodyPr rtlCol="0" anchor="ctr"/>
+          <a:lstStyle/>
+          <a:p>
+            <a:pPr algn="ctr"/>
+            <a:endParaRPr lang="en-GB"/>
+          </a:p>
+        </p:txBody>
+      </p:sp>
+      <p:sp>
+        <p:nvSpPr>
+          <p:cNvPr id="95" name="Rektangel 94">
+            <a:extLst>
+              <a:ext uri="{FF2B5EF4-FFF2-40B4-BE49-F238E27FC236}">
+                <a16:creationId xmlns:a16="http://schemas.microsoft.com/office/drawing/2014/main" id="{E2C06E29-0E02-4D81-9661-2463CB69E876}"/>
+              </a:ext>
+            </a:extLst>
+          </p:cNvPr>
+          <p:cNvSpPr/>
+          <p:nvPr/>
+        </p:nvSpPr>
+        <p:spPr>
+          <a:xfrm>
+            <a:off x="8257300" y="4890099"/>
+            <a:ext cx="501445" cy="727294"/>
+          </a:xfrm>
+          <a:prstGeom prst="rect">
+            <a:avLst/>
+          </a:prstGeom>
+          <a:gradFill flip="none" rotWithShape="1">
+            <a:gsLst>
+              <a:gs pos="0">
+                <a:schemeClr val="accent1">
+                  <a:lumMod val="40000"/>
+                  <a:lumOff val="60000"/>
+                </a:schemeClr>
+              </a:gs>
+              <a:gs pos="96000">
+                <a:schemeClr val="accent1">
+                  <a:lumMod val="75000"/>
+                </a:schemeClr>
+              </a:gs>
+            </a:gsLst>
+            <a:lin ang="2700000" scaled="1"/>
+            <a:tileRect/>
+          </a:gradFill>
+          <a:ln>
+            <a:solidFill>
+              <a:srgbClr val="2E2E2E"/>
+            </a:solidFill>
+          </a:ln>
+        </p:spPr>
+        <p:style>
+          <a:lnRef idx="2">
+            <a:schemeClr val="accent1">
+              <a:shade val="50000"/>
+            </a:schemeClr>
+          </a:lnRef>
+          <a:fillRef idx="1">
+            <a:schemeClr val="accent1"/>
+          </a:fillRef>
+          <a:effectRef idx="0">
+            <a:schemeClr val="accent1"/>
+          </a:effectRef>
+          <a:fontRef idx="minor">
+            <a:schemeClr val="lt1"/>
+          </a:fontRef>
+        </p:style>
+        <p:txBody>
+          <a:bodyPr rtlCol="0" anchor="ctr"/>
+          <a:lstStyle/>
+          <a:p>
+            <a:pPr algn="ctr"/>
+            <a:endParaRPr lang="en-GB"/>
+          </a:p>
+        </p:txBody>
+      </p:sp>
+      <p:sp>
+        <p:nvSpPr>
+          <p:cNvPr id="96" name="Ellips 95">
+            <a:extLst>
+              <a:ext uri="{FF2B5EF4-FFF2-40B4-BE49-F238E27FC236}">
+                <a16:creationId xmlns:a16="http://schemas.microsoft.com/office/drawing/2014/main" id="{4BE346D4-AC7E-48FB-B222-53E073107B1B}"/>
+              </a:ext>
+            </a:extLst>
+          </p:cNvPr>
+          <p:cNvSpPr/>
+          <p:nvPr/>
+        </p:nvSpPr>
+        <p:spPr>
+          <a:xfrm>
+            <a:off x="7286145" y="4356380"/>
+            <a:ext cx="2439191" cy="254025"/>
+          </a:xfrm>
+          <a:prstGeom prst="ellipse">
             <a:avLst/>
           </a:prstGeom>
           <a:solidFill>
             <a:schemeClr val="tx1">
-              <a:alpha val="20000"/>
+              <a:lumMod val="85000"/>
+              <a:lumOff val="15000"/>
             </a:schemeClr>
           </a:solidFill>
+          <a:ln>
+            <a:solidFill>
+              <a:srgbClr val="2E2E2E"/>
+            </a:solidFill>
+          </a:ln>
+        </p:spPr>
+        <p:style>
+          <a:lnRef idx="2">
+            <a:schemeClr val="accent1">
+              <a:shade val="50000"/>
+            </a:schemeClr>
+          </a:lnRef>
+          <a:fillRef idx="1">
+            <a:schemeClr val="accent1"/>
+          </a:fillRef>
+          <a:effectRef idx="0">
+            <a:schemeClr val="accent1"/>
+          </a:effectRef>
+          <a:fontRef idx="minor">
+            <a:schemeClr val="lt1"/>
+          </a:fontRef>
+        </p:style>
+        <p:txBody>
+          <a:bodyPr rtlCol="0" anchor="ctr"/>
+          <a:lstStyle/>
+          <a:p>
+            <a:pPr algn="ctr"/>
+            <a:endParaRPr lang="en-GB"/>
+          </a:p>
+        </p:txBody>
+      </p:sp>
+      <p:sp>
+        <p:nvSpPr>
+          <p:cNvPr id="97" name="Parallelltrapets 96">
+            <a:extLst>
+              <a:ext uri="{FF2B5EF4-FFF2-40B4-BE49-F238E27FC236}">
+                <a16:creationId xmlns:a16="http://schemas.microsoft.com/office/drawing/2014/main" id="{D7D6EE45-B82E-405A-94D8-DC8C83C9FF26}"/>
+              </a:ext>
+            </a:extLst>
+          </p:cNvPr>
+          <p:cNvSpPr/>
+          <p:nvPr/>
+        </p:nvSpPr>
+        <p:spPr>
+          <a:xfrm>
+            <a:off x="7617542" y="3671909"/>
+            <a:ext cx="1767320" cy="814867"/>
+          </a:xfrm>
+          <a:prstGeom prst="trapezoid">
+            <a:avLst>
+              <a:gd name="adj" fmla="val 59388"/>
+            </a:avLst>
+          </a:prstGeom>
+          <a:noFill/>
+          <a:ln w="38100">
+            <a:solidFill>
+              <a:schemeClr val="tx1">
+                <a:lumMod val="50000"/>
+                <a:lumOff val="50000"/>
+              </a:schemeClr>
+            </a:solidFill>
+          </a:ln>
+        </p:spPr>
+        <p:style>
+          <a:lnRef idx="2">
+            <a:schemeClr val="accent1">
+              <a:shade val="50000"/>
+            </a:schemeClr>
+          </a:lnRef>
+          <a:fillRef idx="1">
+            <a:schemeClr val="accent1"/>
+          </a:fillRef>
+          <a:effectRef idx="0">
+            <a:schemeClr val="accent1"/>
+          </a:effectRef>
+          <a:fontRef idx="minor">
+            <a:schemeClr val="lt1"/>
+          </a:fontRef>
+        </p:style>
+        <p:txBody>
+          <a:bodyPr rtlCol="0" anchor="ctr"/>
+          <a:lstStyle/>
+          <a:p>
+            <a:pPr algn="ctr"/>
+            <a:endParaRPr lang="en-GB"/>
+          </a:p>
+        </p:txBody>
+      </p:sp>
+      <p:sp>
+        <p:nvSpPr>
+          <p:cNvPr id="98" name="Parallelltrapets 97">
+            <a:extLst>
+              <a:ext uri="{FF2B5EF4-FFF2-40B4-BE49-F238E27FC236}">
+                <a16:creationId xmlns:a16="http://schemas.microsoft.com/office/drawing/2014/main" id="{EA74D9EF-5F93-4A04-A585-6CC2BA686C6A}"/>
+              </a:ext>
+            </a:extLst>
+          </p:cNvPr>
+          <p:cNvSpPr/>
+          <p:nvPr/>
+        </p:nvSpPr>
+        <p:spPr>
+          <a:xfrm>
+            <a:off x="8115257" y="2772697"/>
+            <a:ext cx="785530" cy="899212"/>
+          </a:xfrm>
+          <a:prstGeom prst="trapezoid">
+            <a:avLst/>
+          </a:prstGeom>
+          <a:noFill/>
+          <a:ln w="38100">
+            <a:solidFill>
+              <a:schemeClr val="tx1">
+                <a:lumMod val="50000"/>
+                <a:lumOff val="50000"/>
+              </a:schemeClr>
+            </a:solidFill>
+          </a:ln>
+        </p:spPr>
+        <p:style>
+          <a:lnRef idx="2">
+            <a:schemeClr val="accent1">
+              <a:shade val="50000"/>
+            </a:schemeClr>
+          </a:lnRef>
+          <a:fillRef idx="1">
+            <a:schemeClr val="accent1"/>
+          </a:fillRef>
+          <a:effectRef idx="0">
+            <a:schemeClr val="accent1"/>
+          </a:effectRef>
+          <a:fontRef idx="minor">
+            <a:schemeClr val="lt1"/>
+          </a:fontRef>
+        </p:style>
+        <p:txBody>
+          <a:bodyPr rtlCol="0" anchor="ctr"/>
+          <a:lstStyle/>
+          <a:p>
+            <a:pPr algn="ctr"/>
+            <a:endParaRPr lang="en-GB"/>
+          </a:p>
+        </p:txBody>
+      </p:sp>
+      <p:sp>
+        <p:nvSpPr>
+          <p:cNvPr id="99" name="Likbent triangel 98">
+            <a:extLst>
+              <a:ext uri="{FF2B5EF4-FFF2-40B4-BE49-F238E27FC236}">
+                <a16:creationId xmlns:a16="http://schemas.microsoft.com/office/drawing/2014/main" id="{DDBB55FD-E361-446B-912D-12B84EA67735}"/>
+              </a:ext>
+            </a:extLst>
+          </p:cNvPr>
+          <p:cNvSpPr/>
+          <p:nvPr/>
+        </p:nvSpPr>
+        <p:spPr>
+          <a:xfrm>
+            <a:off x="8319980" y="2172260"/>
+            <a:ext cx="376084" cy="601427"/>
+          </a:xfrm>
+          <a:prstGeom prst="triangle">
+            <a:avLst/>
+          </a:prstGeom>
+          <a:noFill/>
+          <a:ln w="38100">
+            <a:solidFill>
+              <a:schemeClr val="tx1">
+                <a:lumMod val="50000"/>
+                <a:lumOff val="50000"/>
+              </a:schemeClr>
+            </a:solidFill>
+          </a:ln>
+        </p:spPr>
+        <p:style>
+          <a:lnRef idx="2">
+            <a:schemeClr val="accent1">
+              <a:shade val="50000"/>
+            </a:schemeClr>
+          </a:lnRef>
+          <a:fillRef idx="1">
+            <a:schemeClr val="accent1"/>
+          </a:fillRef>
+          <a:effectRef idx="0">
+            <a:schemeClr val="accent1"/>
+          </a:effectRef>
+          <a:fontRef idx="minor">
+            <a:schemeClr val="lt1"/>
+          </a:fontRef>
+        </p:style>
+        <p:txBody>
+          <a:bodyPr rtlCol="0" anchor="ctr"/>
+          <a:lstStyle/>
+          <a:p>
+            <a:pPr algn="ctr"/>
+            <a:endParaRPr lang="en-GB"/>
+          </a:p>
+        </p:txBody>
+      </p:sp>
+      <p:cxnSp>
+        <p:nvCxnSpPr>
+          <p:cNvPr id="101" name="Rak koppling 100">
+            <a:extLst>
+              <a:ext uri="{FF2B5EF4-FFF2-40B4-BE49-F238E27FC236}">
+                <a16:creationId xmlns:a16="http://schemas.microsoft.com/office/drawing/2014/main" id="{42758E49-DF12-4129-AE5B-00CDE1F14E76}"/>
+              </a:ext>
+            </a:extLst>
+          </p:cNvPr>
+          <p:cNvCxnSpPr/>
+          <p:nvPr/>
+        </p:nvCxnSpPr>
+        <p:spPr>
+          <a:xfrm>
+            <a:off x="8115257" y="3671909"/>
+            <a:ext cx="1269605" cy="811483"/>
+          </a:xfrm>
+          <a:prstGeom prst="line">
+            <a:avLst/>
+          </a:prstGeom>
+          <a:ln w="28575">
+            <a:solidFill>
+              <a:schemeClr val="tx1">
+                <a:lumMod val="50000"/>
+                <a:lumOff val="50000"/>
+              </a:schemeClr>
+            </a:solidFill>
+          </a:ln>
+        </p:spPr>
+        <p:style>
+          <a:lnRef idx="1">
+            <a:schemeClr val="accent1"/>
+          </a:lnRef>
+          <a:fillRef idx="0">
+            <a:schemeClr val="accent1"/>
+          </a:fillRef>
+          <a:effectRef idx="0">
+            <a:schemeClr val="accent1"/>
+          </a:effectRef>
+          <a:fontRef idx="minor">
+            <a:schemeClr val="tx1"/>
+          </a:fontRef>
+        </p:style>
+      </p:cxnSp>
+      <p:cxnSp>
+        <p:nvCxnSpPr>
+          <p:cNvPr id="103" name="Rak koppling 102">
+            <a:extLst>
+              <a:ext uri="{FF2B5EF4-FFF2-40B4-BE49-F238E27FC236}">
+                <a16:creationId xmlns:a16="http://schemas.microsoft.com/office/drawing/2014/main" id="{FA49B15D-DC87-4E24-B292-21F4A49A64D5}"/>
+              </a:ext>
+            </a:extLst>
+          </p:cNvPr>
+          <p:cNvCxnSpPr/>
+          <p:nvPr/>
+        </p:nvCxnSpPr>
+        <p:spPr>
+          <a:xfrm flipV="1">
+            <a:off x="7620637" y="3669929"/>
+            <a:ext cx="1261758" cy="813463"/>
+          </a:xfrm>
+          <a:prstGeom prst="line">
+            <a:avLst/>
+          </a:prstGeom>
+          <a:ln w="28575">
+            <a:solidFill>
+              <a:schemeClr val="tx1">
+                <a:lumMod val="50000"/>
+                <a:lumOff val="50000"/>
+              </a:schemeClr>
+            </a:solidFill>
+          </a:ln>
+        </p:spPr>
+        <p:style>
+          <a:lnRef idx="1">
+            <a:schemeClr val="accent1"/>
+          </a:lnRef>
+          <a:fillRef idx="0">
+            <a:schemeClr val="accent1"/>
+          </a:fillRef>
+          <a:effectRef idx="0">
+            <a:schemeClr val="accent1"/>
+          </a:effectRef>
+          <a:fontRef idx="minor">
+            <a:schemeClr val="tx1"/>
+          </a:fontRef>
+        </p:style>
+      </p:cxnSp>
+      <p:cxnSp>
+        <p:nvCxnSpPr>
+          <p:cNvPr id="105" name="Rak koppling 104">
+            <a:extLst>
+              <a:ext uri="{FF2B5EF4-FFF2-40B4-BE49-F238E27FC236}">
+                <a16:creationId xmlns:a16="http://schemas.microsoft.com/office/drawing/2014/main" id="{C7C6F9D2-F3F9-4E63-8E7A-BD7B466C87E4}"/>
+              </a:ext>
+            </a:extLst>
+          </p:cNvPr>
+          <p:cNvCxnSpPr>
+            <a:stCxn id="99" idx="2"/>
+          </p:cNvCxnSpPr>
+          <p:nvPr/>
+        </p:nvCxnSpPr>
+        <p:spPr>
+          <a:xfrm>
+            <a:off x="8319980" y="2773687"/>
+            <a:ext cx="562415" cy="876238"/>
+          </a:xfrm>
+          <a:prstGeom prst="line">
+            <a:avLst/>
+          </a:prstGeom>
+          <a:ln w="28575">
+            <a:solidFill>
+              <a:schemeClr val="tx1">
+                <a:lumMod val="50000"/>
+                <a:lumOff val="50000"/>
+              </a:schemeClr>
+            </a:solidFill>
+          </a:ln>
+        </p:spPr>
+        <p:style>
+          <a:lnRef idx="1">
+            <a:schemeClr val="accent1"/>
+          </a:lnRef>
+          <a:fillRef idx="0">
+            <a:schemeClr val="accent1"/>
+          </a:fillRef>
+          <a:effectRef idx="0">
+            <a:schemeClr val="accent1"/>
+          </a:effectRef>
+          <a:fontRef idx="minor">
+            <a:schemeClr val="tx1"/>
+          </a:fontRef>
+        </p:style>
+      </p:cxnSp>
+      <p:cxnSp>
+        <p:nvCxnSpPr>
+          <p:cNvPr id="107" name="Rak koppling 106">
+            <a:extLst>
+              <a:ext uri="{FF2B5EF4-FFF2-40B4-BE49-F238E27FC236}">
+                <a16:creationId xmlns:a16="http://schemas.microsoft.com/office/drawing/2014/main" id="{8106C792-9183-4A99-BE77-8CE170DCA2DF}"/>
+              </a:ext>
+            </a:extLst>
+          </p:cNvPr>
+          <p:cNvCxnSpPr>
+            <a:stCxn id="99" idx="4"/>
+          </p:cNvCxnSpPr>
+          <p:nvPr/>
+        </p:nvCxnSpPr>
+        <p:spPr>
+          <a:xfrm flipH="1">
+            <a:off x="8115257" y="2773687"/>
+            <a:ext cx="580807" cy="892858"/>
+          </a:xfrm>
+          <a:prstGeom prst="line">
+            <a:avLst/>
+          </a:prstGeom>
+          <a:ln w="28575">
+            <a:solidFill>
+              <a:schemeClr val="tx1">
+                <a:lumMod val="50000"/>
+                <a:lumOff val="50000"/>
+              </a:schemeClr>
+            </a:solidFill>
+          </a:ln>
+        </p:spPr>
+        <p:style>
+          <a:lnRef idx="1">
+            <a:schemeClr val="accent1"/>
+          </a:lnRef>
+          <a:fillRef idx="0">
+            <a:schemeClr val="accent1"/>
+          </a:fillRef>
+          <a:effectRef idx="0">
+            <a:schemeClr val="accent1"/>
+          </a:effectRef>
+          <a:fontRef idx="minor">
+            <a:schemeClr val="tx1"/>
+          </a:fontRef>
+        </p:style>
+      </p:cxnSp>
+      <p:sp>
+        <p:nvSpPr>
+          <p:cNvPr id="108" name="Ellips 107">
+            <a:extLst>
+              <a:ext uri="{FF2B5EF4-FFF2-40B4-BE49-F238E27FC236}">
+                <a16:creationId xmlns:a16="http://schemas.microsoft.com/office/drawing/2014/main" id="{A12DB751-897E-4779-96FE-D81FDC838236}"/>
+              </a:ext>
+            </a:extLst>
+          </p:cNvPr>
+          <p:cNvSpPr/>
+          <p:nvPr/>
+        </p:nvSpPr>
+        <p:spPr>
+          <a:xfrm>
+            <a:off x="8838042" y="3624528"/>
+            <a:ext cx="85493" cy="84034"/>
+          </a:xfrm>
+          <a:prstGeom prst="ellipse">
+            <a:avLst/>
+          </a:prstGeom>
+          <a:gradFill>
+            <a:gsLst>
+              <a:gs pos="19000">
+                <a:srgbClr val="FF0000"/>
+              </a:gs>
+              <a:gs pos="96000">
+                <a:schemeClr val="bg1"/>
+              </a:gs>
+            </a:gsLst>
+            <a:path path="circle">
+              <a:fillToRect l="50000" t="50000" r="50000" b="50000"/>
+            </a:path>
+          </a:gradFill>
+          <a:ln>
+            <a:noFill/>
+          </a:ln>
+        </p:spPr>
+        <p:style>
+          <a:lnRef idx="2">
+            <a:schemeClr val="accent1">
+              <a:shade val="50000"/>
+            </a:schemeClr>
+          </a:lnRef>
+          <a:fillRef idx="1">
+            <a:schemeClr val="accent1"/>
+          </a:fillRef>
+          <a:effectRef idx="0">
+            <a:schemeClr val="accent1"/>
+          </a:effectRef>
+          <a:fontRef idx="minor">
+            <a:schemeClr val="lt1"/>
+          </a:fontRef>
+        </p:style>
+        <p:txBody>
+          <a:bodyPr rtlCol="0" anchor="ctr"/>
+          <a:lstStyle/>
+          <a:p>
+            <a:pPr algn="ctr"/>
+            <a:endParaRPr lang="en-GB"/>
+          </a:p>
+        </p:txBody>
+      </p:sp>
+      <p:sp>
+        <p:nvSpPr>
+          <p:cNvPr id="109" name="Ellips 108">
+            <a:extLst>
+              <a:ext uri="{FF2B5EF4-FFF2-40B4-BE49-F238E27FC236}">
+                <a16:creationId xmlns:a16="http://schemas.microsoft.com/office/drawing/2014/main" id="{05FA2101-5DF9-4C5B-BD72-73833A42F0ED}"/>
+              </a:ext>
+            </a:extLst>
+          </p:cNvPr>
+          <p:cNvSpPr/>
+          <p:nvPr/>
+        </p:nvSpPr>
+        <p:spPr>
+          <a:xfrm>
+            <a:off x="8081916" y="3629893"/>
+            <a:ext cx="85493" cy="84034"/>
+          </a:xfrm>
+          <a:prstGeom prst="ellipse">
+            <a:avLst/>
+          </a:prstGeom>
+          <a:gradFill>
+            <a:gsLst>
+              <a:gs pos="19000">
+                <a:srgbClr val="FF0000"/>
+              </a:gs>
+              <a:gs pos="96000">
+                <a:schemeClr val="bg1"/>
+              </a:gs>
+            </a:gsLst>
+            <a:path path="circle">
+              <a:fillToRect l="50000" t="50000" r="50000" b="50000"/>
+            </a:path>
+          </a:gradFill>
+          <a:ln>
+            <a:noFill/>
+          </a:ln>
+        </p:spPr>
+        <p:style>
+          <a:lnRef idx="2">
+            <a:schemeClr val="accent1">
+              <a:shade val="50000"/>
+            </a:schemeClr>
+          </a:lnRef>
+          <a:fillRef idx="1">
+            <a:schemeClr val="accent1"/>
+          </a:fillRef>
+          <a:effectRef idx="0">
+            <a:schemeClr val="accent1"/>
+          </a:effectRef>
+          <a:fontRef idx="minor">
+            <a:schemeClr val="lt1"/>
+          </a:fontRef>
+        </p:style>
+        <p:txBody>
+          <a:bodyPr rtlCol="0" anchor="ctr"/>
+          <a:lstStyle/>
+          <a:p>
+            <a:pPr algn="ctr"/>
+            <a:endParaRPr lang="en-GB"/>
+          </a:p>
+        </p:txBody>
+      </p:sp>
+      <p:sp>
+        <p:nvSpPr>
+          <p:cNvPr id="110" name="Ellips 109">
+            <a:extLst>
+              <a:ext uri="{FF2B5EF4-FFF2-40B4-BE49-F238E27FC236}">
+                <a16:creationId xmlns:a16="http://schemas.microsoft.com/office/drawing/2014/main" id="{C13CF8F0-CF0F-4BE4-BC74-D45D2EB2D995}"/>
+              </a:ext>
+            </a:extLst>
+          </p:cNvPr>
+          <p:cNvSpPr/>
+          <p:nvPr/>
+        </p:nvSpPr>
+        <p:spPr>
+          <a:xfrm>
+            <a:off x="8646612" y="2733650"/>
+            <a:ext cx="85493" cy="84034"/>
+          </a:xfrm>
+          <a:prstGeom prst="ellipse">
+            <a:avLst/>
+          </a:prstGeom>
+          <a:gradFill>
+            <a:gsLst>
+              <a:gs pos="19000">
+                <a:srgbClr val="FF0000"/>
+              </a:gs>
+              <a:gs pos="96000">
+                <a:schemeClr val="bg1"/>
+              </a:gs>
+            </a:gsLst>
+            <a:path path="circle">
+              <a:fillToRect l="50000" t="50000" r="50000" b="50000"/>
+            </a:path>
+          </a:gradFill>
+          <a:ln>
+            <a:noFill/>
+          </a:ln>
+        </p:spPr>
+        <p:style>
+          <a:lnRef idx="2">
+            <a:schemeClr val="accent1">
+              <a:shade val="50000"/>
+            </a:schemeClr>
+          </a:lnRef>
+          <a:fillRef idx="1">
+            <a:schemeClr val="accent1"/>
+          </a:fillRef>
+          <a:effectRef idx="0">
+            <a:schemeClr val="accent1"/>
+          </a:effectRef>
+          <a:fontRef idx="minor">
+            <a:schemeClr val="lt1"/>
+          </a:fontRef>
+        </p:style>
+        <p:txBody>
+          <a:bodyPr rtlCol="0" anchor="ctr"/>
+          <a:lstStyle/>
+          <a:p>
+            <a:pPr algn="ctr"/>
+            <a:endParaRPr lang="en-GB"/>
+          </a:p>
+        </p:txBody>
+      </p:sp>
+      <p:sp>
+        <p:nvSpPr>
+          <p:cNvPr id="111" name="Ellips 110">
+            <a:extLst>
+              <a:ext uri="{FF2B5EF4-FFF2-40B4-BE49-F238E27FC236}">
+                <a16:creationId xmlns:a16="http://schemas.microsoft.com/office/drawing/2014/main" id="{4C070DCF-CE2C-48ED-98B5-4C7587DC1001}"/>
+              </a:ext>
+            </a:extLst>
+          </p:cNvPr>
+          <p:cNvSpPr/>
+          <p:nvPr/>
+        </p:nvSpPr>
+        <p:spPr>
+          <a:xfrm>
+            <a:off x="8286885" y="2733650"/>
+            <a:ext cx="85493" cy="84034"/>
+          </a:xfrm>
+          <a:prstGeom prst="ellipse">
+            <a:avLst/>
+          </a:prstGeom>
+          <a:gradFill>
+            <a:gsLst>
+              <a:gs pos="19000">
+                <a:srgbClr val="FF0000"/>
+              </a:gs>
+              <a:gs pos="96000">
+                <a:schemeClr val="bg1"/>
+              </a:gs>
+            </a:gsLst>
+            <a:path path="circle">
+              <a:fillToRect l="50000" t="50000" r="50000" b="50000"/>
+            </a:path>
+          </a:gradFill>
+          <a:ln>
+            <a:noFill/>
+          </a:ln>
+        </p:spPr>
+        <p:style>
+          <a:lnRef idx="2">
+            <a:schemeClr val="accent1">
+              <a:shade val="50000"/>
+            </a:schemeClr>
+          </a:lnRef>
+          <a:fillRef idx="1">
+            <a:schemeClr val="accent1"/>
+          </a:fillRef>
+          <a:effectRef idx="0">
+            <a:schemeClr val="accent1"/>
+          </a:effectRef>
+          <a:fontRef idx="minor">
+            <a:schemeClr val="lt1"/>
+          </a:fontRef>
+        </p:style>
+        <p:txBody>
+          <a:bodyPr rtlCol="0" anchor="ctr"/>
+          <a:lstStyle/>
+          <a:p>
+            <a:pPr algn="ctr"/>
+            <a:endParaRPr lang="en-GB"/>
+          </a:p>
+        </p:txBody>
+      </p:sp>
+      <p:sp>
+        <p:nvSpPr>
+          <p:cNvPr id="112" name="Ellips 111">
+            <a:extLst>
+              <a:ext uri="{FF2B5EF4-FFF2-40B4-BE49-F238E27FC236}">
+                <a16:creationId xmlns:a16="http://schemas.microsoft.com/office/drawing/2014/main" id="{FAB3AB2A-356C-4F59-8B26-3A77B7815A9D}"/>
+              </a:ext>
+            </a:extLst>
+          </p:cNvPr>
+          <p:cNvSpPr/>
+          <p:nvPr/>
+        </p:nvSpPr>
+        <p:spPr>
+          <a:xfrm>
+            <a:off x="8427717" y="2091771"/>
+            <a:ext cx="154495" cy="161117"/>
+          </a:xfrm>
+          <a:prstGeom prst="ellipse">
+            <a:avLst/>
+          </a:prstGeom>
+          <a:gradFill>
+            <a:gsLst>
+              <a:gs pos="19000">
+                <a:schemeClr val="accent4">
+                  <a:lumMod val="60000"/>
+                  <a:lumOff val="40000"/>
+                </a:schemeClr>
+              </a:gs>
+              <a:gs pos="96000">
+                <a:schemeClr val="bg1"/>
+              </a:gs>
+            </a:gsLst>
+            <a:path path="circle">
+              <a:fillToRect l="50000" t="50000" r="50000" b="50000"/>
+            </a:path>
+          </a:gradFill>
           <a:ln>
             <a:noFill/>
           </a:ln>
